--- a/Lectures/18 - Coding Categorical Predictors.pptx
+++ b/Lectures/18 - Coding Categorical Predictors.pptx
@@ -5,28 +5,18 @@
     <p:sldMasterId id="2147484095" r:id="rId1"/>
   </p:sldMasterIdLst>
   <p:notesMasterIdLst>
-    <p:notesMasterId r:id="rId18"/>
+    <p:notesMasterId r:id="rId8"/>
   </p:notesMasterIdLst>
   <p:handoutMasterIdLst>
-    <p:handoutMasterId r:id="rId19"/>
+    <p:handoutMasterId r:id="rId9"/>
   </p:handoutMasterIdLst>
   <p:sldIdLst>
     <p:sldId id="256" r:id="rId2"/>
     <p:sldId id="389" r:id="rId3"/>
-    <p:sldId id="396" r:id="rId4"/>
-    <p:sldId id="404" r:id="rId5"/>
-    <p:sldId id="406" r:id="rId6"/>
-    <p:sldId id="407" r:id="rId7"/>
-    <p:sldId id="405" r:id="rId8"/>
-    <p:sldId id="408" r:id="rId9"/>
-    <p:sldId id="410" r:id="rId10"/>
-    <p:sldId id="409" r:id="rId11"/>
-    <p:sldId id="411" r:id="rId12"/>
-    <p:sldId id="412" r:id="rId13"/>
-    <p:sldId id="413" r:id="rId14"/>
-    <p:sldId id="415" r:id="rId15"/>
-    <p:sldId id="414" r:id="rId16"/>
-    <p:sldId id="358" r:id="rId17"/>
+    <p:sldId id="416" r:id="rId4"/>
+    <p:sldId id="396" r:id="rId5"/>
+    <p:sldId id="414" r:id="rId6"/>
+    <p:sldId id="358" r:id="rId7"/>
   </p:sldIdLst>
   <p:sldSz cx="12192000" cy="6858000"/>
   <p:notesSz cx="7315200" cy="9601200"/>
@@ -918,7 +908,7 @@
               <a:pPr>
                 <a:defRPr/>
               </a:pPr>
-              <a:t>16</a:t>
+              <a:t>6</a:t>
             </a:fld>
             <a:endParaRPr lang="en-US"/>
           </a:p>
@@ -4906,7 +4896,7 @@
 </p:sld>
 </file>
 
-<file path=ppt/slides/slide10.xml><?xml version="1.0" encoding="utf-8"?>
+<file path=ppt/slides/slide2.xml><?xml version="1.0" encoding="utf-8"?>
 <p:sld xmlns:a="http://schemas.openxmlformats.org/drawingml/2006/main" xmlns:r="http://schemas.openxmlformats.org/officeDocument/2006/relationships" xmlns:p="http://schemas.openxmlformats.org/presentationml/2006/main">
   <p:cSld>
     <p:spTree>
@@ -5072,7 +5062,7 @@
                 <a:latin typeface="Adobe Devanagari" panose="02040503050201020203" pitchFamily="18" charset="0"/>
                 <a:cs typeface="Adobe Devanagari" panose="02040503050201020203" pitchFamily="18" charset="0"/>
               </a:rPr>
-              <a:t>Model Selection Algorithms</a:t>
+              <a:t>Categorical Predictors</a:t>
             </a:r>
             <a:endParaRPr lang="en-US" sz="4800" dirty="0">
               <a:solidFill>
@@ -5097,7 +5087,7 @@
         <p:spPr>
           <a:xfrm>
             <a:off x="457200" y="1981200"/>
-            <a:ext cx="11201400" cy="3915966"/>
+            <a:ext cx="11201400" cy="4392692"/>
           </a:xfrm>
           <a:prstGeom prst="roundRect">
             <a:avLst/>
@@ -5141,39 +5131,39 @@
                   <a:srgbClr val="660066"/>
                 </a:solidFill>
               </a:rPr>
-              <a:t>Positives and Negatives of Backwards Elimination</a:t>
-            </a:r>
-          </a:p>
-          <a:p>
-            <a:pPr marL="914400" lvl="1" indent="-457200">
-              <a:buFont typeface="Arial" panose="020B0604020202020204" pitchFamily="34" charset="0"/>
-              <a:buChar char="•"/>
-            </a:pPr>
+              <a:t>Categorical Variable with </a:t>
+            </a:r>
+            <a:r>
+              <a:rPr lang="en-US" sz="2800" b="1" dirty="0">
+                <a:solidFill>
+                  <a:srgbClr val="660066"/>
+                </a:solidFill>
+              </a:rPr>
+              <a:t>More Than Two</a:t>
+            </a:r>
             <a:r>
               <a:rPr lang="en-US" sz="2800" dirty="0">
                 <a:solidFill>
                   <a:srgbClr val="660066"/>
                 </a:solidFill>
               </a:rPr>
-              <a:t>(+) We are Not Fitting All Subsets</a:t>
-            </a:r>
-          </a:p>
-          <a:p>
-            <a:pPr marL="914400" lvl="1" indent="-457200">
-              <a:buFont typeface="Arial" panose="020B0604020202020204" pitchFamily="34" charset="0"/>
-              <a:buChar char="•"/>
-            </a:pPr>
-            <a:r>
+              <a:t> Options</a:t>
+            </a:r>
+            <a:br>
               <a:rPr lang="en-US" sz="2800" dirty="0">
                 <a:solidFill>
                   <a:srgbClr val="660066"/>
                 </a:solidFill>
               </a:rPr>
-              <a:t>(+) We Start By Seeing What the Full Model Looks Like</a:t>
-            </a:r>
-          </a:p>
-          <a:p>
-            <a:pPr marL="914400" lvl="1" indent="-457200">
+            </a:br>
+            <a:endParaRPr lang="en-US" sz="2800" dirty="0">
+              <a:solidFill>
+                <a:srgbClr val="660066"/>
+              </a:solidFill>
+            </a:endParaRPr>
+          </a:p>
+          <a:p>
+            <a:pPr marL="457200" indent="-457200">
               <a:buFont typeface="Arial" panose="020B0604020202020204" pitchFamily="34" charset="0"/>
               <a:buChar char="•"/>
             </a:pPr>
@@ -5183,25 +5173,51 @@
                   <a:srgbClr val="660066"/>
                 </a:solidFill>
               </a:rPr>
-              <a:t>(+) We Make Use of All Predictor Variables</a:t>
-            </a:r>
-          </a:p>
-          <a:p>
-            <a:pPr marL="914400" lvl="1" indent="-457200">
-              <a:buFont typeface="Arial" panose="020B0604020202020204" pitchFamily="34" charset="0"/>
-              <a:buChar char="•"/>
-            </a:pPr>
+              <a:t>Suppose there are </a:t>
+            </a:r>
+            <a:r>
+              <a:rPr lang="en-US" sz="2800" i="1" dirty="0">
+                <a:solidFill>
+                  <a:srgbClr val="660066"/>
+                </a:solidFill>
+              </a:rPr>
+              <a:t>K </a:t>
+            </a:r>
             <a:r>
               <a:rPr lang="en-US" sz="2800" dirty="0">
                 <a:solidFill>
                   <a:srgbClr val="660066"/>
                 </a:solidFill>
               </a:rPr>
-              <a:t>(-) Initial Models are Very Complex and Overfitted</a:t>
-            </a:r>
-          </a:p>
-          <a:p>
-            <a:pPr marL="914400" lvl="1" indent="-457200">
+              <a:t>Different Categories for </a:t>
+            </a:r>
+            <a:r>
+              <a:rPr lang="en-US" sz="2800" i="1" dirty="0">
+                <a:solidFill>
+                  <a:srgbClr val="660066"/>
+                </a:solidFill>
+              </a:rPr>
+              <a:t>X</a:t>
+            </a:r>
+            <a:endParaRPr lang="en-US" sz="2800" dirty="0">
+              <a:solidFill>
+                <a:srgbClr val="660066"/>
+              </a:solidFill>
+            </a:endParaRPr>
+          </a:p>
+          <a:p>
+            <a:pPr marL="457200" indent="-457200">
+              <a:buFont typeface="Arial" panose="020B0604020202020204" pitchFamily="34" charset="0"/>
+              <a:buChar char="•"/>
+            </a:pPr>
+            <a:endParaRPr lang="en-US" sz="2800" dirty="0">
+              <a:solidFill>
+                <a:srgbClr val="660066"/>
+              </a:solidFill>
+            </a:endParaRPr>
+          </a:p>
+          <a:p>
+            <a:pPr marL="457200" indent="-457200">
               <a:buFont typeface="Arial" panose="020B0604020202020204" pitchFamily="34" charset="0"/>
               <a:buChar char="•"/>
             </a:pPr>
@@ -5211,25 +5227,38 @@
                   <a:srgbClr val="660066"/>
                 </a:solidFill>
               </a:rPr>
-              <a:t>(-) Still Likely to Lead to an Overfitted Model</a:t>
-            </a:r>
-          </a:p>
-          <a:p>
-            <a:pPr marL="914400" lvl="1" indent="-457200">
-              <a:buFont typeface="Arial" panose="020B0604020202020204" pitchFamily="34" charset="0"/>
-              <a:buChar char="•"/>
-            </a:pPr>
+              <a:t>We Need </a:t>
+            </a:r>
+            <a:r>
+              <a:rPr lang="en-US" sz="2800" i="1" dirty="0">
+                <a:solidFill>
+                  <a:srgbClr val="660066"/>
+                </a:solidFill>
+              </a:rPr>
+              <a:t>K-1 </a:t>
+            </a:r>
             <a:r>
               <a:rPr lang="en-US" sz="2800" dirty="0">
                 <a:solidFill>
                   <a:srgbClr val="660066"/>
                 </a:solidFill>
               </a:rPr>
-              <a:t>(-) Multicollinearity Could Lead Us to Making a Mistake</a:t>
-            </a:r>
-          </a:p>
-          <a:p>
-            <a:pPr marL="914400" lvl="1" indent="-457200">
+              <a:t>Different Indicator Variables</a:t>
+            </a:r>
+          </a:p>
+          <a:p>
+            <a:pPr marL="457200" indent="-457200">
+              <a:buFont typeface="Arial" panose="020B0604020202020204" pitchFamily="34" charset="0"/>
+              <a:buChar char="•"/>
+            </a:pPr>
+            <a:endParaRPr lang="en-US" sz="2800" dirty="0">
+              <a:solidFill>
+                <a:srgbClr val="660066"/>
+              </a:solidFill>
+            </a:endParaRPr>
+          </a:p>
+          <a:p>
+            <a:pPr marL="457200" indent="-457200">
               <a:buFont typeface="Arial" panose="020B0604020202020204" pitchFamily="34" charset="0"/>
               <a:buChar char="•"/>
             </a:pPr>
@@ -5239,7 +5268,40 @@
                   <a:srgbClr val="660066"/>
                 </a:solidFill>
               </a:rPr>
-              <a:t>(-) Once a Predictor is Gone It Will Never Return</a:t>
+              <a:t>The Category Not Included is Called the </a:t>
+            </a:r>
+            <a:r>
+              <a:rPr lang="en-US" sz="2800" b="1" dirty="0">
+                <a:solidFill>
+                  <a:srgbClr val="660066"/>
+                </a:solidFill>
+              </a:rPr>
+              <a:t>Reference Category</a:t>
+            </a:r>
+          </a:p>
+          <a:p>
+            <a:pPr marL="457200" indent="-457200">
+              <a:buFont typeface="Arial" panose="020B0604020202020204" pitchFamily="34" charset="0"/>
+              <a:buChar char="•"/>
+            </a:pPr>
+            <a:endParaRPr lang="en-US" sz="2800" b="1" dirty="0">
+              <a:solidFill>
+                <a:srgbClr val="660066"/>
+              </a:solidFill>
+            </a:endParaRPr>
+          </a:p>
+          <a:p>
+            <a:pPr marL="457200" indent="-457200">
+              <a:buFont typeface="Arial" panose="020B0604020202020204" pitchFamily="34" charset="0"/>
+              <a:buChar char="•"/>
+            </a:pPr>
+            <a:r>
+              <a:rPr lang="en-US" sz="2800" dirty="0">
+                <a:solidFill>
+                  <a:srgbClr val="660066"/>
+                </a:solidFill>
+              </a:rPr>
+              <a:t>Intercept (Constant Term) Is the Mean of Reference Category</a:t>
             </a:r>
           </a:p>
         </p:txBody>
@@ -5247,7 +5309,7 @@
     </p:spTree>
     <p:extLst>
       <p:ext uri="{BB962C8B-B14F-4D97-AF65-F5344CB8AC3E}">
-        <p14:creationId xmlns:p14="http://schemas.microsoft.com/office/powerpoint/2010/main" val="4225120226"/>
+        <p14:creationId xmlns:p14="http://schemas.microsoft.com/office/powerpoint/2010/main" val="1221480627"/>
       </p:ext>
     </p:extLst>
   </p:cSld>
@@ -5257,7 +5319,7 @@
 </p:sld>
 </file>
 
-<file path=ppt/slides/slide11.xml><?xml version="1.0" encoding="utf-8"?>
+<file path=ppt/slides/slide3.xml><?xml version="1.0" encoding="utf-8"?>
 <p:sld xmlns:a="http://schemas.openxmlformats.org/drawingml/2006/main" xmlns:r="http://schemas.openxmlformats.org/officeDocument/2006/relationships" xmlns:p="http://schemas.openxmlformats.org/presentationml/2006/main">
   <p:cSld>
     <p:spTree>
@@ -5423,7 +5485,7 @@
                 <a:latin typeface="Adobe Devanagari" panose="02040503050201020203" pitchFamily="18" charset="0"/>
                 <a:cs typeface="Adobe Devanagari" panose="02040503050201020203" pitchFamily="18" charset="0"/>
               </a:rPr>
-              <a:t>Model Selection Algorithms</a:t>
+              <a:t>Categorical Predictors</a:t>
             </a:r>
             <a:endParaRPr lang="en-US" sz="4800" dirty="0">
               <a:solidFill>
@@ -5448,7 +5510,7 @@
         <p:spPr>
           <a:xfrm>
             <a:off x="457200" y="1981200"/>
-            <a:ext cx="11201400" cy="3439239"/>
+            <a:ext cx="11201400" cy="5073729"/>
           </a:xfrm>
           <a:prstGeom prst="roundRect">
             <a:avLst/>
@@ -5492,65 +5554,98 @@
                   <a:srgbClr val="660066"/>
                 </a:solidFill>
               </a:rPr>
-              <a:t>Forwards Selection</a:t>
-            </a:r>
-          </a:p>
-          <a:p>
-            <a:pPr marL="914400" lvl="1" indent="-457200">
-              <a:buFont typeface="Arial" panose="020B0604020202020204" pitchFamily="34" charset="0"/>
-              <a:buChar char="•"/>
-            </a:pPr>
+              <a:t>Suppose </a:t>
+            </a:r>
+            <a:r>
+              <a:rPr lang="en-US" sz="2800" i="1" dirty="0">
+                <a:solidFill>
+                  <a:srgbClr val="660066"/>
+                </a:solidFill>
+              </a:rPr>
+              <a:t>X </a:t>
+            </a:r>
             <a:r>
               <a:rPr lang="en-US" sz="2800" dirty="0">
                 <a:solidFill>
                   <a:srgbClr val="660066"/>
                 </a:solidFill>
               </a:rPr>
-              <a:t>Fit Model With </a:t>
-            </a:r>
-            <a:r>
-              <a:rPr lang="en-US" sz="2800" b="1" dirty="0">
-                <a:solidFill>
-                  <a:srgbClr val="660066"/>
-                </a:solidFill>
-              </a:rPr>
-              <a:t>Only</a:t>
-            </a:r>
+              <a:t>has 4 Different Levels (A, B, C, D) </a:t>
+            </a:r>
+          </a:p>
+          <a:p>
+            <a:pPr marL="457200" indent="-457200">
+              <a:buFont typeface="Arial" panose="020B0604020202020204" pitchFamily="34" charset="0"/>
+              <a:buChar char="•"/>
+            </a:pPr>
+            <a:endParaRPr lang="en-US" sz="2800" dirty="0">
+              <a:solidFill>
+                <a:srgbClr val="660066"/>
+              </a:solidFill>
+            </a:endParaRPr>
+          </a:p>
+          <a:p>
+            <a:pPr marL="457200" indent="-457200">
+              <a:buFont typeface="Arial" panose="020B0604020202020204" pitchFamily="34" charset="0"/>
+              <a:buChar char="•"/>
+            </a:pPr>
             <a:r>
               <a:rPr lang="en-US" sz="2800" dirty="0">
                 <a:solidFill>
                   <a:srgbClr val="660066"/>
                 </a:solidFill>
               </a:rPr>
-              <a:t> the </a:t>
-            </a:r>
-            <a:r>
-              <a:rPr lang="en-US" sz="2800" b="1" dirty="0">
-                <a:solidFill>
-                  <a:srgbClr val="660066"/>
-                </a:solidFill>
-              </a:rPr>
-              <a:t>Single</a:t>
-            </a:r>
+              <a:t>We Create 3 Binary Indicator Variables</a:t>
+            </a:r>
+          </a:p>
+          <a:p>
+            <a:pPr marL="457200" indent="-457200">
+              <a:buFont typeface="Arial" panose="020B0604020202020204" pitchFamily="34" charset="0"/>
+              <a:buChar char="•"/>
+            </a:pPr>
+            <a:endParaRPr lang="en-US" sz="2800" dirty="0">
+              <a:solidFill>
+                <a:srgbClr val="660066"/>
+              </a:solidFill>
+            </a:endParaRPr>
+          </a:p>
+          <a:p>
+            <a:endParaRPr lang="en-US" sz="4000" dirty="0">
+              <a:solidFill>
+                <a:srgbClr val="660066"/>
+              </a:solidFill>
+            </a:endParaRPr>
+          </a:p>
+          <a:p>
+            <a:pPr marL="457200" indent="-457200">
+              <a:buFont typeface="Arial" panose="020B0604020202020204" pitchFamily="34" charset="0"/>
+              <a:buChar char="•"/>
+            </a:pPr>
             <a:r>
               <a:rPr lang="en-US" sz="2800" dirty="0">
                 <a:solidFill>
                   <a:srgbClr val="660066"/>
                 </a:solidFill>
               </a:rPr>
-              <a:t> Predictor with Strongest </a:t>
-            </a:r>
-            <a:r>
-              <a:rPr lang="en-US" sz="2800" b="1" i="1" dirty="0">
-                <a:solidFill>
-                  <a:srgbClr val="660066"/>
-                </a:solidFill>
-              </a:rPr>
-              <a:t>r</a:t>
-            </a:r>
-          </a:p>
-          <a:p>
-            <a:pPr marL="914400" lvl="1" indent="-457200">
+              <a:t>Full Model Involves All Three Variables</a:t>
+            </a:r>
+          </a:p>
+          <a:p>
+            <a:endParaRPr lang="en-US" sz="2800" dirty="0">
+              <a:solidFill>
+                <a:srgbClr val="660066"/>
+              </a:solidFill>
+            </a:endParaRPr>
+          </a:p>
+          <a:p>
+            <a:endParaRPr lang="en-US" sz="2800" dirty="0">
+              <a:solidFill>
+                <a:srgbClr val="660066"/>
+              </a:solidFill>
+            </a:endParaRPr>
+          </a:p>
+          <a:p>
+            <a:pPr marL="457200" indent="-457200">
               <a:buFont typeface="Arial" panose="020B0604020202020204" pitchFamily="34" charset="0"/>
               <a:buChar char="•"/>
             </a:pPr>
@@ -5560,153 +5655,15 @@
                   <a:srgbClr val="660066"/>
                 </a:solidFill>
               </a:rPr>
-              <a:t>If </a:t>
-            </a:r>
-            <a:r>
-              <a:rPr lang="en-US" sz="2800" b="1" dirty="0">
+              <a:t>Individual t-Tests for A, B, D Are Testing Difference in Mean of Y Compared to the Reference Category C (When </a:t>
+            </a:r>
+            <a:r>
+              <a:rPr lang="en-US" sz="2800" i="1" dirty="0">
                 <a:solidFill>
                   <a:srgbClr val="660066"/>
                 </a:solidFill>
               </a:rPr>
-              <a:t>P-value &gt; 0.05</a:t>
-            </a:r>
-            <a:r>
-              <a:rPr lang="en-US" sz="2800" dirty="0">
-                <a:solidFill>
-                  <a:srgbClr val="660066"/>
-                </a:solidFill>
-              </a:rPr>
-              <a:t>, then </a:t>
-            </a:r>
-            <a:r>
-              <a:rPr lang="en-US" sz="2800" b="1" dirty="0">
-                <a:solidFill>
-                  <a:srgbClr val="660066"/>
-                </a:solidFill>
-              </a:rPr>
-              <a:t>Stop </a:t>
-            </a:r>
-            <a:r>
-              <a:rPr lang="en-US" sz="2800" dirty="0">
-                <a:solidFill>
-                  <a:srgbClr val="660066"/>
-                </a:solidFill>
-              </a:rPr>
-              <a:t>and </a:t>
-            </a:r>
-            <a:r>
-              <a:rPr lang="en-US" sz="2800" b="1" dirty="0">
-                <a:solidFill>
-                  <a:srgbClr val="660066"/>
-                </a:solidFill>
-              </a:rPr>
-              <a:t>Remove</a:t>
-            </a:r>
-          </a:p>
-          <a:p>
-            <a:pPr marL="914400" lvl="1" indent="-457200">
-              <a:buFont typeface="Arial" panose="020B0604020202020204" pitchFamily="34" charset="0"/>
-              <a:buChar char="•"/>
-            </a:pPr>
-            <a:r>
-              <a:rPr lang="en-US" sz="2800" dirty="0">
-                <a:solidFill>
-                  <a:srgbClr val="660066"/>
-                </a:solidFill>
-              </a:rPr>
-              <a:t>Otherwise, Find the </a:t>
-            </a:r>
-            <a:r>
-              <a:rPr lang="en-US" sz="2800" b="1" dirty="0">
-                <a:solidFill>
-                  <a:srgbClr val="660066"/>
-                </a:solidFill>
-              </a:rPr>
-              <a:t>Next</a:t>
-            </a:r>
-            <a:r>
-              <a:rPr lang="en-US" sz="2800" dirty="0">
-                <a:solidFill>
-                  <a:srgbClr val="660066"/>
-                </a:solidFill>
-              </a:rPr>
-              <a:t> Predictor that Maximizes R-squared When Added to the Model</a:t>
-            </a:r>
-          </a:p>
-          <a:p>
-            <a:pPr marL="914400" lvl="1" indent="-457200">
-              <a:buFont typeface="Arial" panose="020B0604020202020204" pitchFamily="34" charset="0"/>
-              <a:buChar char="•"/>
-            </a:pPr>
-            <a:r>
-              <a:rPr lang="en-US" sz="2800" dirty="0">
-                <a:solidFill>
-                  <a:srgbClr val="660066"/>
-                </a:solidFill>
-              </a:rPr>
-              <a:t>If </a:t>
-            </a:r>
-            <a:r>
-              <a:rPr lang="en-US" sz="2800" b="1" dirty="0">
-                <a:solidFill>
-                  <a:srgbClr val="660066"/>
-                </a:solidFill>
-              </a:rPr>
-              <a:t>P-value &gt; 0.05</a:t>
-            </a:r>
-            <a:r>
-              <a:rPr lang="en-US" sz="2800" dirty="0">
-                <a:solidFill>
-                  <a:srgbClr val="660066"/>
-                </a:solidFill>
-              </a:rPr>
-              <a:t>, then </a:t>
-            </a:r>
-            <a:r>
-              <a:rPr lang="en-US" sz="2800" b="1" dirty="0">
-                <a:solidFill>
-                  <a:srgbClr val="660066"/>
-                </a:solidFill>
-              </a:rPr>
-              <a:t>Stop </a:t>
-            </a:r>
-            <a:r>
-              <a:rPr lang="en-US" sz="2800" dirty="0">
-                <a:solidFill>
-                  <a:srgbClr val="660066"/>
-                </a:solidFill>
-              </a:rPr>
-              <a:t>and </a:t>
-            </a:r>
-            <a:r>
-              <a:rPr lang="en-US" sz="2800" b="1" dirty="0">
-                <a:solidFill>
-                  <a:srgbClr val="660066"/>
-                </a:solidFill>
-              </a:rPr>
-              <a:t>Remove</a:t>
-            </a:r>
-          </a:p>
-          <a:p>
-            <a:pPr marL="914400" lvl="1" indent="-457200">
-              <a:buFont typeface="Arial" panose="020B0604020202020204" pitchFamily="34" charset="0"/>
-              <a:buChar char="•"/>
-            </a:pPr>
-            <a:r>
-              <a:rPr lang="en-US" sz="2800" dirty="0">
-                <a:solidFill>
-                  <a:srgbClr val="660066"/>
-                </a:solidFill>
-              </a:rPr>
-              <a:t>Otherwise, Keep Repeating Until </a:t>
-            </a:r>
-            <a:r>
-              <a:rPr lang="en-US" sz="2800" b="1" dirty="0">
-                <a:solidFill>
-                  <a:srgbClr val="660066"/>
-                </a:solidFill>
-              </a:rPr>
-              <a:t>P-value &gt; 0.05</a:t>
+              <a:t>A=B=D=0)</a:t>
             </a:r>
             <a:endParaRPr lang="en-US" sz="2800" dirty="0">
               <a:solidFill>
@@ -5716,10 +5673,869 @@
           </a:p>
         </p:txBody>
       </p:sp>
+      <mc:AlternateContent xmlns:mc="http://schemas.openxmlformats.org/markup-compatibility/2006">
+        <mc:Choice xmlns:a14="http://schemas.microsoft.com/office/drawing/2010/main" Requires="a14">
+          <p:sp>
+            <p:nvSpPr>
+              <p:cNvPr id="3" name="TextBox 2">
+                <a:extLst>
+                  <a:ext uri="{FF2B5EF4-FFF2-40B4-BE49-F238E27FC236}">
+                    <a16:creationId xmlns:a16="http://schemas.microsoft.com/office/drawing/2014/main" id="{5D530394-0EEE-8AFE-C941-1E36E95D6EC4}"/>
+                  </a:ext>
+                </a:extLst>
+              </p:cNvPr>
+              <p:cNvSpPr txBox="1"/>
+              <p:nvPr/>
+            </p:nvSpPr>
+            <p:spPr>
+              <a:xfrm>
+                <a:off x="1352550" y="3581400"/>
+                <a:ext cx="2590800" cy="916148"/>
+              </a:xfrm>
+              <a:prstGeom prst="rect">
+                <a:avLst/>
+              </a:prstGeom>
+              <a:noFill/>
+            </p:spPr>
+            <p:txBody>
+              <a:bodyPr wrap="square" rtlCol="0">
+                <a:spAutoFit/>
+              </a:bodyPr>
+              <a:lstStyle/>
+              <a:p>
+                <a:pPr/>
+                <a14:m>
+                  <m:oMathPara xmlns:m="http://schemas.openxmlformats.org/officeDocument/2006/math">
+                    <m:oMathParaPr>
+                      <m:jc m:val="left"/>
+                    </m:oMathParaPr>
+                    <m:oMath xmlns:m="http://schemas.openxmlformats.org/officeDocument/2006/math">
+                      <m:r>
+                        <a:rPr lang="en-US" sz="2400" b="0" i="1" smtClean="0">
+                          <a:latin typeface="Cambria Math" panose="02040503050406030204" pitchFamily="18" charset="0"/>
+                        </a:rPr>
+                        <m:t>𝐴</m:t>
+                      </m:r>
+                      <m:r>
+                        <a:rPr lang="en-US" sz="2400" b="0" i="1" smtClean="0">
+                          <a:latin typeface="Cambria Math" panose="02040503050406030204" pitchFamily="18" charset="0"/>
+                        </a:rPr>
+                        <m:t>=</m:t>
+                      </m:r>
+                      <m:d>
+                        <m:dPr>
+                          <m:begChr m:val="{"/>
+                          <m:endChr m:val=""/>
+                          <m:ctrlPr>
+                            <a:rPr lang="en-US" sz="2400" b="0" i="1" smtClean="0">
+                              <a:latin typeface="Cambria Math" panose="02040503050406030204" pitchFamily="18" charset="0"/>
+                            </a:rPr>
+                          </m:ctrlPr>
+                        </m:dPr>
+                        <m:e>
+                          <m:eqArr>
+                            <m:eqArrPr>
+                              <m:ctrlPr>
+                                <a:rPr lang="en-US" sz="2400" b="0" smtClean="0">
+                                  <a:latin typeface="Cambria Math" panose="02040503050406030204" pitchFamily="18" charset="0"/>
+                                </a:rPr>
+                              </m:ctrlPr>
+                            </m:eqArrPr>
+                            <m:e>
+                              <m:r>
+                                <a:rPr lang="en-US" sz="2400" b="0" i="0" smtClean="0">
+                                  <a:latin typeface="Cambria Math" panose="02040503050406030204" pitchFamily="18" charset="0"/>
+                                </a:rPr>
+                                <m:t>0      </m:t>
+                              </m:r>
+                              <m:r>
+                                <m:rPr>
+                                  <m:sty m:val="p"/>
+                                </m:rPr>
+                                <a:rPr lang="en-US" sz="2400" b="0" i="0" smtClean="0">
+                                  <a:latin typeface="Cambria Math" panose="02040503050406030204" pitchFamily="18" charset="0"/>
+                                </a:rPr>
+                                <m:t>if</m:t>
+                              </m:r>
+                              <m:r>
+                                <a:rPr lang="en-US" sz="2400" b="0" i="0" smtClean="0">
+                                  <a:latin typeface="Cambria Math" panose="02040503050406030204" pitchFamily="18" charset="0"/>
+                                </a:rPr>
+                                <m:t> </m:t>
+                              </m:r>
+                              <m:r>
+                                <m:rPr>
+                                  <m:sty m:val="p"/>
+                                </m:rPr>
+                                <a:rPr lang="en-US" sz="2400" b="0" i="0" smtClean="0">
+                                  <a:latin typeface="Cambria Math" panose="02040503050406030204" pitchFamily="18" charset="0"/>
+                                </a:rPr>
+                                <m:t>not</m:t>
+                              </m:r>
+                              <m:r>
+                                <a:rPr lang="en-US" sz="2400" b="0" i="0" smtClean="0">
+                                  <a:latin typeface="Cambria Math" panose="02040503050406030204" pitchFamily="18" charset="0"/>
+                                </a:rPr>
+                                <m:t> </m:t>
+                              </m:r>
+                              <m:r>
+                                <m:rPr>
+                                  <m:sty m:val="p"/>
+                                </m:rPr>
+                                <a:rPr lang="en-US" sz="2400" b="0" i="0" smtClean="0">
+                                  <a:latin typeface="Cambria Math" panose="02040503050406030204" pitchFamily="18" charset="0"/>
+                                </a:rPr>
+                                <m:t>A</m:t>
+                              </m:r>
+                            </m:e>
+                            <m:e>
+                              <m:r>
+                                <a:rPr lang="en-US" sz="2400" b="0" i="0" smtClean="0">
+                                  <a:latin typeface="Cambria Math" panose="02040503050406030204" pitchFamily="18" charset="0"/>
+                                </a:rPr>
+                                <m:t>1              </m:t>
+                              </m:r>
+                              <m:r>
+                                <m:rPr>
+                                  <m:sty m:val="p"/>
+                                </m:rPr>
+                                <a:rPr lang="en-US" sz="2400" b="0" i="0" smtClean="0">
+                                  <a:latin typeface="Cambria Math" panose="02040503050406030204" pitchFamily="18" charset="0"/>
+                                </a:rPr>
+                                <m:t>if</m:t>
+                              </m:r>
+                              <m:r>
+                                <a:rPr lang="en-US" sz="2400" b="0" i="0" smtClean="0">
+                                  <a:latin typeface="Cambria Math" panose="02040503050406030204" pitchFamily="18" charset="0"/>
+                                </a:rPr>
+                                <m:t> </m:t>
+                              </m:r>
+                              <m:r>
+                                <m:rPr>
+                                  <m:sty m:val="p"/>
+                                </m:rPr>
+                                <a:rPr lang="en-US" sz="2400" b="0" i="0" smtClean="0">
+                                  <a:latin typeface="Cambria Math" panose="02040503050406030204" pitchFamily="18" charset="0"/>
+                                </a:rPr>
+                                <m:t>A</m:t>
+                              </m:r>
+                            </m:e>
+                          </m:eqArr>
+                        </m:e>
+                      </m:d>
+                    </m:oMath>
+                  </m:oMathPara>
+                </a14:m>
+                <a:endParaRPr lang="en-US" sz="2400" dirty="0"/>
+              </a:p>
+            </p:txBody>
+          </p:sp>
+        </mc:Choice>
+        <mc:Fallback>
+          <p:sp>
+            <p:nvSpPr>
+              <p:cNvPr id="3" name="TextBox 2">
+                <a:extLst>
+                  <a:ext uri="{FF2B5EF4-FFF2-40B4-BE49-F238E27FC236}">
+                    <a16:creationId xmlns:a16="http://schemas.microsoft.com/office/drawing/2014/main" id="{5D530394-0EEE-8AFE-C941-1E36E95D6EC4}"/>
+                  </a:ext>
+                </a:extLst>
+              </p:cNvPr>
+              <p:cNvSpPr txBox="1">
+                <a:spLocks noRot="1" noChangeAspect="1" noMove="1" noResize="1" noEditPoints="1" noAdjustHandles="1" noChangeArrowheads="1" noChangeShapeType="1" noTextEdit="1"/>
+              </p:cNvSpPr>
+              <p:nvPr/>
+            </p:nvSpPr>
+            <p:spPr>
+              <a:xfrm>
+                <a:off x="1352550" y="3581400"/>
+                <a:ext cx="2590800" cy="916148"/>
+              </a:xfrm>
+              <a:prstGeom prst="rect">
+                <a:avLst/>
+              </a:prstGeom>
+              <a:blipFill>
+                <a:blip r:embed="rId3"/>
+                <a:stretch>
+                  <a:fillRect/>
+                </a:stretch>
+              </a:blipFill>
+            </p:spPr>
+            <p:txBody>
+              <a:bodyPr/>
+              <a:lstStyle/>
+              <a:p>
+                <a:r>
+                  <a:rPr lang="en-US">
+                    <a:noFill/>
+                  </a:rPr>
+                  <a:t> </a:t>
+                </a:r>
+              </a:p>
+            </p:txBody>
+          </p:sp>
+        </mc:Fallback>
+      </mc:AlternateContent>
+      <mc:AlternateContent xmlns:mc="http://schemas.openxmlformats.org/markup-compatibility/2006">
+        <mc:Choice xmlns:a14="http://schemas.microsoft.com/office/drawing/2010/main" Requires="a14">
+          <p:sp>
+            <p:nvSpPr>
+              <p:cNvPr id="4" name="TextBox 3">
+                <a:extLst>
+                  <a:ext uri="{FF2B5EF4-FFF2-40B4-BE49-F238E27FC236}">
+                    <a16:creationId xmlns:a16="http://schemas.microsoft.com/office/drawing/2014/main" id="{98A030D9-97F0-E8FC-0A3F-733CE42F8AC4}"/>
+                  </a:ext>
+                </a:extLst>
+              </p:cNvPr>
+              <p:cNvSpPr txBox="1"/>
+              <p:nvPr/>
+            </p:nvSpPr>
+            <p:spPr>
+              <a:xfrm>
+                <a:off x="4487141" y="3588327"/>
+                <a:ext cx="2590800" cy="916148"/>
+              </a:xfrm>
+              <a:prstGeom prst="rect">
+                <a:avLst/>
+              </a:prstGeom>
+              <a:noFill/>
+            </p:spPr>
+            <p:txBody>
+              <a:bodyPr wrap="square" rtlCol="0">
+                <a:spAutoFit/>
+              </a:bodyPr>
+              <a:lstStyle/>
+              <a:p>
+                <a:pPr/>
+                <a14:m>
+                  <m:oMathPara xmlns:m="http://schemas.openxmlformats.org/officeDocument/2006/math">
+                    <m:oMathParaPr>
+                      <m:jc m:val="left"/>
+                    </m:oMathParaPr>
+                    <m:oMath xmlns:m="http://schemas.openxmlformats.org/officeDocument/2006/math">
+                      <m:r>
+                        <a:rPr lang="en-US" sz="2400" b="0" i="1" smtClean="0">
+                          <a:latin typeface="Cambria Math" panose="02040503050406030204" pitchFamily="18" charset="0"/>
+                        </a:rPr>
+                        <m:t>𝐵</m:t>
+                      </m:r>
+                      <m:r>
+                        <a:rPr lang="en-US" sz="2400" b="0" i="1" smtClean="0">
+                          <a:latin typeface="Cambria Math" panose="02040503050406030204" pitchFamily="18" charset="0"/>
+                        </a:rPr>
+                        <m:t>=</m:t>
+                      </m:r>
+                      <m:d>
+                        <m:dPr>
+                          <m:begChr m:val="{"/>
+                          <m:endChr m:val=""/>
+                          <m:ctrlPr>
+                            <a:rPr lang="en-US" sz="2400" b="0" i="1" smtClean="0">
+                              <a:latin typeface="Cambria Math" panose="02040503050406030204" pitchFamily="18" charset="0"/>
+                            </a:rPr>
+                          </m:ctrlPr>
+                        </m:dPr>
+                        <m:e>
+                          <m:eqArr>
+                            <m:eqArrPr>
+                              <m:ctrlPr>
+                                <a:rPr lang="en-US" sz="2400" b="0" smtClean="0">
+                                  <a:latin typeface="Cambria Math" panose="02040503050406030204" pitchFamily="18" charset="0"/>
+                                </a:rPr>
+                              </m:ctrlPr>
+                            </m:eqArrPr>
+                            <m:e>
+                              <m:r>
+                                <a:rPr lang="en-US" sz="2400" b="0" i="0" smtClean="0">
+                                  <a:latin typeface="Cambria Math" panose="02040503050406030204" pitchFamily="18" charset="0"/>
+                                </a:rPr>
+                                <m:t>0      </m:t>
+                              </m:r>
+                              <m:r>
+                                <m:rPr>
+                                  <m:sty m:val="p"/>
+                                </m:rPr>
+                                <a:rPr lang="en-US" sz="2400" b="0" i="0" smtClean="0">
+                                  <a:latin typeface="Cambria Math" panose="02040503050406030204" pitchFamily="18" charset="0"/>
+                                </a:rPr>
+                                <m:t>if</m:t>
+                              </m:r>
+                              <m:r>
+                                <a:rPr lang="en-US" sz="2400" b="0" i="0" smtClean="0">
+                                  <a:latin typeface="Cambria Math" panose="02040503050406030204" pitchFamily="18" charset="0"/>
+                                </a:rPr>
+                                <m:t> </m:t>
+                              </m:r>
+                              <m:r>
+                                <m:rPr>
+                                  <m:sty m:val="p"/>
+                                </m:rPr>
+                                <a:rPr lang="en-US" sz="2400" b="0" i="0" smtClean="0">
+                                  <a:latin typeface="Cambria Math" panose="02040503050406030204" pitchFamily="18" charset="0"/>
+                                </a:rPr>
+                                <m:t>not</m:t>
+                              </m:r>
+                              <m:r>
+                                <a:rPr lang="en-US" sz="2400" b="0" i="0" smtClean="0">
+                                  <a:latin typeface="Cambria Math" panose="02040503050406030204" pitchFamily="18" charset="0"/>
+                                </a:rPr>
+                                <m:t> </m:t>
+                              </m:r>
+                              <m:r>
+                                <m:rPr>
+                                  <m:sty m:val="p"/>
+                                </m:rPr>
+                                <a:rPr lang="en-US" sz="2400" b="0" i="0" smtClean="0">
+                                  <a:latin typeface="Cambria Math" panose="02040503050406030204" pitchFamily="18" charset="0"/>
+                                </a:rPr>
+                                <m:t>B</m:t>
+                              </m:r>
+                            </m:e>
+                            <m:e>
+                              <m:r>
+                                <a:rPr lang="en-US" sz="2400" b="0" i="0" smtClean="0">
+                                  <a:latin typeface="Cambria Math" panose="02040503050406030204" pitchFamily="18" charset="0"/>
+                                </a:rPr>
+                                <m:t>1              </m:t>
+                              </m:r>
+                              <m:r>
+                                <m:rPr>
+                                  <m:sty m:val="p"/>
+                                </m:rPr>
+                                <a:rPr lang="en-US" sz="2400" b="0" i="0" smtClean="0">
+                                  <a:latin typeface="Cambria Math" panose="02040503050406030204" pitchFamily="18" charset="0"/>
+                                </a:rPr>
+                                <m:t>if</m:t>
+                              </m:r>
+                              <m:r>
+                                <a:rPr lang="en-US" sz="2400" b="0" i="0" smtClean="0">
+                                  <a:latin typeface="Cambria Math" panose="02040503050406030204" pitchFamily="18" charset="0"/>
+                                </a:rPr>
+                                <m:t> </m:t>
+                              </m:r>
+                              <m:r>
+                                <m:rPr>
+                                  <m:sty m:val="p"/>
+                                </m:rPr>
+                                <a:rPr lang="en-US" sz="2400" b="0" i="0" smtClean="0">
+                                  <a:latin typeface="Cambria Math" panose="02040503050406030204" pitchFamily="18" charset="0"/>
+                                </a:rPr>
+                                <m:t>B</m:t>
+                              </m:r>
+                            </m:e>
+                          </m:eqArr>
+                        </m:e>
+                      </m:d>
+                    </m:oMath>
+                  </m:oMathPara>
+                </a14:m>
+                <a:endParaRPr lang="en-US" sz="2400" dirty="0"/>
+              </a:p>
+            </p:txBody>
+          </p:sp>
+        </mc:Choice>
+        <mc:Fallback>
+          <p:sp>
+            <p:nvSpPr>
+              <p:cNvPr id="4" name="TextBox 3">
+                <a:extLst>
+                  <a:ext uri="{FF2B5EF4-FFF2-40B4-BE49-F238E27FC236}">
+                    <a16:creationId xmlns:a16="http://schemas.microsoft.com/office/drawing/2014/main" id="{98A030D9-97F0-E8FC-0A3F-733CE42F8AC4}"/>
+                  </a:ext>
+                </a:extLst>
+              </p:cNvPr>
+              <p:cNvSpPr txBox="1">
+                <a:spLocks noRot="1" noChangeAspect="1" noMove="1" noResize="1" noEditPoints="1" noAdjustHandles="1" noChangeArrowheads="1" noChangeShapeType="1" noTextEdit="1"/>
+              </p:cNvSpPr>
+              <p:nvPr/>
+            </p:nvSpPr>
+            <p:spPr>
+              <a:xfrm>
+                <a:off x="4487141" y="3588327"/>
+                <a:ext cx="2590800" cy="916148"/>
+              </a:xfrm>
+              <a:prstGeom prst="rect">
+                <a:avLst/>
+              </a:prstGeom>
+              <a:blipFill>
+                <a:blip r:embed="rId4"/>
+                <a:stretch>
+                  <a:fillRect/>
+                </a:stretch>
+              </a:blipFill>
+            </p:spPr>
+            <p:txBody>
+              <a:bodyPr/>
+              <a:lstStyle/>
+              <a:p>
+                <a:r>
+                  <a:rPr lang="en-US">
+                    <a:noFill/>
+                  </a:rPr>
+                  <a:t> </a:t>
+                </a:r>
+              </a:p>
+            </p:txBody>
+          </p:sp>
+        </mc:Fallback>
+      </mc:AlternateContent>
+      <mc:AlternateContent xmlns:mc="http://schemas.openxmlformats.org/markup-compatibility/2006">
+        <mc:Choice xmlns:a14="http://schemas.microsoft.com/office/drawing/2010/main" Requires="a14">
+          <p:sp>
+            <p:nvSpPr>
+              <p:cNvPr id="5" name="TextBox 4">
+                <a:extLst>
+                  <a:ext uri="{FF2B5EF4-FFF2-40B4-BE49-F238E27FC236}">
+                    <a16:creationId xmlns:a16="http://schemas.microsoft.com/office/drawing/2014/main" id="{F95A82AA-CA8D-2E22-0F47-D6B15AC16FF9}"/>
+                  </a:ext>
+                </a:extLst>
+              </p:cNvPr>
+              <p:cNvSpPr txBox="1"/>
+              <p:nvPr/>
+            </p:nvSpPr>
+            <p:spPr>
+              <a:xfrm>
+                <a:off x="7621732" y="3555424"/>
+                <a:ext cx="2590800" cy="916148"/>
+              </a:xfrm>
+              <a:prstGeom prst="rect">
+                <a:avLst/>
+              </a:prstGeom>
+              <a:noFill/>
+            </p:spPr>
+            <p:txBody>
+              <a:bodyPr wrap="square" rtlCol="0">
+                <a:spAutoFit/>
+              </a:bodyPr>
+              <a:lstStyle/>
+              <a:p>
+                <a:pPr/>
+                <a14:m>
+                  <m:oMathPara xmlns:m="http://schemas.openxmlformats.org/officeDocument/2006/math">
+                    <m:oMathParaPr>
+                      <m:jc m:val="left"/>
+                    </m:oMathParaPr>
+                    <m:oMath xmlns:m="http://schemas.openxmlformats.org/officeDocument/2006/math">
+                      <m:r>
+                        <a:rPr lang="en-US" sz="2400" b="0" i="1" smtClean="0">
+                          <a:latin typeface="Cambria Math" panose="02040503050406030204" pitchFamily="18" charset="0"/>
+                        </a:rPr>
+                        <m:t>𝐷</m:t>
+                      </m:r>
+                      <m:r>
+                        <a:rPr lang="en-US" sz="2400" b="0" i="1" smtClean="0">
+                          <a:latin typeface="Cambria Math" panose="02040503050406030204" pitchFamily="18" charset="0"/>
+                        </a:rPr>
+                        <m:t>=</m:t>
+                      </m:r>
+                      <m:d>
+                        <m:dPr>
+                          <m:begChr m:val="{"/>
+                          <m:endChr m:val=""/>
+                          <m:ctrlPr>
+                            <a:rPr lang="en-US" sz="2400" b="0" i="1" smtClean="0">
+                              <a:latin typeface="Cambria Math" panose="02040503050406030204" pitchFamily="18" charset="0"/>
+                            </a:rPr>
+                          </m:ctrlPr>
+                        </m:dPr>
+                        <m:e>
+                          <m:eqArr>
+                            <m:eqArrPr>
+                              <m:ctrlPr>
+                                <a:rPr lang="en-US" sz="2400" b="0" smtClean="0">
+                                  <a:latin typeface="Cambria Math" panose="02040503050406030204" pitchFamily="18" charset="0"/>
+                                </a:rPr>
+                              </m:ctrlPr>
+                            </m:eqArrPr>
+                            <m:e>
+                              <m:r>
+                                <a:rPr lang="en-US" sz="2400" b="0" i="0" smtClean="0">
+                                  <a:latin typeface="Cambria Math" panose="02040503050406030204" pitchFamily="18" charset="0"/>
+                                </a:rPr>
+                                <m:t>0      </m:t>
+                              </m:r>
+                              <m:r>
+                                <m:rPr>
+                                  <m:sty m:val="p"/>
+                                </m:rPr>
+                                <a:rPr lang="en-US" sz="2400" b="0" i="0" smtClean="0">
+                                  <a:latin typeface="Cambria Math" panose="02040503050406030204" pitchFamily="18" charset="0"/>
+                                </a:rPr>
+                                <m:t>if</m:t>
+                              </m:r>
+                              <m:r>
+                                <a:rPr lang="en-US" sz="2400" b="0" i="0" smtClean="0">
+                                  <a:latin typeface="Cambria Math" panose="02040503050406030204" pitchFamily="18" charset="0"/>
+                                </a:rPr>
+                                <m:t> </m:t>
+                              </m:r>
+                              <m:r>
+                                <m:rPr>
+                                  <m:sty m:val="p"/>
+                                </m:rPr>
+                                <a:rPr lang="en-US" sz="2400" b="0" i="0" smtClean="0">
+                                  <a:latin typeface="Cambria Math" panose="02040503050406030204" pitchFamily="18" charset="0"/>
+                                </a:rPr>
+                                <m:t>not</m:t>
+                              </m:r>
+                              <m:r>
+                                <a:rPr lang="en-US" sz="2400" b="0" i="0" smtClean="0">
+                                  <a:latin typeface="Cambria Math" panose="02040503050406030204" pitchFamily="18" charset="0"/>
+                                </a:rPr>
+                                <m:t> </m:t>
+                              </m:r>
+                              <m:r>
+                                <m:rPr>
+                                  <m:sty m:val="p"/>
+                                </m:rPr>
+                                <a:rPr lang="en-US" sz="2400" b="0" i="0" smtClean="0">
+                                  <a:latin typeface="Cambria Math" panose="02040503050406030204" pitchFamily="18" charset="0"/>
+                                </a:rPr>
+                                <m:t>D</m:t>
+                              </m:r>
+                            </m:e>
+                            <m:e>
+                              <m:r>
+                                <a:rPr lang="en-US" sz="2400" b="0" i="0" smtClean="0">
+                                  <a:latin typeface="Cambria Math" panose="02040503050406030204" pitchFamily="18" charset="0"/>
+                                </a:rPr>
+                                <m:t>1              </m:t>
+                              </m:r>
+                              <m:r>
+                                <m:rPr>
+                                  <m:sty m:val="p"/>
+                                </m:rPr>
+                                <a:rPr lang="en-US" sz="2400" b="0" i="0" smtClean="0">
+                                  <a:latin typeface="Cambria Math" panose="02040503050406030204" pitchFamily="18" charset="0"/>
+                                </a:rPr>
+                                <m:t>if</m:t>
+                              </m:r>
+                              <m:r>
+                                <a:rPr lang="en-US" sz="2400" b="0" i="0" smtClean="0">
+                                  <a:latin typeface="Cambria Math" panose="02040503050406030204" pitchFamily="18" charset="0"/>
+                                </a:rPr>
+                                <m:t> </m:t>
+                              </m:r>
+                              <m:r>
+                                <m:rPr>
+                                  <m:sty m:val="p"/>
+                                </m:rPr>
+                                <a:rPr lang="en-US" sz="2400" b="0" i="0" smtClean="0">
+                                  <a:latin typeface="Cambria Math" panose="02040503050406030204" pitchFamily="18" charset="0"/>
+                                </a:rPr>
+                                <m:t>D</m:t>
+                              </m:r>
+                            </m:e>
+                          </m:eqArr>
+                        </m:e>
+                      </m:d>
+                    </m:oMath>
+                  </m:oMathPara>
+                </a14:m>
+                <a:endParaRPr lang="en-US" sz="2400" dirty="0"/>
+              </a:p>
+            </p:txBody>
+          </p:sp>
+        </mc:Choice>
+        <mc:Fallback>
+          <p:sp>
+            <p:nvSpPr>
+              <p:cNvPr id="5" name="TextBox 4">
+                <a:extLst>
+                  <a:ext uri="{FF2B5EF4-FFF2-40B4-BE49-F238E27FC236}">
+                    <a16:creationId xmlns:a16="http://schemas.microsoft.com/office/drawing/2014/main" id="{F95A82AA-CA8D-2E22-0F47-D6B15AC16FF9}"/>
+                  </a:ext>
+                </a:extLst>
+              </p:cNvPr>
+              <p:cNvSpPr txBox="1">
+                <a:spLocks noRot="1" noChangeAspect="1" noMove="1" noResize="1" noEditPoints="1" noAdjustHandles="1" noChangeArrowheads="1" noChangeShapeType="1" noTextEdit="1"/>
+              </p:cNvSpPr>
+              <p:nvPr/>
+            </p:nvSpPr>
+            <p:spPr>
+              <a:xfrm>
+                <a:off x="7621732" y="3555424"/>
+                <a:ext cx="2590800" cy="916148"/>
+              </a:xfrm>
+              <a:prstGeom prst="rect">
+                <a:avLst/>
+              </a:prstGeom>
+              <a:blipFill>
+                <a:blip r:embed="rId5"/>
+                <a:stretch>
+                  <a:fillRect/>
+                </a:stretch>
+              </a:blipFill>
+            </p:spPr>
+            <p:txBody>
+              <a:bodyPr/>
+              <a:lstStyle/>
+              <a:p>
+                <a:r>
+                  <a:rPr lang="en-US">
+                    <a:noFill/>
+                  </a:rPr>
+                  <a:t> </a:t>
+                </a:r>
+              </a:p>
+            </p:txBody>
+          </p:sp>
+        </mc:Fallback>
+      </mc:AlternateContent>
+      <mc:AlternateContent xmlns:mc="http://schemas.openxmlformats.org/markup-compatibility/2006">
+        <mc:Choice xmlns:a14="http://schemas.microsoft.com/office/drawing/2010/main" Requires="a14">
+          <p:sp>
+            <p:nvSpPr>
+              <p:cNvPr id="8" name="TextBox 7">
+                <a:extLst>
+                  <a:ext uri="{FF2B5EF4-FFF2-40B4-BE49-F238E27FC236}">
+                    <a16:creationId xmlns:a16="http://schemas.microsoft.com/office/drawing/2014/main" id="{15F8A22D-99A6-30DA-C087-046501125060}"/>
+                  </a:ext>
+                </a:extLst>
+              </p:cNvPr>
+              <p:cNvSpPr txBox="1"/>
+              <p:nvPr/>
+            </p:nvSpPr>
+            <p:spPr>
+              <a:xfrm>
+                <a:off x="3496541" y="5188498"/>
+                <a:ext cx="4572000" cy="461665"/>
+              </a:xfrm>
+              <a:prstGeom prst="rect">
+                <a:avLst/>
+              </a:prstGeom>
+              <a:noFill/>
+            </p:spPr>
+            <p:txBody>
+              <a:bodyPr wrap="square" rtlCol="0">
+                <a:spAutoFit/>
+              </a:bodyPr>
+              <a:lstStyle/>
+              <a:p>
+                <a:pPr/>
+                <a14:m>
+                  <m:oMathPara xmlns:m="http://schemas.openxmlformats.org/officeDocument/2006/math">
+                    <m:oMathParaPr>
+                      <m:jc m:val="left"/>
+                    </m:oMathParaPr>
+                    <m:oMath xmlns:m="http://schemas.openxmlformats.org/officeDocument/2006/math">
+                      <m:r>
+                        <a:rPr lang="en-US" sz="2400" b="0" i="1" smtClean="0">
+                          <a:latin typeface="Cambria Math" panose="02040503050406030204" pitchFamily="18" charset="0"/>
+                        </a:rPr>
+                        <m:t>𝑌</m:t>
+                      </m:r>
+                      <m:r>
+                        <a:rPr lang="en-US" sz="2400" b="0" i="1" smtClean="0">
+                          <a:latin typeface="Cambria Math" panose="02040503050406030204" pitchFamily="18" charset="0"/>
+                        </a:rPr>
+                        <m:t>=</m:t>
+                      </m:r>
+                      <m:sSub>
+                        <m:sSubPr>
+                          <m:ctrlPr>
+                            <a:rPr lang="en-US" sz="2400" b="0" i="1" smtClean="0">
+                              <a:latin typeface="Cambria Math" panose="02040503050406030204" pitchFamily="18" charset="0"/>
+                            </a:rPr>
+                          </m:ctrlPr>
+                        </m:sSubPr>
+                        <m:e>
+                          <m:r>
+                            <a:rPr lang="en-US" sz="2400" b="0" i="1" smtClean="0">
+                              <a:latin typeface="Cambria Math" panose="02040503050406030204" pitchFamily="18" charset="0"/>
+                            </a:rPr>
+                            <m:t>𝛽</m:t>
+                          </m:r>
+                        </m:e>
+                        <m:sub>
+                          <m:r>
+                            <a:rPr lang="en-US" sz="2400" b="0" i="1" smtClean="0">
+                              <a:latin typeface="Cambria Math" panose="02040503050406030204" pitchFamily="18" charset="0"/>
+                            </a:rPr>
+                            <m:t>0</m:t>
+                          </m:r>
+                        </m:sub>
+                      </m:sSub>
+                      <m:r>
+                        <a:rPr lang="en-US" sz="2400" b="0" i="1" smtClean="0">
+                          <a:latin typeface="Cambria Math" panose="02040503050406030204" pitchFamily="18" charset="0"/>
+                        </a:rPr>
+                        <m:t>+</m:t>
+                      </m:r>
+                      <m:sSub>
+                        <m:sSubPr>
+                          <m:ctrlPr>
+                            <a:rPr lang="en-US" sz="2400" b="0" i="1" smtClean="0">
+                              <a:latin typeface="Cambria Math" panose="02040503050406030204" pitchFamily="18" charset="0"/>
+                            </a:rPr>
+                          </m:ctrlPr>
+                        </m:sSubPr>
+                        <m:e>
+                          <m:r>
+                            <a:rPr lang="en-US" sz="2400" b="0" i="1" smtClean="0">
+                              <a:latin typeface="Cambria Math" panose="02040503050406030204" pitchFamily="18" charset="0"/>
+                            </a:rPr>
+                            <m:t>𝛽</m:t>
+                          </m:r>
+                        </m:e>
+                        <m:sub>
+                          <m:r>
+                            <a:rPr lang="en-US" sz="2400" b="0" i="1" smtClean="0">
+                              <a:latin typeface="Cambria Math" panose="02040503050406030204" pitchFamily="18" charset="0"/>
+                            </a:rPr>
+                            <m:t>1</m:t>
+                          </m:r>
+                        </m:sub>
+                      </m:sSub>
+                      <m:r>
+                        <a:rPr lang="en-US" sz="2400" b="0" i="1" smtClean="0">
+                          <a:latin typeface="Cambria Math" panose="02040503050406030204" pitchFamily="18" charset="0"/>
+                        </a:rPr>
+                        <m:t>𝐴</m:t>
+                      </m:r>
+                      <m:r>
+                        <a:rPr lang="en-US" sz="2400" b="0" i="1" smtClean="0">
+                          <a:latin typeface="Cambria Math" panose="02040503050406030204" pitchFamily="18" charset="0"/>
+                        </a:rPr>
+                        <m:t>+</m:t>
+                      </m:r>
+                      <m:sSub>
+                        <m:sSubPr>
+                          <m:ctrlPr>
+                            <a:rPr lang="en-US" sz="2400" b="0" i="1" smtClean="0">
+                              <a:latin typeface="Cambria Math" panose="02040503050406030204" pitchFamily="18" charset="0"/>
+                            </a:rPr>
+                          </m:ctrlPr>
+                        </m:sSubPr>
+                        <m:e>
+                          <m:r>
+                            <a:rPr lang="en-US" sz="2400" b="0" i="1" smtClean="0">
+                              <a:latin typeface="Cambria Math" panose="02040503050406030204" pitchFamily="18" charset="0"/>
+                            </a:rPr>
+                            <m:t>𝛽</m:t>
+                          </m:r>
+                        </m:e>
+                        <m:sub>
+                          <m:r>
+                            <a:rPr lang="en-US" sz="2400" b="0" i="1" smtClean="0">
+                              <a:latin typeface="Cambria Math" panose="02040503050406030204" pitchFamily="18" charset="0"/>
+                            </a:rPr>
+                            <m:t>2</m:t>
+                          </m:r>
+                        </m:sub>
+                      </m:sSub>
+                      <m:r>
+                        <a:rPr lang="en-US" sz="2400" b="0" i="1" smtClean="0">
+                          <a:latin typeface="Cambria Math" panose="02040503050406030204" pitchFamily="18" charset="0"/>
+                        </a:rPr>
+                        <m:t>𝐵</m:t>
+                      </m:r>
+                      <m:r>
+                        <a:rPr lang="en-US" sz="2400" b="0" i="1" smtClean="0">
+                          <a:latin typeface="Cambria Math" panose="02040503050406030204" pitchFamily="18" charset="0"/>
+                        </a:rPr>
+                        <m:t>+</m:t>
+                      </m:r>
+                      <m:sSub>
+                        <m:sSubPr>
+                          <m:ctrlPr>
+                            <a:rPr lang="en-US" sz="2400" b="0" i="1" smtClean="0">
+                              <a:latin typeface="Cambria Math" panose="02040503050406030204" pitchFamily="18" charset="0"/>
+                            </a:rPr>
+                          </m:ctrlPr>
+                        </m:sSubPr>
+                        <m:e>
+                          <m:r>
+                            <a:rPr lang="en-US" sz="2400" b="0" i="1" smtClean="0">
+                              <a:latin typeface="Cambria Math" panose="02040503050406030204" pitchFamily="18" charset="0"/>
+                            </a:rPr>
+                            <m:t>𝛽</m:t>
+                          </m:r>
+                        </m:e>
+                        <m:sub>
+                          <m:r>
+                            <a:rPr lang="en-US" sz="2400" b="0" i="1" smtClean="0">
+                              <a:latin typeface="Cambria Math" panose="02040503050406030204" pitchFamily="18" charset="0"/>
+                            </a:rPr>
+                            <m:t>3</m:t>
+                          </m:r>
+                        </m:sub>
+                      </m:sSub>
+                      <m:r>
+                        <a:rPr lang="en-US" sz="2400" b="0" i="1" smtClean="0">
+                          <a:latin typeface="Cambria Math" panose="02040503050406030204" pitchFamily="18" charset="0"/>
+                        </a:rPr>
+                        <m:t>𝐷</m:t>
+                      </m:r>
+                      <m:r>
+                        <a:rPr lang="en-US" sz="2400" b="0" i="1" smtClean="0">
+                          <a:latin typeface="Cambria Math" panose="02040503050406030204" pitchFamily="18" charset="0"/>
+                        </a:rPr>
+                        <m:t>+</m:t>
+                      </m:r>
+                      <m:r>
+                        <a:rPr lang="en-US" sz="2400" b="0" i="1" smtClean="0">
+                          <a:latin typeface="Cambria Math" panose="02040503050406030204" pitchFamily="18" charset="0"/>
+                        </a:rPr>
+                        <m:t>𝜖</m:t>
+                      </m:r>
+                    </m:oMath>
+                  </m:oMathPara>
+                </a14:m>
+                <a:endParaRPr lang="en-US" sz="2400" dirty="0"/>
+              </a:p>
+            </p:txBody>
+          </p:sp>
+        </mc:Choice>
+        <mc:Fallback>
+          <p:sp>
+            <p:nvSpPr>
+              <p:cNvPr id="8" name="TextBox 7">
+                <a:extLst>
+                  <a:ext uri="{FF2B5EF4-FFF2-40B4-BE49-F238E27FC236}">
+                    <a16:creationId xmlns:a16="http://schemas.microsoft.com/office/drawing/2014/main" id="{15F8A22D-99A6-30DA-C087-046501125060}"/>
+                  </a:ext>
+                </a:extLst>
+              </p:cNvPr>
+              <p:cNvSpPr txBox="1">
+                <a:spLocks noRot="1" noChangeAspect="1" noMove="1" noResize="1" noEditPoints="1" noAdjustHandles="1" noChangeArrowheads="1" noChangeShapeType="1" noTextEdit="1"/>
+              </p:cNvSpPr>
+              <p:nvPr/>
+            </p:nvSpPr>
+            <p:spPr>
+              <a:xfrm>
+                <a:off x="3496541" y="5188498"/>
+                <a:ext cx="4572000" cy="461665"/>
+              </a:xfrm>
+              <a:prstGeom prst="rect">
+                <a:avLst/>
+              </a:prstGeom>
+              <a:blipFill>
+                <a:blip r:embed="rId6"/>
+                <a:stretch>
+                  <a:fillRect l="-400" b="-17105"/>
+                </a:stretch>
+              </a:blipFill>
+            </p:spPr>
+            <p:txBody>
+              <a:bodyPr/>
+              <a:lstStyle/>
+              <a:p>
+                <a:r>
+                  <a:rPr lang="en-US">
+                    <a:noFill/>
+                  </a:rPr>
+                  <a:t> </a:t>
+                </a:r>
+              </a:p>
+            </p:txBody>
+          </p:sp>
+        </mc:Fallback>
+      </mc:AlternateContent>
     </p:spTree>
     <p:extLst>
       <p:ext uri="{BB962C8B-B14F-4D97-AF65-F5344CB8AC3E}">
-        <p14:creationId xmlns:p14="http://schemas.microsoft.com/office/powerpoint/2010/main" val="2409007521"/>
+        <p14:creationId xmlns:p14="http://schemas.microsoft.com/office/powerpoint/2010/main" val="1541658619"/>
       </p:ext>
     </p:extLst>
   </p:cSld>
@@ -5729,7 +6545,7 @@
 </p:sld>
 </file>
 
-<file path=ppt/slides/slide12.xml><?xml version="1.0" encoding="utf-8"?>
+<file path=ppt/slides/slide4.xml><?xml version="1.0" encoding="utf-8"?>
 <p:sld xmlns:a="http://schemas.openxmlformats.org/drawingml/2006/main" xmlns:r="http://schemas.openxmlformats.org/officeDocument/2006/relationships" xmlns:p="http://schemas.openxmlformats.org/presentationml/2006/main">
   <p:cSld>
     <p:spTree>
@@ -5895,7 +6711,7 @@
                 <a:latin typeface="Adobe Devanagari" panose="02040503050201020203" pitchFamily="18" charset="0"/>
                 <a:cs typeface="Adobe Devanagari" panose="02040503050201020203" pitchFamily="18" charset="0"/>
               </a:rPr>
-              <a:t>Model Selection Algorithms</a:t>
+              <a:t>Example: Predicting Birth Weight of Baby </a:t>
             </a:r>
             <a:endParaRPr lang="en-US" sz="4800" dirty="0">
               <a:solidFill>
@@ -5920,7 +6736,7 @@
         <p:spPr>
           <a:xfrm>
             <a:off x="457200" y="1981200"/>
-            <a:ext cx="11201400" cy="2962513"/>
+            <a:ext cx="11201400" cy="3915966"/>
           </a:xfrm>
           <a:prstGeom prst="roundRect">
             <a:avLst/>
@@ -5964,39 +6780,54 @@
                   <a:srgbClr val="660066"/>
                 </a:solidFill>
               </a:rPr>
-              <a:t>Positives and Negatives of Forwards Selection</a:t>
-            </a:r>
-          </a:p>
-          <a:p>
-            <a:pPr marL="914400" lvl="1" indent="-457200">
-              <a:buFont typeface="Arial" panose="020B0604020202020204" pitchFamily="34" charset="0"/>
-              <a:buChar char="•"/>
-            </a:pPr>
+              <a:t>Data </a:t>
+            </a:r>
+            <a:r>
+              <a:rPr lang="en-US" sz="2800" b="1" dirty="0" err="1">
+                <a:solidFill>
+                  <a:srgbClr val="660066"/>
+                </a:solidFill>
+              </a:rPr>
+              <a:t>Ncbirths</a:t>
+            </a:r>
             <a:r>
               <a:rPr lang="en-US" sz="2800" dirty="0">
                 <a:solidFill>
                   <a:srgbClr val="660066"/>
                 </a:solidFill>
               </a:rPr>
-              <a:t>(+) Combats Against Multicollinearity Better</a:t>
-            </a:r>
-          </a:p>
-          <a:p>
-            <a:pPr marL="914400" lvl="1" indent="-457200">
-              <a:buFont typeface="Arial" panose="020B0604020202020204" pitchFamily="34" charset="0"/>
-              <a:buChar char="•"/>
-            </a:pPr>
+              <a:t> in </a:t>
+            </a:r>
+            <a:r>
+              <a:rPr lang="en-US" sz="2800" b="1" dirty="0">
+                <a:solidFill>
+                  <a:srgbClr val="660066"/>
+                </a:solidFill>
+              </a:rPr>
+              <a:t>Stat2Data</a:t>
+            </a:r>
             <a:r>
               <a:rPr lang="en-US" sz="2800" dirty="0">
                 <a:solidFill>
                   <a:srgbClr val="660066"/>
                 </a:solidFill>
               </a:rPr>
-              <a:t>(+) Favors Smaller Models</a:t>
-            </a:r>
-          </a:p>
-          <a:p>
-            <a:pPr marL="914400" lvl="1" indent="-457200">
+              <a:t> Package</a:t>
+            </a:r>
+          </a:p>
+          <a:p>
+            <a:pPr marL="457200" indent="-457200">
+              <a:buFont typeface="Arial" panose="020B0604020202020204" pitchFamily="34" charset="0"/>
+              <a:buChar char="•"/>
+            </a:pPr>
+            <a:endParaRPr lang="en-US" sz="2800" dirty="0">
+              <a:solidFill>
+                <a:srgbClr val="660066"/>
+              </a:solidFill>
+            </a:endParaRPr>
+          </a:p>
+          <a:p>
+            <a:pPr marL="457200" indent="-457200">
               <a:buFont typeface="Arial" panose="020B0604020202020204" pitchFamily="34" charset="0"/>
               <a:buChar char="•"/>
             </a:pPr>
@@ -6006,25 +6837,46 @@
                   <a:srgbClr val="660066"/>
                 </a:solidFill>
               </a:rPr>
-              <a:t>(-) Typically Requires Fitting More Models</a:t>
-            </a:r>
-          </a:p>
-          <a:p>
-            <a:pPr marL="914400" lvl="1" indent="-457200">
-              <a:buFont typeface="Arial" panose="020B0604020202020204" pitchFamily="34" charset="0"/>
-              <a:buChar char="•"/>
-            </a:pPr>
+              <a:t>Response Variable: </a:t>
+            </a:r>
+            <a:r>
+              <a:rPr lang="en-US" sz="2800" i="1" dirty="0" err="1">
+                <a:solidFill>
+                  <a:srgbClr val="660066"/>
+                </a:solidFill>
+              </a:rPr>
+              <a:t>BirthWeightOz</a:t>
+            </a:r>
+            <a:r>
+              <a:rPr lang="en-US" sz="2800" i="1" dirty="0">
+                <a:solidFill>
+                  <a:srgbClr val="660066"/>
+                </a:solidFill>
+              </a:rPr>
+              <a:t> </a:t>
+            </a:r>
             <a:r>
               <a:rPr lang="en-US" sz="2800" dirty="0">
                 <a:solidFill>
                   <a:srgbClr val="660066"/>
                 </a:solidFill>
               </a:rPr>
-              <a:t>(-) Very Unlikely that the Full Model Ever Gets Fit</a:t>
-            </a:r>
-          </a:p>
-          <a:p>
-            <a:pPr marL="914400" lvl="1" indent="-457200">
+              <a:t>= Birth Weight in Ounces</a:t>
+            </a:r>
+          </a:p>
+          <a:p>
+            <a:pPr marL="457200" indent="-457200">
+              <a:buFont typeface="Arial" panose="020B0604020202020204" pitchFamily="34" charset="0"/>
+              <a:buChar char="•"/>
+            </a:pPr>
+            <a:endParaRPr lang="en-US" sz="2800" dirty="0">
+              <a:solidFill>
+                <a:srgbClr val="660066"/>
+              </a:solidFill>
+            </a:endParaRPr>
+          </a:p>
+          <a:p>
+            <a:pPr marL="457200" indent="-457200">
               <a:buFont typeface="Arial" panose="020B0604020202020204" pitchFamily="34" charset="0"/>
               <a:buChar char="•"/>
             </a:pPr>
@@ -6034,15 +6886,94 @@
                   <a:srgbClr val="660066"/>
                 </a:solidFill>
               </a:rPr>
-              <a:t>(-) May Mislead to Thinking Important Variables are Not Important</a:t>
-            </a:r>
+              <a:t>Predictor Variables</a:t>
+            </a:r>
+          </a:p>
+          <a:p>
+            <a:pPr marL="914400" lvl="1" indent="-457200">
+              <a:buFont typeface="Arial" panose="020B0604020202020204" pitchFamily="34" charset="0"/>
+              <a:buChar char="•"/>
+            </a:pPr>
+            <a:r>
+              <a:rPr lang="en-US" sz="2800" i="1" dirty="0">
+                <a:solidFill>
+                  <a:srgbClr val="660066"/>
+                </a:solidFill>
+              </a:rPr>
+              <a:t>Weeks = </a:t>
+            </a:r>
+            <a:r>
+              <a:rPr lang="en-US" sz="2800" dirty="0">
+                <a:solidFill>
+                  <a:srgbClr val="660066"/>
+                </a:solidFill>
+              </a:rPr>
+              <a:t>Completed Weeks of Gestation</a:t>
+            </a:r>
+          </a:p>
+          <a:p>
+            <a:pPr marL="914400" lvl="1" indent="-457200">
+              <a:buFont typeface="Arial" panose="020B0604020202020204" pitchFamily="34" charset="0"/>
+              <a:buChar char="•"/>
+            </a:pPr>
+            <a:r>
+              <a:rPr lang="en-US" sz="2800" i="1" dirty="0">
+                <a:solidFill>
+                  <a:srgbClr val="660066"/>
+                </a:solidFill>
+              </a:rPr>
+              <a:t>Plural</a:t>
+            </a:r>
+            <a:r>
+              <a:rPr lang="en-US" sz="2800" dirty="0">
+                <a:solidFill>
+                  <a:srgbClr val="660066"/>
+                </a:solidFill>
+              </a:rPr>
+              <a:t> = {1 = Single, 2=Twins, 3=Triplets}</a:t>
+            </a:r>
+          </a:p>
+          <a:p>
+            <a:pPr marL="914400" lvl="1" indent="-457200">
+              <a:buFont typeface="Arial" panose="020B0604020202020204" pitchFamily="34" charset="0"/>
+              <a:buChar char="•"/>
+            </a:pPr>
+            <a:r>
+              <a:rPr lang="en-US" sz="2800" i="1" dirty="0" err="1">
+                <a:solidFill>
+                  <a:srgbClr val="660066"/>
+                </a:solidFill>
+              </a:rPr>
+              <a:t>MomRace</a:t>
+            </a:r>
+            <a:r>
+              <a:rPr lang="en-US" sz="2800" i="1" dirty="0">
+                <a:solidFill>
+                  <a:srgbClr val="660066"/>
+                </a:solidFill>
+              </a:rPr>
+              <a:t> = </a:t>
+            </a:r>
+            <a:r>
+              <a:rPr lang="en-US" sz="2800" dirty="0">
+                <a:solidFill>
+                  <a:srgbClr val="660066"/>
+                </a:solidFill>
+              </a:rPr>
+              <a:t>{Black, Hispanic, Other, White}</a:t>
+            </a:r>
+            <a:endParaRPr lang="en-US" sz="2800" i="1" dirty="0">
+              <a:solidFill>
+                <a:srgbClr val="660066"/>
+              </a:solidFill>
+            </a:endParaRPr>
           </a:p>
         </p:txBody>
       </p:sp>
     </p:spTree>
     <p:extLst>
       <p:ext uri="{BB962C8B-B14F-4D97-AF65-F5344CB8AC3E}">
-        <p14:creationId xmlns:p14="http://schemas.microsoft.com/office/powerpoint/2010/main" val="3521768637"/>
+        <p14:creationId xmlns:p14="http://schemas.microsoft.com/office/powerpoint/2010/main" val="3772760158"/>
       </p:ext>
     </p:extLst>
   </p:cSld>
@@ -6052,7 +6983,7 @@
 </p:sld>
 </file>
 
-<file path=ppt/slides/slide13.xml><?xml version="1.0" encoding="utf-8"?>
+<file path=ppt/slides/slide5.xml><?xml version="1.0" encoding="utf-8"?>
 <p:sld xmlns:a="http://schemas.openxmlformats.org/drawingml/2006/main" xmlns:r="http://schemas.openxmlformats.org/officeDocument/2006/relationships" xmlns:p="http://schemas.openxmlformats.org/presentationml/2006/main">
   <p:cSld>
     <p:spTree>
@@ -6218,7 +7149,7 @@
                 <a:latin typeface="Adobe Devanagari" panose="02040503050201020203" pitchFamily="18" charset="0"/>
                 <a:cs typeface="Adobe Devanagari" panose="02040503050201020203" pitchFamily="18" charset="0"/>
               </a:rPr>
-              <a:t>Model Selection Algorithms</a:t>
+              <a:t>Supplement for Lecture 18</a:t>
             </a:r>
             <a:endParaRPr lang="en-US" sz="4800" dirty="0">
               <a:solidFill>
@@ -6243,7 +7174,7 @@
         <p:spPr>
           <a:xfrm>
             <a:off x="457200" y="1981200"/>
-            <a:ext cx="11201400" cy="4869418"/>
+            <a:ext cx="11201400" cy="3439239"/>
           </a:xfrm>
           <a:prstGeom prst="roundRect">
             <a:avLst/>
@@ -6287,854 +7218,7 @@
                   <a:srgbClr val="660066"/>
                 </a:solidFill>
               </a:rPr>
-              <a:t>Stepwise Regression</a:t>
-            </a:r>
-          </a:p>
-          <a:p>
-            <a:pPr marL="914400" lvl="1" indent="-457200">
-              <a:buFont typeface="Arial" panose="020B0604020202020204" pitchFamily="34" charset="0"/>
-              <a:buChar char="•"/>
-            </a:pPr>
-            <a:r>
-              <a:rPr lang="en-US" sz="2800" dirty="0">
-                <a:solidFill>
-                  <a:srgbClr val="660066"/>
-                </a:solidFill>
-              </a:rPr>
-              <a:t>Uses </a:t>
-            </a:r>
-            <a:r>
-              <a:rPr lang="en-US" sz="2800" b="1" dirty="0">
-                <a:solidFill>
-                  <a:srgbClr val="660066"/>
-                </a:solidFill>
-              </a:rPr>
-              <a:t>Forward Selection </a:t>
-            </a:r>
-            <a:r>
-              <a:rPr lang="en-US" sz="2800" dirty="0">
-                <a:solidFill>
-                  <a:srgbClr val="660066"/>
-                </a:solidFill>
-              </a:rPr>
-              <a:t>to </a:t>
-            </a:r>
-            <a:r>
-              <a:rPr lang="en-US" sz="2800" b="1" dirty="0">
-                <a:solidFill>
-                  <a:srgbClr val="660066"/>
-                </a:solidFill>
-              </a:rPr>
-              <a:t>Add</a:t>
-            </a:r>
-            <a:r>
-              <a:rPr lang="en-US" sz="2800" dirty="0">
-                <a:solidFill>
-                  <a:srgbClr val="660066"/>
-                </a:solidFill>
-              </a:rPr>
-              <a:t> Variables</a:t>
-            </a:r>
-          </a:p>
-          <a:p>
-            <a:pPr marL="914400" lvl="1" indent="-457200">
-              <a:buFont typeface="Arial" panose="020B0604020202020204" pitchFamily="34" charset="0"/>
-              <a:buChar char="•"/>
-            </a:pPr>
-            <a:r>
-              <a:rPr lang="en-US" sz="2800" dirty="0">
-                <a:solidFill>
-                  <a:srgbClr val="660066"/>
-                </a:solidFill>
-              </a:rPr>
-              <a:t>Uses </a:t>
-            </a:r>
-            <a:r>
-              <a:rPr lang="en-US" sz="2800" b="1" dirty="0">
-                <a:solidFill>
-                  <a:srgbClr val="660066"/>
-                </a:solidFill>
-              </a:rPr>
-              <a:t>Backward Elimination </a:t>
-            </a:r>
-            <a:r>
-              <a:rPr lang="en-US" sz="2800" dirty="0">
-                <a:solidFill>
-                  <a:srgbClr val="660066"/>
-                </a:solidFill>
-              </a:rPr>
-              <a:t>to </a:t>
-            </a:r>
-            <a:r>
-              <a:rPr lang="en-US" sz="2800" b="1" dirty="0">
-                <a:solidFill>
-                  <a:srgbClr val="660066"/>
-                </a:solidFill>
-              </a:rPr>
-              <a:t>Remove</a:t>
-            </a:r>
-            <a:r>
-              <a:rPr lang="en-US" sz="2800" dirty="0">
-                <a:solidFill>
-                  <a:srgbClr val="660066"/>
-                </a:solidFill>
-              </a:rPr>
-              <a:t> Redundant Information</a:t>
-            </a:r>
-          </a:p>
-          <a:p>
-            <a:pPr marL="914400" lvl="1" indent="-457200">
-              <a:buFont typeface="Arial" panose="020B0604020202020204" pitchFamily="34" charset="0"/>
-              <a:buChar char="•"/>
-            </a:pPr>
-            <a:endParaRPr lang="en-US" sz="2800" dirty="0">
-              <a:solidFill>
-                <a:srgbClr val="660066"/>
-              </a:solidFill>
-            </a:endParaRPr>
-          </a:p>
-          <a:p>
-            <a:pPr marL="457200" indent="-457200">
-              <a:buFont typeface="Arial" panose="020B0604020202020204" pitchFamily="34" charset="0"/>
-              <a:buChar char="•"/>
-            </a:pPr>
-            <a:r>
-              <a:rPr lang="en-US" sz="2800" dirty="0">
-                <a:solidFill>
-                  <a:srgbClr val="660066"/>
-                </a:solidFill>
-              </a:rPr>
-              <a:t>Advice: Run All Three Algorithms to Identify Competing Models</a:t>
-            </a:r>
-          </a:p>
-          <a:p>
-            <a:endParaRPr lang="en-US" sz="2800" dirty="0">
-              <a:solidFill>
-                <a:srgbClr val="660066"/>
-              </a:solidFill>
-            </a:endParaRPr>
-          </a:p>
-          <a:p>
-            <a:pPr marL="457200" indent="-457200">
-              <a:buFont typeface="Arial" panose="020B0604020202020204" pitchFamily="34" charset="0"/>
-              <a:buChar char="•"/>
-            </a:pPr>
-            <a:r>
-              <a:rPr lang="en-US" sz="2800" dirty="0">
-                <a:solidFill>
-                  <a:srgbClr val="660066"/>
-                </a:solidFill>
-              </a:rPr>
-              <a:t>You Can Use </a:t>
-            </a:r>
-            <a:r>
-              <a:rPr lang="en-US" sz="2800" b="1" dirty="0">
-                <a:solidFill>
-                  <a:srgbClr val="660066"/>
-                </a:solidFill>
-              </a:rPr>
-              <a:t>Better</a:t>
-            </a:r>
-            <a:r>
-              <a:rPr lang="en-US" sz="2800" dirty="0">
-                <a:solidFill>
-                  <a:srgbClr val="660066"/>
-                </a:solidFill>
-              </a:rPr>
-              <a:t> Criteria to Determine When to </a:t>
-            </a:r>
-            <a:r>
-              <a:rPr lang="en-US" sz="2800" b="1" dirty="0">
-                <a:solidFill>
-                  <a:srgbClr val="660066"/>
-                </a:solidFill>
-              </a:rPr>
-              <a:t>Add</a:t>
-            </a:r>
-            <a:r>
-              <a:rPr lang="en-US" sz="2800" dirty="0">
-                <a:solidFill>
-                  <a:srgbClr val="660066"/>
-                </a:solidFill>
-              </a:rPr>
-              <a:t> or </a:t>
-            </a:r>
-            <a:r>
-              <a:rPr lang="en-US" sz="2800" b="1" dirty="0">
-                <a:solidFill>
-                  <a:srgbClr val="660066"/>
-                </a:solidFill>
-              </a:rPr>
-              <a:t>Remove</a:t>
-            </a:r>
-          </a:p>
-          <a:p>
-            <a:pPr marL="914400" lvl="1" indent="-457200">
-              <a:buFont typeface="Arial" panose="020B0604020202020204" pitchFamily="34" charset="0"/>
-              <a:buChar char="•"/>
-            </a:pPr>
-            <a:r>
-              <a:rPr lang="en-US" sz="2800" dirty="0">
-                <a:solidFill>
-                  <a:srgbClr val="660066"/>
-                </a:solidFill>
-              </a:rPr>
-              <a:t>Adjusted R-Squared</a:t>
-            </a:r>
-          </a:p>
-          <a:p>
-            <a:pPr marL="914400" lvl="1" indent="-457200">
-              <a:buFont typeface="Arial" panose="020B0604020202020204" pitchFamily="34" charset="0"/>
-              <a:buChar char="•"/>
-            </a:pPr>
-            <a:r>
-              <a:rPr lang="en-US" sz="2800" dirty="0">
-                <a:solidFill>
-                  <a:srgbClr val="660066"/>
-                </a:solidFill>
-              </a:rPr>
-              <a:t>Mallow’s Cp</a:t>
-            </a:r>
-          </a:p>
-          <a:p>
-            <a:pPr marL="914400" lvl="1" indent="-457200">
-              <a:buFont typeface="Arial" panose="020B0604020202020204" pitchFamily="34" charset="0"/>
-              <a:buChar char="•"/>
-            </a:pPr>
-            <a:r>
-              <a:rPr lang="en-US" sz="2800" dirty="0">
-                <a:solidFill>
-                  <a:srgbClr val="660066"/>
-                </a:solidFill>
-              </a:rPr>
-              <a:t>AIC or BIC</a:t>
-            </a:r>
-          </a:p>
-        </p:txBody>
-      </p:sp>
-    </p:spTree>
-    <p:extLst>
-      <p:ext uri="{BB962C8B-B14F-4D97-AF65-F5344CB8AC3E}">
-        <p14:creationId xmlns:p14="http://schemas.microsoft.com/office/powerpoint/2010/main" val="2309289949"/>
-      </p:ext>
-    </p:extLst>
-  </p:cSld>
-  <p:clrMapOvr>
-    <a:masterClrMapping/>
-  </p:clrMapOvr>
-</p:sld>
-</file>
-
-<file path=ppt/slides/slide14.xml><?xml version="1.0" encoding="utf-8"?>
-<p:sld xmlns:a="http://schemas.openxmlformats.org/drawingml/2006/main" xmlns:r="http://schemas.openxmlformats.org/officeDocument/2006/relationships" xmlns:p="http://schemas.openxmlformats.org/presentationml/2006/main">
-  <p:cSld>
-    <p:spTree>
-      <p:nvGrpSpPr>
-        <p:cNvPr id="1" name=""/>
-        <p:cNvGrpSpPr/>
-        <p:nvPr/>
-      </p:nvGrpSpPr>
-      <p:grpSpPr>
-        <a:xfrm>
-          <a:off x="0" y="0"/>
-          <a:ext cx="0" cy="0"/>
-          <a:chOff x="0" y="0"/>
-          <a:chExt cx="0" cy="0"/>
-        </a:xfrm>
-      </p:grpSpPr>
-      <p:pic>
-        <p:nvPicPr>
-          <p:cNvPr id="2" name="Picture 10" descr="Mario Pattern">
-            <a:extLst>
-              <a:ext uri="{FF2B5EF4-FFF2-40B4-BE49-F238E27FC236}">
-                <a16:creationId xmlns:a16="http://schemas.microsoft.com/office/drawing/2014/main" id="{8F84FFD9-23AF-75F7-6DAA-904525952142}"/>
-              </a:ext>
-            </a:extLst>
-          </p:cNvPr>
-          <p:cNvPicPr>
-            <a:picLocks noChangeAspect="1" noChangeArrowheads="1"/>
-          </p:cNvPicPr>
-          <p:nvPr/>
-        </p:nvPicPr>
-        <p:blipFill rotWithShape="1">
-          <a:blip r:embed="rId2">
-            <a:alphaModFix amt="47000"/>
-            <a:extLst>
-              <a:ext uri="{28A0092B-C50C-407E-A947-70E740481C1C}">
-                <a14:useLocalDpi xmlns:a14="http://schemas.microsoft.com/office/drawing/2010/main" val="0"/>
-              </a:ext>
-            </a:extLst>
-          </a:blip>
-          <a:srcRect l="4595" r="6699"/>
-          <a:stretch/>
-        </p:blipFill>
-        <p:spPr bwMode="auto">
-          <a:xfrm>
-            <a:off x="0" y="-2057400"/>
-            <a:ext cx="12192000" cy="10308201"/>
-          </a:xfrm>
-          <a:prstGeom prst="rect">
-            <a:avLst/>
-          </a:prstGeom>
-          <a:noFill/>
-          <a:extLst>
-            <a:ext uri="{909E8E84-426E-40DD-AFC4-6F175D3DCCD1}">
-              <a14:hiddenFill xmlns:a14="http://schemas.microsoft.com/office/drawing/2010/main">
-                <a:solidFill>
-                  <a:srgbClr val="FFFFFF"/>
-                </a:solidFill>
-              </a14:hiddenFill>
-            </a:ext>
-          </a:extLst>
-        </p:spPr>
-      </p:pic>
-      <p:sp>
-        <p:nvSpPr>
-          <p:cNvPr id="12" name="Line 11"/>
-          <p:cNvSpPr>
-            <a:spLocks noChangeShapeType="1"/>
-          </p:cNvSpPr>
-          <p:nvPr/>
-        </p:nvSpPr>
-        <p:spPr bwMode="auto">
-          <a:xfrm flipV="1">
-            <a:off x="6972300" y="5109836"/>
-            <a:ext cx="609600" cy="533400"/>
-          </a:xfrm>
-          <a:prstGeom prst="line">
-            <a:avLst/>
-          </a:prstGeom>
-          <a:noFill/>
-          <a:ln w="38100">
-            <a:solidFill>
-              <a:srgbClr val="FFFF66"/>
-            </a:solidFill>
-            <a:round/>
-            <a:headEnd/>
-            <a:tailEnd type="triangle" w="med" len="med"/>
-          </a:ln>
-          <a:extLst>
-            <a:ext uri="{909E8E84-426E-40DD-AFC4-6F175D3DCCD1}">
-              <a14:hiddenFill xmlns:a14="http://schemas.microsoft.com/office/drawing/2010/main">
-                <a:noFill/>
-              </a14:hiddenFill>
-            </a:ext>
-          </a:extLst>
-        </p:spPr>
-        <p:txBody>
-          <a:bodyPr wrap="square">
-            <a:spAutoFit/>
-          </a:bodyPr>
-          <a:lstStyle/>
-          <a:p>
-            <a:endParaRPr lang="en-US"/>
-          </a:p>
-        </p:txBody>
-      </p:sp>
-      <p:sp>
-        <p:nvSpPr>
-          <p:cNvPr id="6" name="TextBox 5">
-            <a:extLst>
-              <a:ext uri="{FF2B5EF4-FFF2-40B4-BE49-F238E27FC236}">
-                <a16:creationId xmlns:a16="http://schemas.microsoft.com/office/drawing/2014/main" id="{4F2DA592-D8EB-70BA-2112-6C13A4E7B393}"/>
-              </a:ext>
-            </a:extLst>
-          </p:cNvPr>
-          <p:cNvSpPr txBox="1"/>
-          <p:nvPr/>
-        </p:nvSpPr>
-        <p:spPr>
-          <a:xfrm>
-            <a:off x="457200" y="609600"/>
-            <a:ext cx="11201400" cy="919401"/>
-          </a:xfrm>
-          <a:prstGeom prst="roundRect">
-            <a:avLst/>
-          </a:prstGeom>
-          <a:solidFill>
-            <a:schemeClr val="bg1">
-              <a:alpha val="70000"/>
-            </a:schemeClr>
-          </a:solidFill>
-          <a:ln w="76200">
-            <a:solidFill>
-              <a:srgbClr val="FFC416"/>
-            </a:solidFill>
-          </a:ln>
-        </p:spPr>
-        <p:style>
-          <a:lnRef idx="2">
-            <a:schemeClr val="dk1"/>
-          </a:lnRef>
-          <a:fillRef idx="1">
-            <a:schemeClr val="lt1"/>
-          </a:fillRef>
-          <a:effectRef idx="0">
-            <a:schemeClr val="dk1"/>
-          </a:effectRef>
-          <a:fontRef idx="minor">
-            <a:schemeClr val="dk1"/>
-          </a:fontRef>
-        </p:style>
-        <p:txBody>
-          <a:bodyPr wrap="square" rtlCol="0">
-            <a:spAutoFit/>
-          </a:bodyPr>
-          <a:lstStyle/>
-          <a:p>
-            <a:pPr algn="ctr"/>
-            <a:r>
-              <a:rPr lang="en-US" sz="4800" b="1" dirty="0">
-                <a:solidFill>
-                  <a:srgbClr val="2D3A37"/>
-                </a:solidFill>
-                <a:latin typeface="Adobe Devanagari" panose="02040503050201020203" pitchFamily="18" charset="0"/>
-                <a:cs typeface="Adobe Devanagari" panose="02040503050201020203" pitchFamily="18" charset="0"/>
-              </a:rPr>
-              <a:t>Example: Predicting Body Fat</a:t>
-            </a:r>
-            <a:endParaRPr lang="en-US" sz="4800" dirty="0">
-              <a:solidFill>
-                <a:srgbClr val="2D3A37"/>
-              </a:solidFill>
-            </a:endParaRPr>
-          </a:p>
-        </p:txBody>
-      </p:sp>
-      <p:sp>
-        <p:nvSpPr>
-          <p:cNvPr id="7" name="TextBox 6">
-            <a:extLst>
-              <a:ext uri="{FF2B5EF4-FFF2-40B4-BE49-F238E27FC236}">
-                <a16:creationId xmlns:a16="http://schemas.microsoft.com/office/drawing/2014/main" id="{D9B238EA-D04E-3255-7509-F990F1A8F309}"/>
-              </a:ext>
-            </a:extLst>
-          </p:cNvPr>
-          <p:cNvSpPr txBox="1"/>
-          <p:nvPr/>
-        </p:nvSpPr>
-        <p:spPr>
-          <a:xfrm>
-            <a:off x="457200" y="1981200"/>
-            <a:ext cx="11201400" cy="3915966"/>
-          </a:xfrm>
-          <a:prstGeom prst="roundRect">
-            <a:avLst/>
-          </a:prstGeom>
-          <a:solidFill>
-            <a:schemeClr val="bg1"/>
-          </a:solidFill>
-          <a:ln w="76200">
-            <a:solidFill>
-              <a:srgbClr val="FFC416"/>
-            </a:solidFill>
-          </a:ln>
-        </p:spPr>
-        <p:style>
-          <a:lnRef idx="2">
-            <a:schemeClr val="dk1"/>
-          </a:lnRef>
-          <a:fillRef idx="1">
-            <a:schemeClr val="lt1"/>
-          </a:fillRef>
-          <a:effectRef idx="0">
-            <a:schemeClr val="dk1"/>
-          </a:effectRef>
-          <a:fontRef idx="minor">
-            <a:schemeClr val="dk1"/>
-          </a:fontRef>
-        </p:style>
-        <p:txBody>
-          <a:bodyPr wrap="square" rtlCol="0">
-            <a:spAutoFit/>
-          </a:bodyPr>
-          <a:lstStyle/>
-          <a:p>
-            <a:pPr marL="457200" indent="-457200">
-              <a:buFont typeface="Arial" panose="020B0604020202020204" pitchFamily="34" charset="0"/>
-              <a:buChar char="•"/>
-            </a:pPr>
-            <a:r>
-              <a:rPr lang="en-US" sz="2800" dirty="0">
-                <a:solidFill>
-                  <a:srgbClr val="660066"/>
-                </a:solidFill>
-              </a:rPr>
-              <a:t>Question: </a:t>
-            </a:r>
-            <a:r>
-              <a:rPr lang="en-US" sz="2800" i="1" dirty="0">
-                <a:solidFill>
-                  <a:srgbClr val="660066"/>
-                </a:solidFill>
-              </a:rPr>
-              <a:t>Can we predict the body fat percentage of an individual using the age of the individual and other body measurements? </a:t>
-            </a:r>
-          </a:p>
-          <a:p>
-            <a:pPr marL="457200" indent="-457200">
-              <a:buFont typeface="Arial" panose="020B0604020202020204" pitchFamily="34" charset="0"/>
-              <a:buChar char="•"/>
-            </a:pPr>
-            <a:endParaRPr lang="en-US" sz="2800" i="1" dirty="0">
-              <a:solidFill>
-                <a:srgbClr val="660066"/>
-              </a:solidFill>
-            </a:endParaRPr>
-          </a:p>
-          <a:p>
-            <a:pPr marL="457200" indent="-457200">
-              <a:buFont typeface="Arial" panose="020B0604020202020204" pitchFamily="34" charset="0"/>
-              <a:buChar char="•"/>
-            </a:pPr>
-            <a:r>
-              <a:rPr lang="en-US" sz="2800" dirty="0">
-                <a:solidFill>
-                  <a:srgbClr val="660066"/>
-                </a:solidFill>
-              </a:rPr>
-              <a:t>List of Potential Predictor Variables in Dataset</a:t>
-            </a:r>
-          </a:p>
-          <a:p>
-            <a:pPr marL="914400" lvl="1" indent="-457200">
-              <a:buFont typeface="Arial" panose="020B0604020202020204" pitchFamily="34" charset="0"/>
-              <a:buChar char="•"/>
-            </a:pPr>
-            <a:r>
-              <a:rPr lang="en-US" sz="2800" dirty="0">
-                <a:solidFill>
-                  <a:srgbClr val="660066"/>
-                </a:solidFill>
-              </a:rPr>
-              <a:t>Age (</a:t>
-            </a:r>
-            <a:r>
-              <a:rPr lang="en-US" sz="2800" dirty="0" err="1">
-                <a:solidFill>
-                  <a:srgbClr val="660066"/>
-                </a:solidFill>
-              </a:rPr>
-              <a:t>yrs</a:t>
-            </a:r>
-            <a:r>
-              <a:rPr lang="en-US" sz="2800" dirty="0">
-                <a:solidFill>
-                  <a:srgbClr val="660066"/>
-                </a:solidFill>
-              </a:rPr>
-              <a:t>)</a:t>
-            </a:r>
-          </a:p>
-          <a:p>
-            <a:pPr marL="914400" lvl="1" indent="-457200">
-              <a:buFont typeface="Arial" panose="020B0604020202020204" pitchFamily="34" charset="0"/>
-              <a:buChar char="•"/>
-            </a:pPr>
-            <a:r>
-              <a:rPr lang="en-US" sz="2800" dirty="0">
-                <a:solidFill>
-                  <a:srgbClr val="660066"/>
-                </a:solidFill>
-              </a:rPr>
-              <a:t>Weight (</a:t>
-            </a:r>
-            <a:r>
-              <a:rPr lang="en-US" sz="2800" dirty="0" err="1">
-                <a:solidFill>
-                  <a:srgbClr val="660066"/>
-                </a:solidFill>
-              </a:rPr>
-              <a:t>lbs</a:t>
-            </a:r>
-            <a:r>
-              <a:rPr lang="en-US" sz="2800" dirty="0">
-                <a:solidFill>
-                  <a:srgbClr val="660066"/>
-                </a:solidFill>
-              </a:rPr>
-              <a:t>)</a:t>
-            </a:r>
-          </a:p>
-          <a:p>
-            <a:pPr marL="914400" lvl="1" indent="-457200">
-              <a:buFont typeface="Arial" panose="020B0604020202020204" pitchFamily="34" charset="0"/>
-              <a:buChar char="•"/>
-            </a:pPr>
-            <a:r>
-              <a:rPr lang="en-US" sz="2800" dirty="0">
-                <a:solidFill>
-                  <a:srgbClr val="660066"/>
-                </a:solidFill>
-              </a:rPr>
-              <a:t>Height (in)</a:t>
-            </a:r>
-          </a:p>
-          <a:p>
-            <a:pPr marL="914400" lvl="1" indent="-457200">
-              <a:buFont typeface="Arial" panose="020B0604020202020204" pitchFamily="34" charset="0"/>
-              <a:buChar char="•"/>
-            </a:pPr>
-            <a:r>
-              <a:rPr lang="en-US" sz="2800" dirty="0">
-                <a:solidFill>
-                  <a:srgbClr val="660066"/>
-                </a:solidFill>
-              </a:rPr>
-              <a:t>Circumference of Neck, Chest, Abdomen, Ankle, Biceps, Wrist (cm)</a:t>
-            </a:r>
-          </a:p>
-        </p:txBody>
-      </p:sp>
-    </p:spTree>
-    <p:extLst>
-      <p:ext uri="{BB962C8B-B14F-4D97-AF65-F5344CB8AC3E}">
-        <p14:creationId xmlns:p14="http://schemas.microsoft.com/office/powerpoint/2010/main" val="3366681617"/>
-      </p:ext>
-    </p:extLst>
-  </p:cSld>
-  <p:clrMapOvr>
-    <a:masterClrMapping/>
-  </p:clrMapOvr>
-</p:sld>
-</file>
-
-<file path=ppt/slides/slide15.xml><?xml version="1.0" encoding="utf-8"?>
-<p:sld xmlns:a="http://schemas.openxmlformats.org/drawingml/2006/main" xmlns:r="http://schemas.openxmlformats.org/officeDocument/2006/relationships" xmlns:p="http://schemas.openxmlformats.org/presentationml/2006/main">
-  <p:cSld>
-    <p:spTree>
-      <p:nvGrpSpPr>
-        <p:cNvPr id="1" name=""/>
-        <p:cNvGrpSpPr/>
-        <p:nvPr/>
-      </p:nvGrpSpPr>
-      <p:grpSpPr>
-        <a:xfrm>
-          <a:off x="0" y="0"/>
-          <a:ext cx="0" cy="0"/>
-          <a:chOff x="0" y="0"/>
-          <a:chExt cx="0" cy="0"/>
-        </a:xfrm>
-      </p:grpSpPr>
-      <p:pic>
-        <p:nvPicPr>
-          <p:cNvPr id="2" name="Picture 10" descr="Mario Pattern">
-            <a:extLst>
-              <a:ext uri="{FF2B5EF4-FFF2-40B4-BE49-F238E27FC236}">
-                <a16:creationId xmlns:a16="http://schemas.microsoft.com/office/drawing/2014/main" id="{8F84FFD9-23AF-75F7-6DAA-904525952142}"/>
-              </a:ext>
-            </a:extLst>
-          </p:cNvPr>
-          <p:cNvPicPr>
-            <a:picLocks noChangeAspect="1" noChangeArrowheads="1"/>
-          </p:cNvPicPr>
-          <p:nvPr/>
-        </p:nvPicPr>
-        <p:blipFill rotWithShape="1">
-          <a:blip r:embed="rId2">
-            <a:alphaModFix amt="47000"/>
-            <a:extLst>
-              <a:ext uri="{28A0092B-C50C-407E-A947-70E740481C1C}">
-                <a14:useLocalDpi xmlns:a14="http://schemas.microsoft.com/office/drawing/2010/main" val="0"/>
-              </a:ext>
-            </a:extLst>
-          </a:blip>
-          <a:srcRect l="4595" r="6699"/>
-          <a:stretch/>
-        </p:blipFill>
-        <p:spPr bwMode="auto">
-          <a:xfrm>
-            <a:off x="0" y="-2057400"/>
-            <a:ext cx="12192000" cy="10308201"/>
-          </a:xfrm>
-          <a:prstGeom prst="rect">
-            <a:avLst/>
-          </a:prstGeom>
-          <a:noFill/>
-          <a:extLst>
-            <a:ext uri="{909E8E84-426E-40DD-AFC4-6F175D3DCCD1}">
-              <a14:hiddenFill xmlns:a14="http://schemas.microsoft.com/office/drawing/2010/main">
-                <a:solidFill>
-                  <a:srgbClr val="FFFFFF"/>
-                </a:solidFill>
-              </a14:hiddenFill>
-            </a:ext>
-          </a:extLst>
-        </p:spPr>
-      </p:pic>
-      <p:sp>
-        <p:nvSpPr>
-          <p:cNvPr id="12" name="Line 11"/>
-          <p:cNvSpPr>
-            <a:spLocks noChangeShapeType="1"/>
-          </p:cNvSpPr>
-          <p:nvPr/>
-        </p:nvSpPr>
-        <p:spPr bwMode="auto">
-          <a:xfrm flipV="1">
-            <a:off x="6972300" y="5109836"/>
-            <a:ext cx="609600" cy="533400"/>
-          </a:xfrm>
-          <a:prstGeom prst="line">
-            <a:avLst/>
-          </a:prstGeom>
-          <a:noFill/>
-          <a:ln w="38100">
-            <a:solidFill>
-              <a:srgbClr val="FFFF66"/>
-            </a:solidFill>
-            <a:round/>
-            <a:headEnd/>
-            <a:tailEnd type="triangle" w="med" len="med"/>
-          </a:ln>
-          <a:extLst>
-            <a:ext uri="{909E8E84-426E-40DD-AFC4-6F175D3DCCD1}">
-              <a14:hiddenFill xmlns:a14="http://schemas.microsoft.com/office/drawing/2010/main">
-                <a:noFill/>
-              </a14:hiddenFill>
-            </a:ext>
-          </a:extLst>
-        </p:spPr>
-        <p:txBody>
-          <a:bodyPr wrap="square">
-            <a:spAutoFit/>
-          </a:bodyPr>
-          <a:lstStyle/>
-          <a:p>
-            <a:endParaRPr lang="en-US"/>
-          </a:p>
-        </p:txBody>
-      </p:sp>
-      <p:sp>
-        <p:nvSpPr>
-          <p:cNvPr id="6" name="TextBox 5">
-            <a:extLst>
-              <a:ext uri="{FF2B5EF4-FFF2-40B4-BE49-F238E27FC236}">
-                <a16:creationId xmlns:a16="http://schemas.microsoft.com/office/drawing/2014/main" id="{4F2DA592-D8EB-70BA-2112-6C13A4E7B393}"/>
-              </a:ext>
-            </a:extLst>
-          </p:cNvPr>
-          <p:cNvSpPr txBox="1"/>
-          <p:nvPr/>
-        </p:nvSpPr>
-        <p:spPr>
-          <a:xfrm>
-            <a:off x="457200" y="609600"/>
-            <a:ext cx="11201400" cy="919401"/>
-          </a:xfrm>
-          <a:prstGeom prst="roundRect">
-            <a:avLst/>
-          </a:prstGeom>
-          <a:solidFill>
-            <a:schemeClr val="bg1">
-              <a:alpha val="70000"/>
-            </a:schemeClr>
-          </a:solidFill>
-          <a:ln w="76200">
-            <a:solidFill>
-              <a:srgbClr val="FFC416"/>
-            </a:solidFill>
-          </a:ln>
-        </p:spPr>
-        <p:style>
-          <a:lnRef idx="2">
-            <a:schemeClr val="dk1"/>
-          </a:lnRef>
-          <a:fillRef idx="1">
-            <a:schemeClr val="lt1"/>
-          </a:fillRef>
-          <a:effectRef idx="0">
-            <a:schemeClr val="dk1"/>
-          </a:effectRef>
-          <a:fontRef idx="minor">
-            <a:schemeClr val="dk1"/>
-          </a:fontRef>
-        </p:style>
-        <p:txBody>
-          <a:bodyPr wrap="square" rtlCol="0">
-            <a:spAutoFit/>
-          </a:bodyPr>
-          <a:lstStyle/>
-          <a:p>
-            <a:pPr algn="ctr"/>
-            <a:r>
-              <a:rPr lang="en-US" sz="4800" b="1" dirty="0">
-                <a:solidFill>
-                  <a:srgbClr val="2D3A37"/>
-                </a:solidFill>
-                <a:latin typeface="Adobe Devanagari" panose="02040503050201020203" pitchFamily="18" charset="0"/>
-                <a:cs typeface="Adobe Devanagari" panose="02040503050201020203" pitchFamily="18" charset="0"/>
-              </a:rPr>
-              <a:t>Supplement for Lecture 16</a:t>
-            </a:r>
-            <a:endParaRPr lang="en-US" sz="4800" dirty="0">
-              <a:solidFill>
-                <a:srgbClr val="2D3A37"/>
-              </a:solidFill>
-            </a:endParaRPr>
-          </a:p>
-        </p:txBody>
-      </p:sp>
-      <p:sp>
-        <p:nvSpPr>
-          <p:cNvPr id="7" name="TextBox 6">
-            <a:extLst>
-              <a:ext uri="{FF2B5EF4-FFF2-40B4-BE49-F238E27FC236}">
-                <a16:creationId xmlns:a16="http://schemas.microsoft.com/office/drawing/2014/main" id="{D9B238EA-D04E-3255-7509-F990F1A8F309}"/>
-              </a:ext>
-            </a:extLst>
-          </p:cNvPr>
-          <p:cNvSpPr txBox="1"/>
-          <p:nvPr/>
-        </p:nvSpPr>
-        <p:spPr>
-          <a:xfrm>
-            <a:off x="457200" y="1981200"/>
-            <a:ext cx="11201400" cy="2962513"/>
-          </a:xfrm>
-          <a:prstGeom prst="roundRect">
-            <a:avLst/>
-          </a:prstGeom>
-          <a:solidFill>
-            <a:schemeClr val="bg1"/>
-          </a:solidFill>
-          <a:ln w="76200">
-            <a:solidFill>
-              <a:srgbClr val="FFC416"/>
-            </a:solidFill>
-          </a:ln>
-        </p:spPr>
-        <p:style>
-          <a:lnRef idx="2">
-            <a:schemeClr val="dk1"/>
-          </a:lnRef>
-          <a:fillRef idx="1">
-            <a:schemeClr val="lt1"/>
-          </a:fillRef>
-          <a:effectRef idx="0">
-            <a:schemeClr val="dk1"/>
-          </a:effectRef>
-          <a:fontRef idx="minor">
-            <a:schemeClr val="dk1"/>
-          </a:fontRef>
-        </p:style>
-        <p:txBody>
-          <a:bodyPr wrap="square" rtlCol="0">
-            <a:spAutoFit/>
-          </a:bodyPr>
-          <a:lstStyle/>
-          <a:p>
-            <a:pPr marL="457200" indent="-457200">
-              <a:buFont typeface="Arial" panose="020B0604020202020204" pitchFamily="34" charset="0"/>
-              <a:buChar char="•"/>
-            </a:pPr>
-            <a:r>
-              <a:rPr lang="en-US" sz="2800" dirty="0">
-                <a:solidFill>
-                  <a:srgbClr val="660066"/>
-                </a:solidFill>
-              </a:rPr>
-              <a:t>Examine Multicollinearity and Look at VIF</a:t>
+              <a:t>Fit Models Based Off Mom’s Race</a:t>
             </a:r>
           </a:p>
           <a:p>
@@ -7159,49 +7243,11 @@
                   <a:srgbClr val="660066"/>
                 </a:solidFill>
               </a:rPr>
-              <a:t>Use </a:t>
-            </a:r>
-            <a:r>
-              <a:rPr lang="en-US" sz="2800" b="1" dirty="0" err="1">
-                <a:solidFill>
-                  <a:srgbClr val="660066"/>
-                </a:solidFill>
-              </a:rPr>
-              <a:t>regsubsets</a:t>
-            </a:r>
-            <a:r>
-              <a:rPr lang="en-US" sz="2800" b="1" dirty="0">
-                <a:solidFill>
-                  <a:srgbClr val="660066"/>
-                </a:solidFill>
-              </a:rPr>
-              <a:t>() </a:t>
-            </a:r>
-            <a:r>
-              <a:rPr lang="en-US" sz="2800" dirty="0">
-                <a:solidFill>
-                  <a:srgbClr val="660066"/>
-                </a:solidFill>
-              </a:rPr>
-              <a:t>to Fit All Possible Models</a:t>
-            </a:r>
-          </a:p>
-          <a:p>
-            <a:pPr marL="914400" lvl="1" indent="-457200">
-              <a:buFont typeface="Arial" panose="020B0604020202020204" pitchFamily="34" charset="0"/>
-              <a:buChar char="•"/>
-            </a:pPr>
-            <a:r>
-              <a:rPr lang="en-US" sz="2800" dirty="0">
-                <a:solidFill>
-                  <a:srgbClr val="660066"/>
-                </a:solidFill>
-              </a:rPr>
-              <a:t>Look at R-Squared, Adjusted R-Squared, Mallow’s Cp, and BIC</a:t>
-            </a:r>
-          </a:p>
-          <a:p>
-            <a:pPr marL="914400" lvl="1" indent="-457200">
+              <a:t>Add in Weeks Variable to See Impact On Model</a:t>
+            </a:r>
+          </a:p>
+          <a:p>
+            <a:pPr marL="457200" indent="-457200">
               <a:buFont typeface="Arial" panose="020B0604020202020204" pitchFamily="34" charset="0"/>
               <a:buChar char="•"/>
             </a:pPr>
@@ -7222,7 +7268,32 @@
                   <a:srgbClr val="660066"/>
                 </a:solidFill>
               </a:rPr>
-              <a:t>Backwards, Forwards, and Stepwise Algorithms for Selecting Variables</a:t>
+              <a:t>Add in Plural Variable to See Impact on Model</a:t>
+            </a:r>
+          </a:p>
+          <a:p>
+            <a:pPr marL="457200" indent="-457200">
+              <a:buFont typeface="Arial" panose="020B0604020202020204" pitchFamily="34" charset="0"/>
+              <a:buChar char="•"/>
+            </a:pPr>
+            <a:endParaRPr lang="en-US" sz="2800" dirty="0">
+              <a:solidFill>
+                <a:srgbClr val="660066"/>
+              </a:solidFill>
+            </a:endParaRPr>
+          </a:p>
+          <a:p>
+            <a:pPr marL="457200" indent="-457200">
+              <a:buFont typeface="Arial" panose="020B0604020202020204" pitchFamily="34" charset="0"/>
+              <a:buChar char="•"/>
+            </a:pPr>
+            <a:r>
+              <a:rPr lang="en-US" sz="2800" dirty="0">
+                <a:solidFill>
+                  <a:srgbClr val="660066"/>
+                </a:solidFill>
+              </a:rPr>
+              <a:t>Stepwise Model Selection</a:t>
             </a:r>
           </a:p>
         </p:txBody>
@@ -7240,7 +7311,7 @@
 </p:sld>
 </file>
 
-<file path=ppt/slides/slide16.xml><?xml version="1.0" encoding="utf-8"?>
+<file path=ppt/slides/slide6.xml><?xml version="1.0" encoding="utf-8"?>
 <p:sld xmlns:a="http://schemas.openxmlformats.org/drawingml/2006/main" xmlns:r="http://schemas.openxmlformats.org/officeDocument/2006/relationships" xmlns:p="http://schemas.openxmlformats.org/presentationml/2006/main">
   <p:cSld>
     <p:spTree>
@@ -7605,5342 +7676,6 @@
     <p:extLst>
       <p:ext uri="{BB962C8B-B14F-4D97-AF65-F5344CB8AC3E}">
         <p14:creationId xmlns:p14="http://schemas.microsoft.com/office/powerpoint/2010/main" val="3266410475"/>
-      </p:ext>
-    </p:extLst>
-  </p:cSld>
-  <p:clrMapOvr>
-    <a:masterClrMapping/>
-  </p:clrMapOvr>
-</p:sld>
-</file>
-
-<file path=ppt/slides/slide2.xml><?xml version="1.0" encoding="utf-8"?>
-<p:sld xmlns:a="http://schemas.openxmlformats.org/drawingml/2006/main" xmlns:r="http://schemas.openxmlformats.org/officeDocument/2006/relationships" xmlns:p="http://schemas.openxmlformats.org/presentationml/2006/main">
-  <p:cSld>
-    <p:spTree>
-      <p:nvGrpSpPr>
-        <p:cNvPr id="1" name=""/>
-        <p:cNvGrpSpPr/>
-        <p:nvPr/>
-      </p:nvGrpSpPr>
-      <p:grpSpPr>
-        <a:xfrm>
-          <a:off x="0" y="0"/>
-          <a:ext cx="0" cy="0"/>
-          <a:chOff x="0" y="0"/>
-          <a:chExt cx="0" cy="0"/>
-        </a:xfrm>
-      </p:grpSpPr>
-      <p:pic>
-        <p:nvPicPr>
-          <p:cNvPr id="2" name="Picture 10" descr="Mario Pattern">
-            <a:extLst>
-              <a:ext uri="{FF2B5EF4-FFF2-40B4-BE49-F238E27FC236}">
-                <a16:creationId xmlns:a16="http://schemas.microsoft.com/office/drawing/2014/main" id="{8F84FFD9-23AF-75F7-6DAA-904525952142}"/>
-              </a:ext>
-            </a:extLst>
-          </p:cNvPr>
-          <p:cNvPicPr>
-            <a:picLocks noChangeAspect="1" noChangeArrowheads="1"/>
-          </p:cNvPicPr>
-          <p:nvPr/>
-        </p:nvPicPr>
-        <p:blipFill rotWithShape="1">
-          <a:blip r:embed="rId2">
-            <a:alphaModFix amt="47000"/>
-            <a:extLst>
-              <a:ext uri="{28A0092B-C50C-407E-A947-70E740481C1C}">
-                <a14:useLocalDpi xmlns:a14="http://schemas.microsoft.com/office/drawing/2010/main" val="0"/>
-              </a:ext>
-            </a:extLst>
-          </a:blip>
-          <a:srcRect l="4595" r="6699"/>
-          <a:stretch/>
-        </p:blipFill>
-        <p:spPr bwMode="auto">
-          <a:xfrm>
-            <a:off x="0" y="-2057400"/>
-            <a:ext cx="12192000" cy="10308201"/>
-          </a:xfrm>
-          <a:prstGeom prst="rect">
-            <a:avLst/>
-          </a:prstGeom>
-          <a:noFill/>
-          <a:extLst>
-            <a:ext uri="{909E8E84-426E-40DD-AFC4-6F175D3DCCD1}">
-              <a14:hiddenFill xmlns:a14="http://schemas.microsoft.com/office/drawing/2010/main">
-                <a:solidFill>
-                  <a:srgbClr val="FFFFFF"/>
-                </a:solidFill>
-              </a14:hiddenFill>
-            </a:ext>
-          </a:extLst>
-        </p:spPr>
-      </p:pic>
-      <p:sp>
-        <p:nvSpPr>
-          <p:cNvPr id="12" name="Line 11"/>
-          <p:cNvSpPr>
-            <a:spLocks noChangeShapeType="1"/>
-          </p:cNvSpPr>
-          <p:nvPr/>
-        </p:nvSpPr>
-        <p:spPr bwMode="auto">
-          <a:xfrm flipV="1">
-            <a:off x="6972300" y="5109836"/>
-            <a:ext cx="609600" cy="533400"/>
-          </a:xfrm>
-          <a:prstGeom prst="line">
-            <a:avLst/>
-          </a:prstGeom>
-          <a:noFill/>
-          <a:ln w="38100">
-            <a:solidFill>
-              <a:srgbClr val="FFFF66"/>
-            </a:solidFill>
-            <a:round/>
-            <a:headEnd/>
-            <a:tailEnd type="triangle" w="med" len="med"/>
-          </a:ln>
-          <a:extLst>
-            <a:ext uri="{909E8E84-426E-40DD-AFC4-6F175D3DCCD1}">
-              <a14:hiddenFill xmlns:a14="http://schemas.microsoft.com/office/drawing/2010/main">
-                <a:noFill/>
-              </a14:hiddenFill>
-            </a:ext>
-          </a:extLst>
-        </p:spPr>
-        <p:txBody>
-          <a:bodyPr wrap="square">
-            <a:spAutoFit/>
-          </a:bodyPr>
-          <a:lstStyle/>
-          <a:p>
-            <a:endParaRPr lang="en-US"/>
-          </a:p>
-        </p:txBody>
-      </p:sp>
-      <p:sp>
-        <p:nvSpPr>
-          <p:cNvPr id="6" name="TextBox 5">
-            <a:extLst>
-              <a:ext uri="{FF2B5EF4-FFF2-40B4-BE49-F238E27FC236}">
-                <a16:creationId xmlns:a16="http://schemas.microsoft.com/office/drawing/2014/main" id="{4F2DA592-D8EB-70BA-2112-6C13A4E7B393}"/>
-              </a:ext>
-            </a:extLst>
-          </p:cNvPr>
-          <p:cNvSpPr txBox="1"/>
-          <p:nvPr/>
-        </p:nvSpPr>
-        <p:spPr>
-          <a:xfrm>
-            <a:off x="457200" y="609600"/>
-            <a:ext cx="11201400" cy="919401"/>
-          </a:xfrm>
-          <a:prstGeom prst="roundRect">
-            <a:avLst/>
-          </a:prstGeom>
-          <a:solidFill>
-            <a:schemeClr val="bg1">
-              <a:alpha val="70000"/>
-            </a:schemeClr>
-          </a:solidFill>
-          <a:ln w="76200">
-            <a:solidFill>
-              <a:srgbClr val="FFC416"/>
-            </a:solidFill>
-          </a:ln>
-        </p:spPr>
-        <p:style>
-          <a:lnRef idx="2">
-            <a:schemeClr val="dk1"/>
-          </a:lnRef>
-          <a:fillRef idx="1">
-            <a:schemeClr val="lt1"/>
-          </a:fillRef>
-          <a:effectRef idx="0">
-            <a:schemeClr val="dk1"/>
-          </a:effectRef>
-          <a:fontRef idx="minor">
-            <a:schemeClr val="dk1"/>
-          </a:fontRef>
-        </p:style>
-        <p:txBody>
-          <a:bodyPr wrap="square" rtlCol="0">
-            <a:spAutoFit/>
-          </a:bodyPr>
-          <a:lstStyle/>
-          <a:p>
-            <a:pPr algn="ctr"/>
-            <a:r>
-              <a:rPr lang="en-US" sz="4800" b="1" dirty="0">
-                <a:solidFill>
-                  <a:srgbClr val="2D3A37"/>
-                </a:solidFill>
-                <a:latin typeface="Adobe Devanagari" panose="02040503050201020203" pitchFamily="18" charset="0"/>
-                <a:cs typeface="Adobe Devanagari" panose="02040503050201020203" pitchFamily="18" charset="0"/>
-              </a:rPr>
-              <a:t>Family of Models</a:t>
-            </a:r>
-            <a:endParaRPr lang="en-US" sz="4800" dirty="0">
-              <a:solidFill>
-                <a:srgbClr val="2D3A37"/>
-              </a:solidFill>
-            </a:endParaRPr>
-          </a:p>
-        </p:txBody>
-      </p:sp>
-      <mc:AlternateContent xmlns:mc="http://schemas.openxmlformats.org/markup-compatibility/2006" xmlns:a14="http://schemas.microsoft.com/office/drawing/2010/main">
-        <mc:Choice Requires="a14">
-          <p:sp>
-            <p:nvSpPr>
-              <p:cNvPr id="7" name="TextBox 6">
-                <a:extLst>
-                  <a:ext uri="{FF2B5EF4-FFF2-40B4-BE49-F238E27FC236}">
-                    <a16:creationId xmlns:a16="http://schemas.microsoft.com/office/drawing/2014/main" id="{D9B238EA-D04E-3255-7509-F990F1A8F309}"/>
-                  </a:ext>
-                </a:extLst>
-              </p:cNvPr>
-              <p:cNvSpPr txBox="1"/>
-              <p:nvPr/>
-            </p:nvSpPr>
-            <p:spPr>
-              <a:xfrm>
-                <a:off x="457200" y="1981200"/>
-                <a:ext cx="11201400" cy="4920496"/>
-              </a:xfrm>
-              <a:prstGeom prst="roundRect">
-                <a:avLst/>
-              </a:prstGeom>
-              <a:solidFill>
-                <a:schemeClr val="bg1"/>
-              </a:solidFill>
-              <a:ln w="76200">
-                <a:solidFill>
-                  <a:srgbClr val="FFC416"/>
-                </a:solidFill>
-              </a:ln>
-            </p:spPr>
-            <p:style>
-              <a:lnRef idx="2">
-                <a:schemeClr val="dk1"/>
-              </a:lnRef>
-              <a:fillRef idx="1">
-                <a:schemeClr val="lt1"/>
-              </a:fillRef>
-              <a:effectRef idx="0">
-                <a:schemeClr val="dk1"/>
-              </a:effectRef>
-              <a:fontRef idx="minor">
-                <a:schemeClr val="dk1"/>
-              </a:fontRef>
-            </p:style>
-            <p:txBody>
-              <a:bodyPr wrap="square" rtlCol="0">
-                <a:spAutoFit/>
-              </a:bodyPr>
-              <a:lstStyle/>
-              <a:p>
-                <a:pPr marL="457200" indent="-457200">
-                  <a:buFont typeface="Arial" panose="020B0604020202020204" pitchFamily="34" charset="0"/>
-                  <a:buChar char="•"/>
-                </a:pPr>
-                <a:r>
-                  <a:rPr lang="en-US" sz="2800" dirty="0">
-                    <a:solidFill>
-                      <a:srgbClr val="660066"/>
-                    </a:solidFill>
-                  </a:rPr>
-                  <a:t>Consider the Linear Regression Model</a:t>
-                </a:r>
-                <a:br>
-                  <a:rPr lang="en-US" sz="2800" dirty="0">
-                    <a:solidFill>
-                      <a:srgbClr val="660066"/>
-                    </a:solidFill>
-                  </a:rPr>
-                </a:br>
-                <a:endParaRPr lang="en-US" sz="2800" dirty="0">
-                  <a:solidFill>
-                    <a:srgbClr val="660066"/>
-                  </a:solidFill>
-                </a:endParaRPr>
-              </a:p>
-              <a:p>
-                <a:pPr marL="457200" indent="-457200">
-                  <a:buFont typeface="Arial" panose="020B0604020202020204" pitchFamily="34" charset="0"/>
-                  <a:buChar char="•"/>
-                </a:pPr>
-                <a:endParaRPr lang="en-US" sz="2800" dirty="0">
-                  <a:solidFill>
-                    <a:srgbClr val="660066"/>
-                  </a:solidFill>
-                </a:endParaRPr>
-              </a:p>
-              <a:p>
-                <a:pPr marL="457200" indent="-457200">
-                  <a:buFont typeface="Arial" panose="020B0604020202020204" pitchFamily="34" charset="0"/>
-                  <a:buChar char="•"/>
-                </a:pPr>
-                <a:r>
-                  <a:rPr lang="en-US" sz="2800" dirty="0">
-                    <a:solidFill>
-                      <a:srgbClr val="660066"/>
-                    </a:solidFill>
-                  </a:rPr>
-                  <a:t>Full Model: </a:t>
-                </a:r>
-                <a14:m>
-                  <m:oMath xmlns:m="http://schemas.openxmlformats.org/officeDocument/2006/math">
-                    <m:acc>
-                      <m:accPr>
-                        <m:chr m:val="̂"/>
-                        <m:ctrlPr>
-                          <a:rPr lang="en-US" sz="2800" b="0" i="1" smtClean="0">
-                            <a:solidFill>
-                              <a:srgbClr val="660066"/>
-                            </a:solidFill>
-                            <a:latin typeface="Cambria Math" panose="02040503050406030204" pitchFamily="18" charset="0"/>
-                          </a:rPr>
-                        </m:ctrlPr>
-                      </m:accPr>
-                      <m:e>
-                        <m:r>
-                          <a:rPr lang="en-US" sz="2800" b="0" i="1" smtClean="0">
-                            <a:solidFill>
-                              <a:srgbClr val="660066"/>
-                            </a:solidFill>
-                            <a:latin typeface="Cambria Math" panose="02040503050406030204" pitchFamily="18" charset="0"/>
-                          </a:rPr>
-                          <m:t>𝑌</m:t>
-                        </m:r>
-                      </m:e>
-                    </m:acc>
-                    <m:r>
-                      <a:rPr lang="en-US" sz="2800" b="0" i="1" smtClean="0">
-                        <a:solidFill>
-                          <a:srgbClr val="660066"/>
-                        </a:solidFill>
-                        <a:latin typeface="Cambria Math" panose="02040503050406030204" pitchFamily="18" charset="0"/>
-                      </a:rPr>
-                      <m:t>=</m:t>
-                    </m:r>
-                    <m:sSub>
-                      <m:sSubPr>
-                        <m:ctrlPr>
-                          <a:rPr lang="en-US" sz="2800" b="0" i="1" smtClean="0">
-                            <a:solidFill>
-                              <a:srgbClr val="660066"/>
-                            </a:solidFill>
-                            <a:latin typeface="Cambria Math" panose="02040503050406030204" pitchFamily="18" charset="0"/>
-                          </a:rPr>
-                        </m:ctrlPr>
-                      </m:sSubPr>
-                      <m:e>
-                        <m:r>
-                          <a:rPr lang="en-US" sz="2800" b="0" i="1" smtClean="0">
-                            <a:solidFill>
-                              <a:srgbClr val="660066"/>
-                            </a:solidFill>
-                            <a:latin typeface="Cambria Math" panose="02040503050406030204" pitchFamily="18" charset="0"/>
-                          </a:rPr>
-                          <m:t>𝛽</m:t>
-                        </m:r>
-                      </m:e>
-                      <m:sub>
-                        <m:r>
-                          <a:rPr lang="en-US" sz="2800" b="0" i="1" smtClean="0">
-                            <a:solidFill>
-                              <a:srgbClr val="660066"/>
-                            </a:solidFill>
-                            <a:latin typeface="Cambria Math" panose="02040503050406030204" pitchFamily="18" charset="0"/>
-                          </a:rPr>
-                          <m:t>0</m:t>
-                        </m:r>
-                      </m:sub>
-                    </m:sSub>
-                    <m:r>
-                      <a:rPr lang="en-US" sz="2800" b="0" i="1" smtClean="0">
-                        <a:solidFill>
-                          <a:srgbClr val="660066"/>
-                        </a:solidFill>
-                        <a:latin typeface="Cambria Math" panose="02040503050406030204" pitchFamily="18" charset="0"/>
-                      </a:rPr>
-                      <m:t>+</m:t>
-                    </m:r>
-                    <m:sSub>
-                      <m:sSubPr>
-                        <m:ctrlPr>
-                          <a:rPr lang="en-US" sz="2800" b="0" i="1" smtClean="0">
-                            <a:solidFill>
-                              <a:srgbClr val="660066"/>
-                            </a:solidFill>
-                            <a:latin typeface="Cambria Math" panose="02040503050406030204" pitchFamily="18" charset="0"/>
-                          </a:rPr>
-                        </m:ctrlPr>
-                      </m:sSubPr>
-                      <m:e>
-                        <m:r>
-                          <a:rPr lang="en-US" sz="2800" b="0" i="1" smtClean="0">
-                            <a:solidFill>
-                              <a:srgbClr val="660066"/>
-                            </a:solidFill>
-                            <a:latin typeface="Cambria Math" panose="02040503050406030204" pitchFamily="18" charset="0"/>
-                          </a:rPr>
-                          <m:t>𝛽</m:t>
-                        </m:r>
-                      </m:e>
-                      <m:sub>
-                        <m:r>
-                          <a:rPr lang="en-US" sz="2800" b="0" i="1" smtClean="0">
-                            <a:solidFill>
-                              <a:srgbClr val="660066"/>
-                            </a:solidFill>
-                            <a:latin typeface="Cambria Math" panose="02040503050406030204" pitchFamily="18" charset="0"/>
-                          </a:rPr>
-                          <m:t>1</m:t>
-                        </m:r>
-                      </m:sub>
-                    </m:sSub>
-                    <m:sSub>
-                      <m:sSubPr>
-                        <m:ctrlPr>
-                          <a:rPr lang="en-US" sz="2800" b="0" i="1" smtClean="0">
-                            <a:solidFill>
-                              <a:srgbClr val="660066"/>
-                            </a:solidFill>
-                            <a:latin typeface="Cambria Math" panose="02040503050406030204" pitchFamily="18" charset="0"/>
-                          </a:rPr>
-                        </m:ctrlPr>
-                      </m:sSubPr>
-                      <m:e>
-                        <m:r>
-                          <a:rPr lang="en-US" sz="2800" b="0" i="1" smtClean="0">
-                            <a:solidFill>
-                              <a:srgbClr val="660066"/>
-                            </a:solidFill>
-                            <a:latin typeface="Cambria Math" panose="02040503050406030204" pitchFamily="18" charset="0"/>
-                          </a:rPr>
-                          <m:t>𝑋</m:t>
-                        </m:r>
-                      </m:e>
-                      <m:sub>
-                        <m:r>
-                          <a:rPr lang="en-US" sz="2800" b="0" i="1" smtClean="0">
-                            <a:solidFill>
-                              <a:srgbClr val="660066"/>
-                            </a:solidFill>
-                            <a:latin typeface="Cambria Math" panose="02040503050406030204" pitchFamily="18" charset="0"/>
-                          </a:rPr>
-                          <m:t>1</m:t>
-                        </m:r>
-                      </m:sub>
-                    </m:sSub>
-                    <m:r>
-                      <a:rPr lang="en-US" sz="2800" b="0" i="1" smtClean="0">
-                        <a:solidFill>
-                          <a:srgbClr val="660066"/>
-                        </a:solidFill>
-                        <a:latin typeface="Cambria Math" panose="02040503050406030204" pitchFamily="18" charset="0"/>
-                      </a:rPr>
-                      <m:t>+</m:t>
-                    </m:r>
-                    <m:sSub>
-                      <m:sSubPr>
-                        <m:ctrlPr>
-                          <a:rPr lang="en-US" sz="2800" b="0" i="1" smtClean="0">
-                            <a:solidFill>
-                              <a:srgbClr val="660066"/>
-                            </a:solidFill>
-                            <a:latin typeface="Cambria Math" panose="02040503050406030204" pitchFamily="18" charset="0"/>
-                          </a:rPr>
-                        </m:ctrlPr>
-                      </m:sSubPr>
-                      <m:e>
-                        <m:r>
-                          <a:rPr lang="en-US" sz="2800" b="0" i="1" smtClean="0">
-                            <a:solidFill>
-                              <a:srgbClr val="660066"/>
-                            </a:solidFill>
-                            <a:latin typeface="Cambria Math" panose="02040503050406030204" pitchFamily="18" charset="0"/>
-                          </a:rPr>
-                          <m:t>𝛽</m:t>
-                        </m:r>
-                      </m:e>
-                      <m:sub>
-                        <m:r>
-                          <a:rPr lang="en-US" sz="2800" b="0" i="1" smtClean="0">
-                            <a:solidFill>
-                              <a:srgbClr val="660066"/>
-                            </a:solidFill>
-                            <a:latin typeface="Cambria Math" panose="02040503050406030204" pitchFamily="18" charset="0"/>
-                          </a:rPr>
-                          <m:t>2</m:t>
-                        </m:r>
-                      </m:sub>
-                    </m:sSub>
-                    <m:sSub>
-                      <m:sSubPr>
-                        <m:ctrlPr>
-                          <a:rPr lang="en-US" sz="2800" b="0" i="1" smtClean="0">
-                            <a:solidFill>
-                              <a:srgbClr val="660066"/>
-                            </a:solidFill>
-                            <a:latin typeface="Cambria Math" panose="02040503050406030204" pitchFamily="18" charset="0"/>
-                          </a:rPr>
-                        </m:ctrlPr>
-                      </m:sSubPr>
-                      <m:e>
-                        <m:r>
-                          <a:rPr lang="en-US" sz="2800" b="0" i="1" smtClean="0">
-                            <a:solidFill>
-                              <a:srgbClr val="660066"/>
-                            </a:solidFill>
-                            <a:latin typeface="Cambria Math" panose="02040503050406030204" pitchFamily="18" charset="0"/>
-                          </a:rPr>
-                          <m:t>𝑋</m:t>
-                        </m:r>
-                      </m:e>
-                      <m:sub>
-                        <m:r>
-                          <a:rPr lang="en-US" sz="2800" b="0" i="1" smtClean="0">
-                            <a:solidFill>
-                              <a:srgbClr val="660066"/>
-                            </a:solidFill>
-                            <a:latin typeface="Cambria Math" panose="02040503050406030204" pitchFamily="18" charset="0"/>
-                          </a:rPr>
-                          <m:t>2</m:t>
-                        </m:r>
-                      </m:sub>
-                    </m:sSub>
-                    <m:r>
-                      <a:rPr lang="en-US" sz="2800" b="0" i="1" smtClean="0">
-                        <a:solidFill>
-                          <a:srgbClr val="660066"/>
-                        </a:solidFill>
-                        <a:latin typeface="Cambria Math" panose="02040503050406030204" pitchFamily="18" charset="0"/>
-                      </a:rPr>
-                      <m:t>+</m:t>
-                    </m:r>
-                    <m:r>
-                      <a:rPr lang="en-US" sz="2800" b="0" i="1" smtClean="0">
-                        <a:solidFill>
-                          <a:srgbClr val="660066"/>
-                        </a:solidFill>
-                        <a:latin typeface="Cambria Math" panose="02040503050406030204" pitchFamily="18" charset="0"/>
-                      </a:rPr>
-                      <m:t>𝜖</m:t>
-                    </m:r>
-                  </m:oMath>
-                </a14:m>
-                <a:endParaRPr lang="en-US" sz="2800" dirty="0">
-                  <a:solidFill>
-                    <a:srgbClr val="660066"/>
-                  </a:solidFill>
-                </a:endParaRPr>
-              </a:p>
-              <a:p>
-                <a:pPr marL="457200" indent="-457200">
-                  <a:buFont typeface="Arial" panose="020B0604020202020204" pitchFamily="34" charset="0"/>
-                  <a:buChar char="•"/>
-                </a:pPr>
-                <a:endParaRPr lang="en-US" sz="2800" dirty="0">
-                  <a:solidFill>
-                    <a:srgbClr val="660066"/>
-                  </a:solidFill>
-                </a:endParaRPr>
-              </a:p>
-              <a:p>
-                <a:pPr marL="457200" indent="-457200">
-                  <a:buFont typeface="Arial" panose="020B0604020202020204" pitchFamily="34" charset="0"/>
-                  <a:buChar char="•"/>
-                </a:pPr>
-                <a:r>
-                  <a:rPr lang="en-US" sz="2800" dirty="0">
-                    <a:solidFill>
-                      <a:srgbClr val="660066"/>
-                    </a:solidFill>
-                  </a:rPr>
-                  <a:t>Single Variable Model:</a:t>
-                </a:r>
-              </a:p>
-              <a:p>
-                <a:pPr marL="914400" lvl="1" indent="-457200">
-                  <a:buFont typeface="Arial" panose="020B0604020202020204" pitchFamily="34" charset="0"/>
-                  <a:buChar char="•"/>
-                </a:pPr>
-                <a14:m>
-                  <m:oMath xmlns:m="http://schemas.openxmlformats.org/officeDocument/2006/math">
-                    <m:acc>
-                      <m:accPr>
-                        <m:chr m:val="̂"/>
-                        <m:ctrlPr>
-                          <a:rPr lang="en-US" sz="2800" b="0" i="1" smtClean="0">
-                            <a:solidFill>
-                              <a:srgbClr val="660066"/>
-                            </a:solidFill>
-                            <a:latin typeface="Cambria Math" panose="02040503050406030204" pitchFamily="18" charset="0"/>
-                          </a:rPr>
-                        </m:ctrlPr>
-                      </m:accPr>
-                      <m:e>
-                        <m:r>
-                          <a:rPr lang="en-US" sz="2800" b="0" i="1" smtClean="0">
-                            <a:solidFill>
-                              <a:srgbClr val="660066"/>
-                            </a:solidFill>
-                            <a:latin typeface="Cambria Math" panose="02040503050406030204" pitchFamily="18" charset="0"/>
-                          </a:rPr>
-                          <m:t>𝑌</m:t>
-                        </m:r>
-                      </m:e>
-                    </m:acc>
-                    <m:r>
-                      <a:rPr lang="en-US" sz="2800" b="0" i="1" smtClean="0">
-                        <a:solidFill>
-                          <a:srgbClr val="660066"/>
-                        </a:solidFill>
-                        <a:latin typeface="Cambria Math" panose="02040503050406030204" pitchFamily="18" charset="0"/>
-                      </a:rPr>
-                      <m:t>=</m:t>
-                    </m:r>
-                    <m:sSub>
-                      <m:sSubPr>
-                        <m:ctrlPr>
-                          <a:rPr lang="en-US" sz="2800" b="0" i="1" smtClean="0">
-                            <a:solidFill>
-                              <a:srgbClr val="660066"/>
-                            </a:solidFill>
-                            <a:latin typeface="Cambria Math" panose="02040503050406030204" pitchFamily="18" charset="0"/>
-                          </a:rPr>
-                        </m:ctrlPr>
-                      </m:sSubPr>
-                      <m:e>
-                        <m:r>
-                          <a:rPr lang="en-US" sz="2800" b="0" i="1" smtClean="0">
-                            <a:solidFill>
-                              <a:srgbClr val="660066"/>
-                            </a:solidFill>
-                            <a:latin typeface="Cambria Math" panose="02040503050406030204" pitchFamily="18" charset="0"/>
-                          </a:rPr>
-                          <m:t>𝛽</m:t>
-                        </m:r>
-                      </m:e>
-                      <m:sub>
-                        <m:r>
-                          <a:rPr lang="en-US" sz="2800" b="0" i="1" smtClean="0">
-                            <a:solidFill>
-                              <a:srgbClr val="660066"/>
-                            </a:solidFill>
-                            <a:latin typeface="Cambria Math" panose="02040503050406030204" pitchFamily="18" charset="0"/>
-                          </a:rPr>
-                          <m:t>0</m:t>
-                        </m:r>
-                      </m:sub>
-                    </m:sSub>
-                    <m:r>
-                      <a:rPr lang="en-US" sz="2800" b="0" i="1" smtClean="0">
-                        <a:solidFill>
-                          <a:srgbClr val="660066"/>
-                        </a:solidFill>
-                        <a:latin typeface="Cambria Math" panose="02040503050406030204" pitchFamily="18" charset="0"/>
-                      </a:rPr>
-                      <m:t>+</m:t>
-                    </m:r>
-                    <m:sSub>
-                      <m:sSubPr>
-                        <m:ctrlPr>
-                          <a:rPr lang="en-US" sz="2800" b="0" i="1" smtClean="0">
-                            <a:solidFill>
-                              <a:srgbClr val="660066"/>
-                            </a:solidFill>
-                            <a:latin typeface="Cambria Math" panose="02040503050406030204" pitchFamily="18" charset="0"/>
-                          </a:rPr>
-                        </m:ctrlPr>
-                      </m:sSubPr>
-                      <m:e>
-                        <m:r>
-                          <a:rPr lang="en-US" sz="2800" b="0" i="1" smtClean="0">
-                            <a:solidFill>
-                              <a:srgbClr val="660066"/>
-                            </a:solidFill>
-                            <a:latin typeface="Cambria Math" panose="02040503050406030204" pitchFamily="18" charset="0"/>
-                          </a:rPr>
-                          <m:t>𝛽</m:t>
-                        </m:r>
-                      </m:e>
-                      <m:sub>
-                        <m:r>
-                          <a:rPr lang="en-US" sz="2800" b="0" i="1" smtClean="0">
-                            <a:solidFill>
-                              <a:srgbClr val="660066"/>
-                            </a:solidFill>
-                            <a:latin typeface="Cambria Math" panose="02040503050406030204" pitchFamily="18" charset="0"/>
-                          </a:rPr>
-                          <m:t>1</m:t>
-                        </m:r>
-                      </m:sub>
-                    </m:sSub>
-                    <m:sSub>
-                      <m:sSubPr>
-                        <m:ctrlPr>
-                          <a:rPr lang="en-US" sz="2800" b="0" i="1" smtClean="0">
-                            <a:solidFill>
-                              <a:srgbClr val="660066"/>
-                            </a:solidFill>
-                            <a:latin typeface="Cambria Math" panose="02040503050406030204" pitchFamily="18" charset="0"/>
-                          </a:rPr>
-                        </m:ctrlPr>
-                      </m:sSubPr>
-                      <m:e>
-                        <m:r>
-                          <a:rPr lang="en-US" sz="2800" b="0" i="1" smtClean="0">
-                            <a:solidFill>
-                              <a:srgbClr val="660066"/>
-                            </a:solidFill>
-                            <a:latin typeface="Cambria Math" panose="02040503050406030204" pitchFamily="18" charset="0"/>
-                          </a:rPr>
-                          <m:t>𝑋</m:t>
-                        </m:r>
-                      </m:e>
-                      <m:sub>
-                        <m:r>
-                          <a:rPr lang="en-US" sz="2800" b="0" i="1" smtClean="0">
-                            <a:solidFill>
-                              <a:srgbClr val="660066"/>
-                            </a:solidFill>
-                            <a:latin typeface="Cambria Math" panose="02040503050406030204" pitchFamily="18" charset="0"/>
-                          </a:rPr>
-                          <m:t>1</m:t>
-                        </m:r>
-                      </m:sub>
-                    </m:sSub>
-                    <m:r>
-                      <a:rPr lang="en-US" sz="2800" b="0" i="1" smtClean="0">
-                        <a:solidFill>
-                          <a:srgbClr val="660066"/>
-                        </a:solidFill>
-                        <a:latin typeface="Cambria Math" panose="02040503050406030204" pitchFamily="18" charset="0"/>
-                      </a:rPr>
-                      <m:t>+</m:t>
-                    </m:r>
-                    <m:r>
-                      <a:rPr lang="en-US" sz="2800" b="0" i="1" smtClean="0">
-                        <a:solidFill>
-                          <a:srgbClr val="660066"/>
-                        </a:solidFill>
-                        <a:latin typeface="Cambria Math" panose="02040503050406030204" pitchFamily="18" charset="0"/>
-                      </a:rPr>
-                      <m:t>𝜖</m:t>
-                    </m:r>
-                  </m:oMath>
-                </a14:m>
-                <a:endParaRPr lang="en-US" sz="2800" dirty="0">
-                  <a:solidFill>
-                    <a:srgbClr val="660066"/>
-                  </a:solidFill>
-                </a:endParaRPr>
-              </a:p>
-              <a:p>
-                <a:pPr marL="914400" lvl="1" indent="-457200">
-                  <a:buFont typeface="Arial" panose="020B0604020202020204" pitchFamily="34" charset="0"/>
-                  <a:buChar char="•"/>
-                </a:pPr>
-                <a14:m>
-                  <m:oMath xmlns:m="http://schemas.openxmlformats.org/officeDocument/2006/math">
-                    <m:acc>
-                      <m:accPr>
-                        <m:chr m:val="̂"/>
-                        <m:ctrlPr>
-                          <a:rPr lang="en-US" sz="2800" b="0" i="1" smtClean="0">
-                            <a:solidFill>
-                              <a:srgbClr val="660066"/>
-                            </a:solidFill>
-                            <a:latin typeface="Cambria Math" panose="02040503050406030204" pitchFamily="18" charset="0"/>
-                          </a:rPr>
-                        </m:ctrlPr>
-                      </m:accPr>
-                      <m:e>
-                        <m:r>
-                          <a:rPr lang="en-US" sz="2800" b="0" i="1" smtClean="0">
-                            <a:solidFill>
-                              <a:srgbClr val="660066"/>
-                            </a:solidFill>
-                            <a:latin typeface="Cambria Math" panose="02040503050406030204" pitchFamily="18" charset="0"/>
-                          </a:rPr>
-                          <m:t>𝑌</m:t>
-                        </m:r>
-                      </m:e>
-                    </m:acc>
-                    <m:r>
-                      <a:rPr lang="en-US" sz="2800" b="0" i="1" smtClean="0">
-                        <a:solidFill>
-                          <a:srgbClr val="660066"/>
-                        </a:solidFill>
-                        <a:latin typeface="Cambria Math" panose="02040503050406030204" pitchFamily="18" charset="0"/>
-                      </a:rPr>
-                      <m:t>=</m:t>
-                    </m:r>
-                    <m:sSub>
-                      <m:sSubPr>
-                        <m:ctrlPr>
-                          <a:rPr lang="en-US" sz="2800" b="0" i="1" smtClean="0">
-                            <a:solidFill>
-                              <a:srgbClr val="660066"/>
-                            </a:solidFill>
-                            <a:latin typeface="Cambria Math" panose="02040503050406030204" pitchFamily="18" charset="0"/>
-                          </a:rPr>
-                        </m:ctrlPr>
-                      </m:sSubPr>
-                      <m:e>
-                        <m:r>
-                          <a:rPr lang="en-US" sz="2800" b="0" i="1" smtClean="0">
-                            <a:solidFill>
-                              <a:srgbClr val="660066"/>
-                            </a:solidFill>
-                            <a:latin typeface="Cambria Math" panose="02040503050406030204" pitchFamily="18" charset="0"/>
-                          </a:rPr>
-                          <m:t>𝛽</m:t>
-                        </m:r>
-                      </m:e>
-                      <m:sub>
-                        <m:r>
-                          <a:rPr lang="en-US" sz="2800" b="0" i="1" smtClean="0">
-                            <a:solidFill>
-                              <a:srgbClr val="660066"/>
-                            </a:solidFill>
-                            <a:latin typeface="Cambria Math" panose="02040503050406030204" pitchFamily="18" charset="0"/>
-                          </a:rPr>
-                          <m:t>0</m:t>
-                        </m:r>
-                      </m:sub>
-                    </m:sSub>
-                    <m:r>
-                      <a:rPr lang="en-US" sz="2800" b="0" i="1" smtClean="0">
-                        <a:solidFill>
-                          <a:srgbClr val="660066"/>
-                        </a:solidFill>
-                        <a:latin typeface="Cambria Math" panose="02040503050406030204" pitchFamily="18" charset="0"/>
-                      </a:rPr>
-                      <m:t>+</m:t>
-                    </m:r>
-                    <m:sSub>
-                      <m:sSubPr>
-                        <m:ctrlPr>
-                          <a:rPr lang="en-US" sz="2800" b="0" i="1" smtClean="0">
-                            <a:solidFill>
-                              <a:srgbClr val="660066"/>
-                            </a:solidFill>
-                            <a:latin typeface="Cambria Math" panose="02040503050406030204" pitchFamily="18" charset="0"/>
-                          </a:rPr>
-                        </m:ctrlPr>
-                      </m:sSubPr>
-                      <m:e>
-                        <m:r>
-                          <a:rPr lang="en-US" sz="2800" b="0" i="1" smtClean="0">
-                            <a:solidFill>
-                              <a:srgbClr val="660066"/>
-                            </a:solidFill>
-                            <a:latin typeface="Cambria Math" panose="02040503050406030204" pitchFamily="18" charset="0"/>
-                          </a:rPr>
-                          <m:t>𝛽</m:t>
-                        </m:r>
-                      </m:e>
-                      <m:sub>
-                        <m:r>
-                          <a:rPr lang="en-US" sz="2800" b="0" i="1" smtClean="0">
-                            <a:solidFill>
-                              <a:srgbClr val="660066"/>
-                            </a:solidFill>
-                            <a:latin typeface="Cambria Math" panose="02040503050406030204" pitchFamily="18" charset="0"/>
-                          </a:rPr>
-                          <m:t>2</m:t>
-                        </m:r>
-                      </m:sub>
-                    </m:sSub>
-                    <m:sSub>
-                      <m:sSubPr>
-                        <m:ctrlPr>
-                          <a:rPr lang="en-US" sz="2800" b="0" i="1" smtClean="0">
-                            <a:solidFill>
-                              <a:srgbClr val="660066"/>
-                            </a:solidFill>
-                            <a:latin typeface="Cambria Math" panose="02040503050406030204" pitchFamily="18" charset="0"/>
-                          </a:rPr>
-                        </m:ctrlPr>
-                      </m:sSubPr>
-                      <m:e>
-                        <m:r>
-                          <a:rPr lang="en-US" sz="2800" b="0" i="1" smtClean="0">
-                            <a:solidFill>
-                              <a:srgbClr val="660066"/>
-                            </a:solidFill>
-                            <a:latin typeface="Cambria Math" panose="02040503050406030204" pitchFamily="18" charset="0"/>
-                          </a:rPr>
-                          <m:t>𝑋</m:t>
-                        </m:r>
-                      </m:e>
-                      <m:sub>
-                        <m:r>
-                          <a:rPr lang="en-US" sz="2800" b="0" i="1" smtClean="0">
-                            <a:solidFill>
-                              <a:srgbClr val="660066"/>
-                            </a:solidFill>
-                            <a:latin typeface="Cambria Math" panose="02040503050406030204" pitchFamily="18" charset="0"/>
-                          </a:rPr>
-                          <m:t>2</m:t>
-                        </m:r>
-                      </m:sub>
-                    </m:sSub>
-                    <m:r>
-                      <a:rPr lang="en-US" sz="2800" b="0" i="1" smtClean="0">
-                        <a:solidFill>
-                          <a:srgbClr val="660066"/>
-                        </a:solidFill>
-                        <a:latin typeface="Cambria Math" panose="02040503050406030204" pitchFamily="18" charset="0"/>
-                      </a:rPr>
-                      <m:t>+</m:t>
-                    </m:r>
-                    <m:r>
-                      <a:rPr lang="en-US" sz="2800" b="0" i="1" smtClean="0">
-                        <a:solidFill>
-                          <a:srgbClr val="660066"/>
-                        </a:solidFill>
-                        <a:latin typeface="Cambria Math" panose="02040503050406030204" pitchFamily="18" charset="0"/>
-                      </a:rPr>
-                      <m:t>𝜖</m:t>
-                    </m:r>
-                  </m:oMath>
-                </a14:m>
-                <a:endParaRPr lang="en-US" sz="2800" dirty="0">
-                  <a:solidFill>
-                    <a:srgbClr val="660066"/>
-                  </a:solidFill>
-                </a:endParaRPr>
-              </a:p>
-              <a:p>
-                <a:pPr marL="914400" lvl="1" indent="-457200">
-                  <a:buFont typeface="Arial" panose="020B0604020202020204" pitchFamily="34" charset="0"/>
-                  <a:buChar char="•"/>
-                </a:pPr>
-                <a:endParaRPr lang="en-US" sz="2800" dirty="0">
-                  <a:solidFill>
-                    <a:srgbClr val="660066"/>
-                  </a:solidFill>
-                </a:endParaRPr>
-              </a:p>
-              <a:p>
-                <a:pPr marL="457200" indent="-457200">
-                  <a:buFont typeface="Arial" panose="020B0604020202020204" pitchFamily="34" charset="0"/>
-                  <a:buChar char="•"/>
-                </a:pPr>
-                <a:r>
-                  <a:rPr lang="en-US" sz="2800" dirty="0">
-                    <a:solidFill>
-                      <a:srgbClr val="660066"/>
-                    </a:solidFill>
-                  </a:rPr>
-                  <a:t>Empty Model: </a:t>
-                </a:r>
-                <a14:m>
-                  <m:oMath xmlns:m="http://schemas.openxmlformats.org/officeDocument/2006/math">
-                    <m:acc>
-                      <m:accPr>
-                        <m:chr m:val="̂"/>
-                        <m:ctrlPr>
-                          <a:rPr lang="en-US" sz="2800" b="0" i="1" smtClean="0">
-                            <a:solidFill>
-                              <a:srgbClr val="660066"/>
-                            </a:solidFill>
-                            <a:latin typeface="Cambria Math" panose="02040503050406030204" pitchFamily="18" charset="0"/>
-                          </a:rPr>
-                        </m:ctrlPr>
-                      </m:accPr>
-                      <m:e>
-                        <m:r>
-                          <a:rPr lang="en-US" sz="2800" b="0" i="1" smtClean="0">
-                            <a:solidFill>
-                              <a:srgbClr val="660066"/>
-                            </a:solidFill>
-                            <a:latin typeface="Cambria Math" panose="02040503050406030204" pitchFamily="18" charset="0"/>
-                          </a:rPr>
-                          <m:t>𝑌</m:t>
-                        </m:r>
-                      </m:e>
-                    </m:acc>
-                    <m:r>
-                      <a:rPr lang="en-US" sz="2800" b="0" i="1" smtClean="0">
-                        <a:solidFill>
-                          <a:srgbClr val="660066"/>
-                        </a:solidFill>
-                        <a:latin typeface="Cambria Math" panose="02040503050406030204" pitchFamily="18" charset="0"/>
-                      </a:rPr>
-                      <m:t>=</m:t>
-                    </m:r>
-                    <m:sSub>
-                      <m:sSubPr>
-                        <m:ctrlPr>
-                          <a:rPr lang="en-US" sz="2800" b="0" i="1" smtClean="0">
-                            <a:solidFill>
-                              <a:srgbClr val="660066"/>
-                            </a:solidFill>
-                            <a:latin typeface="Cambria Math" panose="02040503050406030204" pitchFamily="18" charset="0"/>
-                          </a:rPr>
-                        </m:ctrlPr>
-                      </m:sSubPr>
-                      <m:e>
-                        <m:r>
-                          <a:rPr lang="en-US" sz="2800" b="0" i="1" smtClean="0">
-                            <a:solidFill>
-                              <a:srgbClr val="660066"/>
-                            </a:solidFill>
-                            <a:latin typeface="Cambria Math" panose="02040503050406030204" pitchFamily="18" charset="0"/>
-                          </a:rPr>
-                          <m:t>𝛽</m:t>
-                        </m:r>
-                      </m:e>
-                      <m:sub>
-                        <m:r>
-                          <a:rPr lang="en-US" sz="2800" b="0" i="1" smtClean="0">
-                            <a:solidFill>
-                              <a:srgbClr val="660066"/>
-                            </a:solidFill>
-                            <a:latin typeface="Cambria Math" panose="02040503050406030204" pitchFamily="18" charset="0"/>
-                          </a:rPr>
-                          <m:t>0</m:t>
-                        </m:r>
-                      </m:sub>
-                    </m:sSub>
-                    <m:r>
-                      <a:rPr lang="en-US" sz="2800" b="0" i="1" smtClean="0">
-                        <a:solidFill>
-                          <a:srgbClr val="660066"/>
-                        </a:solidFill>
-                        <a:latin typeface="Cambria Math" panose="02040503050406030204" pitchFamily="18" charset="0"/>
-                      </a:rPr>
-                      <m:t>+</m:t>
-                    </m:r>
-                    <m:r>
-                      <a:rPr lang="en-US" sz="2800" b="0" i="1" smtClean="0">
-                        <a:solidFill>
-                          <a:srgbClr val="660066"/>
-                        </a:solidFill>
-                        <a:latin typeface="Cambria Math" panose="02040503050406030204" pitchFamily="18" charset="0"/>
-                      </a:rPr>
-                      <m:t>𝜖</m:t>
-                    </m:r>
-                  </m:oMath>
-                </a14:m>
-                <a:endParaRPr lang="en-US" sz="2800" dirty="0">
-                  <a:solidFill>
-                    <a:srgbClr val="660066"/>
-                  </a:solidFill>
-                </a:endParaRPr>
-              </a:p>
-            </p:txBody>
-          </p:sp>
-        </mc:Choice>
-        <mc:Fallback xmlns="">
-          <p:sp>
-            <p:nvSpPr>
-              <p:cNvPr id="7" name="TextBox 6">
-                <a:extLst>
-                  <a:ext uri="{FF2B5EF4-FFF2-40B4-BE49-F238E27FC236}">
-                    <a16:creationId xmlns:a16="http://schemas.microsoft.com/office/drawing/2014/main" id="{D9B238EA-D04E-3255-7509-F990F1A8F309}"/>
-                  </a:ext>
-                </a:extLst>
-              </p:cNvPr>
-              <p:cNvSpPr txBox="1">
-                <a:spLocks noRot="1" noChangeAspect="1" noMove="1" noResize="1" noEditPoints="1" noAdjustHandles="1" noChangeArrowheads="1" noChangeShapeType="1" noTextEdit="1"/>
-              </p:cNvSpPr>
-              <p:nvPr/>
-            </p:nvSpPr>
-            <p:spPr>
-              <a:xfrm>
-                <a:off x="457200" y="1981200"/>
-                <a:ext cx="11201400" cy="4920496"/>
-              </a:xfrm>
-              <a:prstGeom prst="roundRect">
-                <a:avLst/>
-              </a:prstGeom>
-              <a:blipFill>
-                <a:blip r:embed="rId3"/>
-                <a:stretch>
-                  <a:fillRect/>
-                </a:stretch>
-              </a:blipFill>
-              <a:ln w="76200">
-                <a:solidFill>
-                  <a:srgbClr val="FFC416"/>
-                </a:solidFill>
-              </a:ln>
-            </p:spPr>
-            <p:txBody>
-              <a:bodyPr/>
-              <a:lstStyle/>
-              <a:p>
-                <a:r>
-                  <a:rPr lang="en-US">
-                    <a:noFill/>
-                  </a:rPr>
-                  <a:t> </a:t>
-                </a:r>
-              </a:p>
-            </p:txBody>
-          </p:sp>
-        </mc:Fallback>
-      </mc:AlternateContent>
-      <mc:AlternateContent xmlns:mc="http://schemas.openxmlformats.org/markup-compatibility/2006" xmlns:a14="http://schemas.microsoft.com/office/drawing/2010/main">
-        <mc:Choice Requires="a14">
-          <p:sp>
-            <p:nvSpPr>
-              <p:cNvPr id="3" name="TextBox 2">
-                <a:extLst>
-                  <a:ext uri="{FF2B5EF4-FFF2-40B4-BE49-F238E27FC236}">
-                    <a16:creationId xmlns:a16="http://schemas.microsoft.com/office/drawing/2014/main" id="{6D0A157D-294C-CBC6-5139-B102F9E33D73}"/>
-                  </a:ext>
-                </a:extLst>
-              </p:cNvPr>
-              <p:cNvSpPr txBox="1"/>
-              <p:nvPr/>
-            </p:nvSpPr>
-            <p:spPr>
-              <a:xfrm>
-                <a:off x="2743200" y="2667000"/>
-                <a:ext cx="6019800" cy="661400"/>
-              </a:xfrm>
-              <a:prstGeom prst="rect">
-                <a:avLst/>
-              </a:prstGeom>
-              <a:noFill/>
-            </p:spPr>
-            <p:txBody>
-              <a:bodyPr wrap="square" rtlCol="0">
-                <a:spAutoFit/>
-              </a:bodyPr>
-              <a:lstStyle/>
-              <a:p>
-                <a:pPr/>
-                <a14:m>
-                  <m:oMathPara xmlns:m="http://schemas.openxmlformats.org/officeDocument/2006/math">
-                    <m:oMathParaPr>
-                      <m:jc m:val="centerGroup"/>
-                    </m:oMathParaPr>
-                    <m:oMath xmlns:m="http://schemas.openxmlformats.org/officeDocument/2006/math">
-                      <m:acc>
-                        <m:accPr>
-                          <m:chr m:val="̂"/>
-                          <m:ctrlPr>
-                            <a:rPr lang="en-US" sz="3600" b="0" i="1" smtClean="0">
-                              <a:latin typeface="Cambria Math" panose="02040503050406030204" pitchFamily="18" charset="0"/>
-                            </a:rPr>
-                          </m:ctrlPr>
-                        </m:accPr>
-                        <m:e>
-                          <m:r>
-                            <a:rPr lang="en-US" sz="3600" b="0" i="1" smtClean="0">
-                              <a:latin typeface="Cambria Math" panose="02040503050406030204" pitchFamily="18" charset="0"/>
-                            </a:rPr>
-                            <m:t>𝑌</m:t>
-                          </m:r>
-                        </m:e>
-                      </m:acc>
-                      <m:r>
-                        <a:rPr lang="en-US" sz="3600" b="0" i="1" smtClean="0">
-                          <a:latin typeface="Cambria Math" panose="02040503050406030204" pitchFamily="18" charset="0"/>
-                        </a:rPr>
-                        <m:t>=</m:t>
-                      </m:r>
-                      <m:sSub>
-                        <m:sSubPr>
-                          <m:ctrlPr>
-                            <a:rPr lang="en-US" sz="3600" b="0" i="1" smtClean="0">
-                              <a:latin typeface="Cambria Math" panose="02040503050406030204" pitchFamily="18" charset="0"/>
-                            </a:rPr>
-                          </m:ctrlPr>
-                        </m:sSubPr>
-                        <m:e>
-                          <m:r>
-                            <a:rPr lang="en-US" sz="3600" b="0" i="1" smtClean="0">
-                              <a:latin typeface="Cambria Math" panose="02040503050406030204" pitchFamily="18" charset="0"/>
-                            </a:rPr>
-                            <m:t>𝛽</m:t>
-                          </m:r>
-                        </m:e>
-                        <m:sub>
-                          <m:r>
-                            <a:rPr lang="en-US" sz="3600" b="0" i="1" smtClean="0">
-                              <a:latin typeface="Cambria Math" panose="02040503050406030204" pitchFamily="18" charset="0"/>
-                            </a:rPr>
-                            <m:t>0</m:t>
-                          </m:r>
-                        </m:sub>
-                      </m:sSub>
-                      <m:r>
-                        <a:rPr lang="en-US" sz="3600" b="0" i="1" smtClean="0">
-                          <a:latin typeface="Cambria Math" panose="02040503050406030204" pitchFamily="18" charset="0"/>
-                        </a:rPr>
-                        <m:t>+</m:t>
-                      </m:r>
-                      <m:sSub>
-                        <m:sSubPr>
-                          <m:ctrlPr>
-                            <a:rPr lang="en-US" sz="3600" b="0" i="1" smtClean="0">
-                              <a:latin typeface="Cambria Math" panose="02040503050406030204" pitchFamily="18" charset="0"/>
-                            </a:rPr>
-                          </m:ctrlPr>
-                        </m:sSubPr>
-                        <m:e>
-                          <m:r>
-                            <a:rPr lang="en-US" sz="3600" b="0" i="1" smtClean="0">
-                              <a:latin typeface="Cambria Math" panose="02040503050406030204" pitchFamily="18" charset="0"/>
-                            </a:rPr>
-                            <m:t>𝛽</m:t>
-                          </m:r>
-                        </m:e>
-                        <m:sub>
-                          <m:r>
-                            <a:rPr lang="en-US" sz="3600" b="0" i="1" smtClean="0">
-                              <a:latin typeface="Cambria Math" panose="02040503050406030204" pitchFamily="18" charset="0"/>
-                            </a:rPr>
-                            <m:t>1</m:t>
-                          </m:r>
-                        </m:sub>
-                      </m:sSub>
-                      <m:sSub>
-                        <m:sSubPr>
-                          <m:ctrlPr>
-                            <a:rPr lang="en-US" sz="3600" b="0" i="1" smtClean="0">
-                              <a:latin typeface="Cambria Math" panose="02040503050406030204" pitchFamily="18" charset="0"/>
-                            </a:rPr>
-                          </m:ctrlPr>
-                        </m:sSubPr>
-                        <m:e>
-                          <m:r>
-                            <a:rPr lang="en-US" sz="3600" b="0" i="1" smtClean="0">
-                              <a:latin typeface="Cambria Math" panose="02040503050406030204" pitchFamily="18" charset="0"/>
-                            </a:rPr>
-                            <m:t>𝑋</m:t>
-                          </m:r>
-                        </m:e>
-                        <m:sub>
-                          <m:r>
-                            <a:rPr lang="en-US" sz="3600" b="0" i="1" smtClean="0">
-                              <a:latin typeface="Cambria Math" panose="02040503050406030204" pitchFamily="18" charset="0"/>
-                            </a:rPr>
-                            <m:t>1</m:t>
-                          </m:r>
-                        </m:sub>
-                      </m:sSub>
-                      <m:r>
-                        <a:rPr lang="en-US" sz="3600" b="0" i="1" smtClean="0">
-                          <a:latin typeface="Cambria Math" panose="02040503050406030204" pitchFamily="18" charset="0"/>
-                        </a:rPr>
-                        <m:t>+</m:t>
-                      </m:r>
-                      <m:sSub>
-                        <m:sSubPr>
-                          <m:ctrlPr>
-                            <a:rPr lang="en-US" sz="3600" b="0" i="1" smtClean="0">
-                              <a:latin typeface="Cambria Math" panose="02040503050406030204" pitchFamily="18" charset="0"/>
-                            </a:rPr>
-                          </m:ctrlPr>
-                        </m:sSubPr>
-                        <m:e>
-                          <m:r>
-                            <a:rPr lang="en-US" sz="3600" b="0" i="1" smtClean="0">
-                              <a:latin typeface="Cambria Math" panose="02040503050406030204" pitchFamily="18" charset="0"/>
-                            </a:rPr>
-                            <m:t>𝛽</m:t>
-                          </m:r>
-                        </m:e>
-                        <m:sub>
-                          <m:r>
-                            <a:rPr lang="en-US" sz="3600" b="0" i="1" smtClean="0">
-                              <a:latin typeface="Cambria Math" panose="02040503050406030204" pitchFamily="18" charset="0"/>
-                            </a:rPr>
-                            <m:t>2</m:t>
-                          </m:r>
-                        </m:sub>
-                      </m:sSub>
-                      <m:sSub>
-                        <m:sSubPr>
-                          <m:ctrlPr>
-                            <a:rPr lang="en-US" sz="3600" b="0" i="1" smtClean="0">
-                              <a:latin typeface="Cambria Math" panose="02040503050406030204" pitchFamily="18" charset="0"/>
-                            </a:rPr>
-                          </m:ctrlPr>
-                        </m:sSubPr>
-                        <m:e>
-                          <m:r>
-                            <a:rPr lang="en-US" sz="3600" b="0" i="1" smtClean="0">
-                              <a:latin typeface="Cambria Math" panose="02040503050406030204" pitchFamily="18" charset="0"/>
-                            </a:rPr>
-                            <m:t>𝑋</m:t>
-                          </m:r>
-                        </m:e>
-                        <m:sub>
-                          <m:r>
-                            <a:rPr lang="en-US" sz="3600" b="0" i="1" smtClean="0">
-                              <a:latin typeface="Cambria Math" panose="02040503050406030204" pitchFamily="18" charset="0"/>
-                            </a:rPr>
-                            <m:t>2</m:t>
-                          </m:r>
-                        </m:sub>
-                      </m:sSub>
-                      <m:r>
-                        <a:rPr lang="en-US" sz="3600" b="0" i="1" smtClean="0">
-                          <a:latin typeface="Cambria Math" panose="02040503050406030204" pitchFamily="18" charset="0"/>
-                        </a:rPr>
-                        <m:t>+</m:t>
-                      </m:r>
-                      <m:r>
-                        <a:rPr lang="en-US" sz="3600" b="0" i="1" smtClean="0">
-                          <a:latin typeface="Cambria Math" panose="02040503050406030204" pitchFamily="18" charset="0"/>
-                        </a:rPr>
-                        <m:t>𝜖</m:t>
-                      </m:r>
-                    </m:oMath>
-                  </m:oMathPara>
-                </a14:m>
-                <a:endParaRPr lang="en-US" sz="3600" dirty="0"/>
-              </a:p>
-            </p:txBody>
-          </p:sp>
-        </mc:Choice>
-        <mc:Fallback xmlns="">
-          <p:sp>
-            <p:nvSpPr>
-              <p:cNvPr id="3" name="TextBox 2">
-                <a:extLst>
-                  <a:ext uri="{FF2B5EF4-FFF2-40B4-BE49-F238E27FC236}">
-                    <a16:creationId xmlns:a16="http://schemas.microsoft.com/office/drawing/2014/main" id="{6D0A157D-294C-CBC6-5139-B102F9E33D73}"/>
-                  </a:ext>
-                </a:extLst>
-              </p:cNvPr>
-              <p:cNvSpPr txBox="1">
-                <a:spLocks noRot="1" noChangeAspect="1" noMove="1" noResize="1" noEditPoints="1" noAdjustHandles="1" noChangeArrowheads="1" noChangeShapeType="1" noTextEdit="1"/>
-              </p:cNvSpPr>
-              <p:nvPr/>
-            </p:nvSpPr>
-            <p:spPr>
-              <a:xfrm>
-                <a:off x="2743200" y="2667000"/>
-                <a:ext cx="6019800" cy="661400"/>
-              </a:xfrm>
-              <a:prstGeom prst="rect">
-                <a:avLst/>
-              </a:prstGeom>
-              <a:blipFill>
-                <a:blip r:embed="rId4"/>
-                <a:stretch>
-                  <a:fillRect/>
-                </a:stretch>
-              </a:blipFill>
-            </p:spPr>
-            <p:txBody>
-              <a:bodyPr/>
-              <a:lstStyle/>
-              <a:p>
-                <a:r>
-                  <a:rPr lang="en-US">
-                    <a:noFill/>
-                  </a:rPr>
-                  <a:t> </a:t>
-                </a:r>
-              </a:p>
-            </p:txBody>
-          </p:sp>
-        </mc:Fallback>
-      </mc:AlternateContent>
-      <p:sp>
-        <p:nvSpPr>
-          <p:cNvPr id="4" name="Right Brace 3">
-            <a:extLst>
-              <a:ext uri="{FF2B5EF4-FFF2-40B4-BE49-F238E27FC236}">
-                <a16:creationId xmlns:a16="http://schemas.microsoft.com/office/drawing/2014/main" id="{6777E5A6-632B-A4F3-B6F2-BDC186C460A6}"/>
-              </a:ext>
-            </a:extLst>
-          </p:cNvPr>
-          <p:cNvSpPr/>
-          <p:nvPr/>
-        </p:nvSpPr>
-        <p:spPr>
-          <a:xfrm>
-            <a:off x="6972300" y="3505200"/>
-            <a:ext cx="800100" cy="3124200"/>
-          </a:xfrm>
-          <a:prstGeom prst="rightBrace">
-            <a:avLst/>
-          </a:prstGeom>
-          <a:ln w="38100">
-            <a:solidFill>
-              <a:srgbClr val="660066"/>
-            </a:solidFill>
-          </a:ln>
-        </p:spPr>
-        <p:style>
-          <a:lnRef idx="1">
-            <a:schemeClr val="accent1"/>
-          </a:lnRef>
-          <a:fillRef idx="0">
-            <a:schemeClr val="accent1"/>
-          </a:fillRef>
-          <a:effectRef idx="0">
-            <a:schemeClr val="accent1"/>
-          </a:effectRef>
-          <a:fontRef idx="minor">
-            <a:schemeClr val="tx1"/>
-          </a:fontRef>
-        </p:style>
-        <p:txBody>
-          <a:bodyPr rtlCol="0" anchor="ctr"/>
-          <a:lstStyle/>
-          <a:p>
-            <a:pPr algn="ctr"/>
-            <a:endParaRPr lang="en-US"/>
-          </a:p>
-        </p:txBody>
-      </p:sp>
-      <p:sp>
-        <p:nvSpPr>
-          <p:cNvPr id="5" name="TextBox 4">
-            <a:extLst>
-              <a:ext uri="{FF2B5EF4-FFF2-40B4-BE49-F238E27FC236}">
-                <a16:creationId xmlns:a16="http://schemas.microsoft.com/office/drawing/2014/main" id="{75058090-1B7C-5990-5666-A7AA79EE5F1D}"/>
-              </a:ext>
-            </a:extLst>
-          </p:cNvPr>
-          <p:cNvSpPr txBox="1"/>
-          <p:nvPr/>
-        </p:nvSpPr>
-        <p:spPr>
-          <a:xfrm>
-            <a:off x="7848600" y="4836467"/>
-            <a:ext cx="2857500" cy="461665"/>
-          </a:xfrm>
-          <a:prstGeom prst="rect">
-            <a:avLst/>
-          </a:prstGeom>
-          <a:noFill/>
-        </p:spPr>
-        <p:txBody>
-          <a:bodyPr wrap="square" rtlCol="0">
-            <a:spAutoFit/>
-          </a:bodyPr>
-          <a:lstStyle/>
-          <a:p>
-            <a:r>
-              <a:rPr lang="en-US" sz="2400" dirty="0">
-                <a:solidFill>
-                  <a:srgbClr val="660066"/>
-                </a:solidFill>
-              </a:rPr>
-              <a:t>Which Model is Best?</a:t>
-            </a:r>
-          </a:p>
-        </p:txBody>
-      </p:sp>
-    </p:spTree>
-    <p:extLst>
-      <p:ext uri="{BB962C8B-B14F-4D97-AF65-F5344CB8AC3E}">
-        <p14:creationId xmlns:p14="http://schemas.microsoft.com/office/powerpoint/2010/main" val="1221480627"/>
-      </p:ext>
-    </p:extLst>
-  </p:cSld>
-  <p:clrMapOvr>
-    <a:masterClrMapping/>
-  </p:clrMapOvr>
-</p:sld>
-</file>
-
-<file path=ppt/slides/slide3.xml><?xml version="1.0" encoding="utf-8"?>
-<p:sld xmlns:a="http://schemas.openxmlformats.org/drawingml/2006/main" xmlns:r="http://schemas.openxmlformats.org/officeDocument/2006/relationships" xmlns:p="http://schemas.openxmlformats.org/presentationml/2006/main">
-  <p:cSld>
-    <p:spTree>
-      <p:nvGrpSpPr>
-        <p:cNvPr id="1" name=""/>
-        <p:cNvGrpSpPr/>
-        <p:nvPr/>
-      </p:nvGrpSpPr>
-      <p:grpSpPr>
-        <a:xfrm>
-          <a:off x="0" y="0"/>
-          <a:ext cx="0" cy="0"/>
-          <a:chOff x="0" y="0"/>
-          <a:chExt cx="0" cy="0"/>
-        </a:xfrm>
-      </p:grpSpPr>
-      <p:pic>
-        <p:nvPicPr>
-          <p:cNvPr id="2" name="Picture 10" descr="Mario Pattern">
-            <a:extLst>
-              <a:ext uri="{FF2B5EF4-FFF2-40B4-BE49-F238E27FC236}">
-                <a16:creationId xmlns:a16="http://schemas.microsoft.com/office/drawing/2014/main" id="{8F84FFD9-23AF-75F7-6DAA-904525952142}"/>
-              </a:ext>
-            </a:extLst>
-          </p:cNvPr>
-          <p:cNvPicPr>
-            <a:picLocks noChangeAspect="1" noChangeArrowheads="1"/>
-          </p:cNvPicPr>
-          <p:nvPr/>
-        </p:nvPicPr>
-        <p:blipFill rotWithShape="1">
-          <a:blip r:embed="rId2">
-            <a:alphaModFix amt="47000"/>
-            <a:extLst>
-              <a:ext uri="{28A0092B-C50C-407E-A947-70E740481C1C}">
-                <a14:useLocalDpi xmlns:a14="http://schemas.microsoft.com/office/drawing/2010/main" val="0"/>
-              </a:ext>
-            </a:extLst>
-          </a:blip>
-          <a:srcRect l="4595" r="6699"/>
-          <a:stretch/>
-        </p:blipFill>
-        <p:spPr bwMode="auto">
-          <a:xfrm>
-            <a:off x="0" y="-2057400"/>
-            <a:ext cx="12192000" cy="10308201"/>
-          </a:xfrm>
-          <a:prstGeom prst="rect">
-            <a:avLst/>
-          </a:prstGeom>
-          <a:noFill/>
-          <a:extLst>
-            <a:ext uri="{909E8E84-426E-40DD-AFC4-6F175D3DCCD1}">
-              <a14:hiddenFill xmlns:a14="http://schemas.microsoft.com/office/drawing/2010/main">
-                <a:solidFill>
-                  <a:srgbClr val="FFFFFF"/>
-                </a:solidFill>
-              </a14:hiddenFill>
-            </a:ext>
-          </a:extLst>
-        </p:spPr>
-      </p:pic>
-      <p:sp>
-        <p:nvSpPr>
-          <p:cNvPr id="12" name="Line 11"/>
-          <p:cNvSpPr>
-            <a:spLocks noChangeShapeType="1"/>
-          </p:cNvSpPr>
-          <p:nvPr/>
-        </p:nvSpPr>
-        <p:spPr bwMode="auto">
-          <a:xfrm flipV="1">
-            <a:off x="6972300" y="5109836"/>
-            <a:ext cx="609600" cy="533400"/>
-          </a:xfrm>
-          <a:prstGeom prst="line">
-            <a:avLst/>
-          </a:prstGeom>
-          <a:noFill/>
-          <a:ln w="38100">
-            <a:solidFill>
-              <a:srgbClr val="FFFF66"/>
-            </a:solidFill>
-            <a:round/>
-            <a:headEnd/>
-            <a:tailEnd type="triangle" w="med" len="med"/>
-          </a:ln>
-          <a:extLst>
-            <a:ext uri="{909E8E84-426E-40DD-AFC4-6F175D3DCCD1}">
-              <a14:hiddenFill xmlns:a14="http://schemas.microsoft.com/office/drawing/2010/main">
-                <a:noFill/>
-              </a14:hiddenFill>
-            </a:ext>
-          </a:extLst>
-        </p:spPr>
-        <p:txBody>
-          <a:bodyPr wrap="square">
-            <a:spAutoFit/>
-          </a:bodyPr>
-          <a:lstStyle/>
-          <a:p>
-            <a:endParaRPr lang="en-US"/>
-          </a:p>
-        </p:txBody>
-      </p:sp>
-      <p:sp>
-        <p:nvSpPr>
-          <p:cNvPr id="6" name="TextBox 5">
-            <a:extLst>
-              <a:ext uri="{FF2B5EF4-FFF2-40B4-BE49-F238E27FC236}">
-                <a16:creationId xmlns:a16="http://schemas.microsoft.com/office/drawing/2014/main" id="{4F2DA592-D8EB-70BA-2112-6C13A4E7B393}"/>
-              </a:ext>
-            </a:extLst>
-          </p:cNvPr>
-          <p:cNvSpPr txBox="1"/>
-          <p:nvPr/>
-        </p:nvSpPr>
-        <p:spPr>
-          <a:xfrm>
-            <a:off x="457200" y="609600"/>
-            <a:ext cx="11201400" cy="919401"/>
-          </a:xfrm>
-          <a:prstGeom prst="roundRect">
-            <a:avLst/>
-          </a:prstGeom>
-          <a:solidFill>
-            <a:schemeClr val="bg1">
-              <a:alpha val="70000"/>
-            </a:schemeClr>
-          </a:solidFill>
-          <a:ln w="76200">
-            <a:solidFill>
-              <a:srgbClr val="FFC416"/>
-            </a:solidFill>
-          </a:ln>
-        </p:spPr>
-        <p:style>
-          <a:lnRef idx="2">
-            <a:schemeClr val="dk1"/>
-          </a:lnRef>
-          <a:fillRef idx="1">
-            <a:schemeClr val="lt1"/>
-          </a:fillRef>
-          <a:effectRef idx="0">
-            <a:schemeClr val="dk1"/>
-          </a:effectRef>
-          <a:fontRef idx="minor">
-            <a:schemeClr val="dk1"/>
-          </a:fontRef>
-        </p:style>
-        <p:txBody>
-          <a:bodyPr wrap="square" rtlCol="0">
-            <a:spAutoFit/>
-          </a:bodyPr>
-          <a:lstStyle/>
-          <a:p>
-            <a:pPr algn="ctr"/>
-            <a:r>
-              <a:rPr lang="en-US" sz="4800" b="1" dirty="0">
-                <a:solidFill>
-                  <a:srgbClr val="2D3A37"/>
-                </a:solidFill>
-                <a:latin typeface="Adobe Devanagari" panose="02040503050201020203" pitchFamily="18" charset="0"/>
-                <a:cs typeface="Adobe Devanagari" panose="02040503050201020203" pitchFamily="18" charset="0"/>
-              </a:rPr>
-              <a:t>Family of Models</a:t>
-            </a:r>
-            <a:endParaRPr lang="en-US" sz="4800" dirty="0">
-              <a:solidFill>
-                <a:srgbClr val="2D3A37"/>
-              </a:solidFill>
-            </a:endParaRPr>
-          </a:p>
-        </p:txBody>
-      </p:sp>
-      <mc:AlternateContent xmlns:mc="http://schemas.openxmlformats.org/markup-compatibility/2006" xmlns:a14="http://schemas.microsoft.com/office/drawing/2010/main">
-        <mc:Choice Requires="a14">
-          <p:sp>
-            <p:nvSpPr>
-              <p:cNvPr id="7" name="TextBox 6">
-                <a:extLst>
-                  <a:ext uri="{FF2B5EF4-FFF2-40B4-BE49-F238E27FC236}">
-                    <a16:creationId xmlns:a16="http://schemas.microsoft.com/office/drawing/2014/main" id="{D9B238EA-D04E-3255-7509-F990F1A8F309}"/>
-                  </a:ext>
-                </a:extLst>
-              </p:cNvPr>
-              <p:cNvSpPr txBox="1"/>
-              <p:nvPr/>
-            </p:nvSpPr>
-            <p:spPr>
-              <a:xfrm>
-                <a:off x="457200" y="1981200"/>
-                <a:ext cx="11201400" cy="4401205"/>
-              </a:xfrm>
-              <a:prstGeom prst="roundRect">
-                <a:avLst/>
-              </a:prstGeom>
-              <a:solidFill>
-                <a:schemeClr val="bg1"/>
-              </a:solidFill>
-              <a:ln w="76200">
-                <a:solidFill>
-                  <a:srgbClr val="FFC416"/>
-                </a:solidFill>
-              </a:ln>
-            </p:spPr>
-            <p:style>
-              <a:lnRef idx="2">
-                <a:schemeClr val="dk1"/>
-              </a:lnRef>
-              <a:fillRef idx="1">
-                <a:schemeClr val="lt1"/>
-              </a:fillRef>
-              <a:effectRef idx="0">
-                <a:schemeClr val="dk1"/>
-              </a:effectRef>
-              <a:fontRef idx="minor">
-                <a:schemeClr val="dk1"/>
-              </a:fontRef>
-            </p:style>
-            <p:txBody>
-              <a:bodyPr wrap="square" rtlCol="0">
-                <a:spAutoFit/>
-              </a:bodyPr>
-              <a:lstStyle/>
-              <a:p>
-                <a:pPr marL="457200" indent="-457200">
-                  <a:buFont typeface="Arial" panose="020B0604020202020204" pitchFamily="34" charset="0"/>
-                  <a:buChar char="•"/>
-                </a:pPr>
-                <a:r>
-                  <a:rPr lang="en-US" sz="2800" dirty="0">
-                    <a:solidFill>
-                      <a:srgbClr val="660066"/>
-                    </a:solidFill>
-                  </a:rPr>
-                  <a:t>When There are a Few Predictors We Can Fit All Possible Models</a:t>
-                </a:r>
-              </a:p>
-              <a:p>
-                <a:pPr marL="457200" indent="-457200">
-                  <a:buFont typeface="Arial" panose="020B0604020202020204" pitchFamily="34" charset="0"/>
-                  <a:buChar char="•"/>
-                </a:pPr>
-                <a:endParaRPr lang="en-US" sz="2800" dirty="0">
-                  <a:solidFill>
-                    <a:srgbClr val="660066"/>
-                  </a:solidFill>
-                </a:endParaRPr>
-              </a:p>
-              <a:p>
-                <a:pPr marL="457200" indent="-457200">
-                  <a:buFont typeface="Arial" panose="020B0604020202020204" pitchFamily="34" charset="0"/>
-                  <a:buChar char="•"/>
-                </a:pPr>
-                <a:r>
-                  <a:rPr lang="en-US" sz="2800" dirty="0">
-                    <a:solidFill>
-                      <a:srgbClr val="660066"/>
-                    </a:solidFill>
-                  </a:rPr>
-                  <a:t>As </a:t>
-                </a:r>
-                <a:r>
-                  <a:rPr lang="en-US" sz="2800" i="1" dirty="0">
-                    <a:solidFill>
-                      <a:srgbClr val="660066"/>
-                    </a:solidFill>
-                  </a:rPr>
-                  <a:t>k</a:t>
-                </a:r>
-                <a:r>
-                  <a:rPr lang="en-US" sz="2800" dirty="0">
-                    <a:solidFill>
-                      <a:srgbClr val="660066"/>
-                    </a:solidFill>
-                  </a:rPr>
-                  <a:t> Increases, the Number of Models in the Family Increases</a:t>
-                </a:r>
-              </a:p>
-              <a:p>
-                <a:pPr marL="457200" indent="-457200">
-                  <a:buFont typeface="Arial" panose="020B0604020202020204" pitchFamily="34" charset="0"/>
-                  <a:buChar char="•"/>
-                </a:pPr>
-                <a:endParaRPr lang="en-US" sz="2800" dirty="0">
-                  <a:solidFill>
-                    <a:srgbClr val="660066"/>
-                  </a:solidFill>
-                </a:endParaRPr>
-              </a:p>
-              <a:p>
-                <a:pPr marL="457200" indent="-457200">
-                  <a:buFont typeface="Arial" panose="020B0604020202020204" pitchFamily="34" charset="0"/>
-                  <a:buChar char="•"/>
-                </a:pPr>
-                <a:r>
-                  <a:rPr lang="en-US" sz="2800" dirty="0">
-                    <a:solidFill>
-                      <a:srgbClr val="660066"/>
-                    </a:solidFill>
-                  </a:rPr>
-                  <a:t>There are </a:t>
-                </a:r>
-                <a14:m>
-                  <m:oMath xmlns:m="http://schemas.openxmlformats.org/officeDocument/2006/math">
-                    <m:sSup>
-                      <m:sSupPr>
-                        <m:ctrlPr>
-                          <a:rPr lang="en-US" sz="2800" b="0" i="1" smtClean="0">
-                            <a:solidFill>
-                              <a:srgbClr val="660066"/>
-                            </a:solidFill>
-                            <a:latin typeface="Cambria Math" panose="02040503050406030204" pitchFamily="18" charset="0"/>
-                          </a:rPr>
-                        </m:ctrlPr>
-                      </m:sSupPr>
-                      <m:e>
-                        <m:r>
-                          <a:rPr lang="en-US" sz="2800" b="0" i="1" smtClean="0">
-                            <a:solidFill>
-                              <a:srgbClr val="660066"/>
-                            </a:solidFill>
-                            <a:latin typeface="Cambria Math" panose="02040503050406030204" pitchFamily="18" charset="0"/>
-                          </a:rPr>
-                          <m:t>2</m:t>
-                        </m:r>
-                      </m:e>
-                      <m:sup>
-                        <m:r>
-                          <a:rPr lang="en-US" sz="2800" b="0" i="1" smtClean="0">
-                            <a:solidFill>
-                              <a:srgbClr val="660066"/>
-                            </a:solidFill>
-                            <a:latin typeface="Cambria Math" panose="02040503050406030204" pitchFamily="18" charset="0"/>
-                          </a:rPr>
-                          <m:t>𝑘</m:t>
-                        </m:r>
-                      </m:sup>
-                    </m:sSup>
-                  </m:oMath>
-                </a14:m>
-                <a:r>
-                  <a:rPr lang="en-US" sz="2800" dirty="0">
-                    <a:solidFill>
-                      <a:srgbClr val="660066"/>
-                    </a:solidFill>
-                  </a:rPr>
-                  <a:t>Different Linear Regression Models in the Family</a:t>
-                </a:r>
-              </a:p>
-              <a:p>
-                <a:pPr marL="457200" indent="-457200">
-                  <a:buFont typeface="Arial" panose="020B0604020202020204" pitchFamily="34" charset="0"/>
-                  <a:buChar char="•"/>
-                </a:pPr>
-                <a:endParaRPr lang="en-US" sz="2800" dirty="0">
-                  <a:solidFill>
-                    <a:srgbClr val="660066"/>
-                  </a:solidFill>
-                </a:endParaRPr>
-              </a:p>
-              <a:p>
-                <a:pPr marL="457200" indent="-457200">
-                  <a:buFont typeface="Arial" panose="020B0604020202020204" pitchFamily="34" charset="0"/>
-                  <a:buChar char="•"/>
-                </a:pPr>
-                <a:r>
-                  <a:rPr lang="en-US" sz="2800" dirty="0">
-                    <a:solidFill>
-                      <a:srgbClr val="660066"/>
-                    </a:solidFill>
-                  </a:rPr>
-                  <a:t>We Desire to Know What Predictors Need to Be Included</a:t>
-                </a:r>
-              </a:p>
-              <a:p>
-                <a:pPr marL="457200" indent="-457200">
-                  <a:buFont typeface="Arial" panose="020B0604020202020204" pitchFamily="34" charset="0"/>
-                  <a:buChar char="•"/>
-                </a:pPr>
-                <a:endParaRPr lang="en-US" sz="2800" dirty="0">
-                  <a:solidFill>
-                    <a:srgbClr val="660066"/>
-                  </a:solidFill>
-                </a:endParaRPr>
-              </a:p>
-              <a:p>
-                <a:pPr marL="457200" indent="-457200">
-                  <a:buFont typeface="Arial" panose="020B0604020202020204" pitchFamily="34" charset="0"/>
-                  <a:buChar char="•"/>
-                </a:pPr>
-                <a:r>
-                  <a:rPr lang="en-US" sz="2800" dirty="0">
-                    <a:solidFill>
-                      <a:srgbClr val="660066"/>
-                    </a:solidFill>
-                  </a:rPr>
-                  <a:t>Bad Option: Fit Full Model and </a:t>
-                </a:r>
-                <a:r>
-                  <a:rPr lang="en-US" sz="2800" b="1" dirty="0">
-                    <a:solidFill>
-                      <a:srgbClr val="660066"/>
-                    </a:solidFill>
-                  </a:rPr>
-                  <a:t>Remove</a:t>
-                </a:r>
-                <a:r>
-                  <a:rPr lang="en-US" sz="2800" dirty="0">
-                    <a:solidFill>
-                      <a:srgbClr val="660066"/>
-                    </a:solidFill>
-                  </a:rPr>
-                  <a:t> Insignificant Predictors</a:t>
-                </a:r>
-              </a:p>
-            </p:txBody>
-          </p:sp>
-        </mc:Choice>
-        <mc:Fallback xmlns="">
-          <p:sp>
-            <p:nvSpPr>
-              <p:cNvPr id="7" name="TextBox 6">
-                <a:extLst>
-                  <a:ext uri="{FF2B5EF4-FFF2-40B4-BE49-F238E27FC236}">
-                    <a16:creationId xmlns:a16="http://schemas.microsoft.com/office/drawing/2014/main" id="{D9B238EA-D04E-3255-7509-F990F1A8F309}"/>
-                  </a:ext>
-                </a:extLst>
-              </p:cNvPr>
-              <p:cNvSpPr txBox="1">
-                <a:spLocks noRot="1" noChangeAspect="1" noMove="1" noResize="1" noEditPoints="1" noAdjustHandles="1" noChangeArrowheads="1" noChangeShapeType="1" noTextEdit="1"/>
-              </p:cNvSpPr>
-              <p:nvPr/>
-            </p:nvSpPr>
-            <p:spPr>
-              <a:xfrm>
-                <a:off x="457200" y="1981200"/>
-                <a:ext cx="11201400" cy="4401205"/>
-              </a:xfrm>
-              <a:prstGeom prst="roundRect">
-                <a:avLst/>
-              </a:prstGeom>
-              <a:blipFill>
-                <a:blip r:embed="rId3"/>
-                <a:stretch>
-                  <a:fillRect/>
-                </a:stretch>
-              </a:blipFill>
-              <a:ln w="76200">
-                <a:solidFill>
-                  <a:srgbClr val="FFC416"/>
-                </a:solidFill>
-              </a:ln>
-            </p:spPr>
-            <p:txBody>
-              <a:bodyPr/>
-              <a:lstStyle/>
-              <a:p>
-                <a:r>
-                  <a:rPr lang="en-US">
-                    <a:noFill/>
-                  </a:rPr>
-                  <a:t> </a:t>
-                </a:r>
-              </a:p>
-            </p:txBody>
-          </p:sp>
-        </mc:Fallback>
-      </mc:AlternateContent>
-    </p:spTree>
-    <p:extLst>
-      <p:ext uri="{BB962C8B-B14F-4D97-AF65-F5344CB8AC3E}">
-        <p14:creationId xmlns:p14="http://schemas.microsoft.com/office/powerpoint/2010/main" val="3772760158"/>
-      </p:ext>
-    </p:extLst>
-  </p:cSld>
-  <p:clrMapOvr>
-    <a:masterClrMapping/>
-  </p:clrMapOvr>
-</p:sld>
-</file>
-
-<file path=ppt/slides/slide4.xml><?xml version="1.0" encoding="utf-8"?>
-<p:sld xmlns:a="http://schemas.openxmlformats.org/drawingml/2006/main" xmlns:r="http://schemas.openxmlformats.org/officeDocument/2006/relationships" xmlns:p="http://schemas.openxmlformats.org/presentationml/2006/main">
-  <p:cSld>
-    <p:spTree>
-      <p:nvGrpSpPr>
-        <p:cNvPr id="1" name=""/>
-        <p:cNvGrpSpPr/>
-        <p:nvPr/>
-      </p:nvGrpSpPr>
-      <p:grpSpPr>
-        <a:xfrm>
-          <a:off x="0" y="0"/>
-          <a:ext cx="0" cy="0"/>
-          <a:chOff x="0" y="0"/>
-          <a:chExt cx="0" cy="0"/>
-        </a:xfrm>
-      </p:grpSpPr>
-      <p:pic>
-        <p:nvPicPr>
-          <p:cNvPr id="2" name="Picture 10" descr="Mario Pattern">
-            <a:extLst>
-              <a:ext uri="{FF2B5EF4-FFF2-40B4-BE49-F238E27FC236}">
-                <a16:creationId xmlns:a16="http://schemas.microsoft.com/office/drawing/2014/main" id="{8F84FFD9-23AF-75F7-6DAA-904525952142}"/>
-              </a:ext>
-            </a:extLst>
-          </p:cNvPr>
-          <p:cNvPicPr>
-            <a:picLocks noChangeAspect="1" noChangeArrowheads="1"/>
-          </p:cNvPicPr>
-          <p:nvPr/>
-        </p:nvPicPr>
-        <p:blipFill rotWithShape="1">
-          <a:blip r:embed="rId2">
-            <a:alphaModFix amt="47000"/>
-            <a:extLst>
-              <a:ext uri="{28A0092B-C50C-407E-A947-70E740481C1C}">
-                <a14:useLocalDpi xmlns:a14="http://schemas.microsoft.com/office/drawing/2010/main" val="0"/>
-              </a:ext>
-            </a:extLst>
-          </a:blip>
-          <a:srcRect l="4595" r="6699"/>
-          <a:stretch/>
-        </p:blipFill>
-        <p:spPr bwMode="auto">
-          <a:xfrm>
-            <a:off x="0" y="-2057400"/>
-            <a:ext cx="12192000" cy="10308201"/>
-          </a:xfrm>
-          <a:prstGeom prst="rect">
-            <a:avLst/>
-          </a:prstGeom>
-          <a:noFill/>
-          <a:extLst>
-            <a:ext uri="{909E8E84-426E-40DD-AFC4-6F175D3DCCD1}">
-              <a14:hiddenFill xmlns:a14="http://schemas.microsoft.com/office/drawing/2010/main">
-                <a:solidFill>
-                  <a:srgbClr val="FFFFFF"/>
-                </a:solidFill>
-              </a14:hiddenFill>
-            </a:ext>
-          </a:extLst>
-        </p:spPr>
-      </p:pic>
-      <p:sp>
-        <p:nvSpPr>
-          <p:cNvPr id="12" name="Line 11"/>
-          <p:cNvSpPr>
-            <a:spLocks noChangeShapeType="1"/>
-          </p:cNvSpPr>
-          <p:nvPr/>
-        </p:nvSpPr>
-        <p:spPr bwMode="auto">
-          <a:xfrm flipV="1">
-            <a:off x="6972300" y="5109836"/>
-            <a:ext cx="609600" cy="533400"/>
-          </a:xfrm>
-          <a:prstGeom prst="line">
-            <a:avLst/>
-          </a:prstGeom>
-          <a:noFill/>
-          <a:ln w="38100">
-            <a:solidFill>
-              <a:srgbClr val="FFFF66"/>
-            </a:solidFill>
-            <a:round/>
-            <a:headEnd/>
-            <a:tailEnd type="triangle" w="med" len="med"/>
-          </a:ln>
-          <a:extLst>
-            <a:ext uri="{909E8E84-426E-40DD-AFC4-6F175D3DCCD1}">
-              <a14:hiddenFill xmlns:a14="http://schemas.microsoft.com/office/drawing/2010/main">
-                <a:noFill/>
-              </a14:hiddenFill>
-            </a:ext>
-          </a:extLst>
-        </p:spPr>
-        <p:txBody>
-          <a:bodyPr wrap="square">
-            <a:spAutoFit/>
-          </a:bodyPr>
-          <a:lstStyle/>
-          <a:p>
-            <a:endParaRPr lang="en-US"/>
-          </a:p>
-        </p:txBody>
-      </p:sp>
-      <p:sp>
-        <p:nvSpPr>
-          <p:cNvPr id="6" name="TextBox 5">
-            <a:extLst>
-              <a:ext uri="{FF2B5EF4-FFF2-40B4-BE49-F238E27FC236}">
-                <a16:creationId xmlns:a16="http://schemas.microsoft.com/office/drawing/2014/main" id="{4F2DA592-D8EB-70BA-2112-6C13A4E7B393}"/>
-              </a:ext>
-            </a:extLst>
-          </p:cNvPr>
-          <p:cNvSpPr txBox="1"/>
-          <p:nvPr/>
-        </p:nvSpPr>
-        <p:spPr>
-          <a:xfrm>
-            <a:off x="457200" y="609600"/>
-            <a:ext cx="11201400" cy="919401"/>
-          </a:xfrm>
-          <a:prstGeom prst="roundRect">
-            <a:avLst/>
-          </a:prstGeom>
-          <a:solidFill>
-            <a:schemeClr val="bg1">
-              <a:alpha val="70000"/>
-            </a:schemeClr>
-          </a:solidFill>
-          <a:ln w="76200">
-            <a:solidFill>
-              <a:srgbClr val="FFC416"/>
-            </a:solidFill>
-          </a:ln>
-        </p:spPr>
-        <p:style>
-          <a:lnRef idx="2">
-            <a:schemeClr val="dk1"/>
-          </a:lnRef>
-          <a:fillRef idx="1">
-            <a:schemeClr val="lt1"/>
-          </a:fillRef>
-          <a:effectRef idx="0">
-            <a:schemeClr val="dk1"/>
-          </a:effectRef>
-          <a:fontRef idx="minor">
-            <a:schemeClr val="dk1"/>
-          </a:fontRef>
-        </p:style>
-        <p:txBody>
-          <a:bodyPr wrap="square" rtlCol="0">
-            <a:spAutoFit/>
-          </a:bodyPr>
-          <a:lstStyle/>
-          <a:p>
-            <a:pPr algn="ctr"/>
-            <a:r>
-              <a:rPr lang="en-US" sz="4800" b="1" dirty="0">
-                <a:solidFill>
-                  <a:srgbClr val="2D3A37"/>
-                </a:solidFill>
-                <a:latin typeface="Adobe Devanagari" panose="02040503050201020203" pitchFamily="18" charset="0"/>
-                <a:cs typeface="Adobe Devanagari" panose="02040503050201020203" pitchFamily="18" charset="0"/>
-              </a:rPr>
-              <a:t>Family of Models</a:t>
-            </a:r>
-            <a:endParaRPr lang="en-US" sz="4800" dirty="0">
-              <a:solidFill>
-                <a:srgbClr val="2D3A37"/>
-              </a:solidFill>
-            </a:endParaRPr>
-          </a:p>
-        </p:txBody>
-      </p:sp>
-      <p:sp>
-        <p:nvSpPr>
-          <p:cNvPr id="7" name="TextBox 6">
-            <a:extLst>
-              <a:ext uri="{FF2B5EF4-FFF2-40B4-BE49-F238E27FC236}">
-                <a16:creationId xmlns:a16="http://schemas.microsoft.com/office/drawing/2014/main" id="{D9B238EA-D04E-3255-7509-F990F1A8F309}"/>
-              </a:ext>
-            </a:extLst>
-          </p:cNvPr>
-          <p:cNvSpPr txBox="1"/>
-          <p:nvPr/>
-        </p:nvSpPr>
-        <p:spPr>
-          <a:xfrm>
-            <a:off x="457200" y="1981200"/>
-            <a:ext cx="11201400" cy="4869418"/>
-          </a:xfrm>
-          <a:prstGeom prst="roundRect">
-            <a:avLst/>
-          </a:prstGeom>
-          <a:solidFill>
-            <a:schemeClr val="bg1"/>
-          </a:solidFill>
-          <a:ln w="76200">
-            <a:solidFill>
-              <a:srgbClr val="FFC416"/>
-            </a:solidFill>
-          </a:ln>
-        </p:spPr>
-        <p:style>
-          <a:lnRef idx="2">
-            <a:schemeClr val="dk1"/>
-          </a:lnRef>
-          <a:fillRef idx="1">
-            <a:schemeClr val="lt1"/>
-          </a:fillRef>
-          <a:effectRef idx="0">
-            <a:schemeClr val="dk1"/>
-          </a:effectRef>
-          <a:fontRef idx="minor">
-            <a:schemeClr val="dk1"/>
-          </a:fontRef>
-        </p:style>
-        <p:txBody>
-          <a:bodyPr wrap="square" rtlCol="0">
-            <a:spAutoFit/>
-          </a:bodyPr>
-          <a:lstStyle/>
-          <a:p>
-            <a:pPr marL="457200" indent="-457200">
-              <a:buFont typeface="Arial" panose="020B0604020202020204" pitchFamily="34" charset="0"/>
-              <a:buChar char="•"/>
-            </a:pPr>
-            <a:r>
-              <a:rPr lang="en-US" sz="2800" dirty="0">
-                <a:solidFill>
-                  <a:srgbClr val="660066"/>
-                </a:solidFill>
-              </a:rPr>
-              <a:t>Problem with Selecting Predictors</a:t>
-            </a:r>
-          </a:p>
-          <a:p>
-            <a:pPr marL="914400" lvl="1" indent="-457200">
-              <a:buFont typeface="Arial" panose="020B0604020202020204" pitchFamily="34" charset="0"/>
-              <a:buChar char="•"/>
-            </a:pPr>
-            <a:r>
-              <a:rPr lang="en-US" sz="2800" dirty="0">
-                <a:solidFill>
-                  <a:srgbClr val="660066"/>
-                </a:solidFill>
-              </a:rPr>
-              <a:t>R-Squared </a:t>
-            </a:r>
-            <a:r>
-              <a:rPr lang="en-US" sz="2800" b="1" dirty="0">
-                <a:solidFill>
-                  <a:srgbClr val="660066"/>
-                </a:solidFill>
-              </a:rPr>
-              <a:t>Always</a:t>
-            </a:r>
-            <a:r>
-              <a:rPr lang="en-US" sz="2800" dirty="0">
-                <a:solidFill>
-                  <a:srgbClr val="660066"/>
-                </a:solidFill>
-              </a:rPr>
-              <a:t> </a:t>
-            </a:r>
-            <a:r>
-              <a:rPr lang="en-US" sz="2800" b="1" dirty="0">
-                <a:solidFill>
-                  <a:srgbClr val="660066"/>
-                </a:solidFill>
-              </a:rPr>
-              <a:t>Increases</a:t>
-            </a:r>
-            <a:r>
-              <a:rPr lang="en-US" sz="2800" dirty="0">
-                <a:solidFill>
-                  <a:srgbClr val="660066"/>
-                </a:solidFill>
-              </a:rPr>
-              <a:t> as I Add Predictors</a:t>
-            </a:r>
-          </a:p>
-          <a:p>
-            <a:pPr marL="914400" lvl="1" indent="-457200">
-              <a:buFont typeface="Arial" panose="020B0604020202020204" pitchFamily="34" charset="0"/>
-              <a:buChar char="•"/>
-            </a:pPr>
-            <a:r>
-              <a:rPr lang="en-US" sz="2800" dirty="0">
-                <a:solidFill>
-                  <a:srgbClr val="660066"/>
-                </a:solidFill>
-              </a:rPr>
-              <a:t>Standard Error of Regression Always Decreases as I Add Predictors</a:t>
-            </a:r>
-          </a:p>
-          <a:p>
-            <a:pPr marL="914400" lvl="1" indent="-457200">
-              <a:buFont typeface="Arial" panose="020B0604020202020204" pitchFamily="34" charset="0"/>
-              <a:buChar char="•"/>
-            </a:pPr>
-            <a:r>
-              <a:rPr lang="en-US" sz="2800" dirty="0">
-                <a:solidFill>
-                  <a:srgbClr val="660066"/>
-                </a:solidFill>
-              </a:rPr>
-              <a:t>Question: </a:t>
-            </a:r>
-            <a:r>
-              <a:rPr lang="en-US" sz="2800" i="1" dirty="0">
-                <a:solidFill>
-                  <a:srgbClr val="660066"/>
-                </a:solidFill>
-              </a:rPr>
-              <a:t>Is the Relationship Between a Predictor and the Response Variable Due to Chance or Is There an Actual Relationship?</a:t>
-            </a:r>
-          </a:p>
-          <a:p>
-            <a:pPr marL="914400" lvl="1" indent="-457200">
-              <a:buFont typeface="Arial" panose="020B0604020202020204" pitchFamily="34" charset="0"/>
-              <a:buChar char="•"/>
-            </a:pPr>
-            <a:endParaRPr lang="en-US" sz="2800" i="1" dirty="0">
-              <a:solidFill>
-                <a:srgbClr val="660066"/>
-              </a:solidFill>
-            </a:endParaRPr>
-          </a:p>
-          <a:p>
-            <a:pPr marL="457200" indent="-457200">
-              <a:buFont typeface="Arial" panose="020B0604020202020204" pitchFamily="34" charset="0"/>
-              <a:buChar char="•"/>
-            </a:pPr>
-            <a:r>
-              <a:rPr lang="en-US" sz="2800" dirty="0">
-                <a:solidFill>
-                  <a:srgbClr val="660066"/>
-                </a:solidFill>
-              </a:rPr>
-              <a:t>Typically, There are Multiple Competing Models that Are All </a:t>
-            </a:r>
-            <a:r>
-              <a:rPr lang="en-US" sz="2800" b="1" dirty="0">
-                <a:solidFill>
-                  <a:srgbClr val="660066"/>
-                </a:solidFill>
-              </a:rPr>
-              <a:t>Similar</a:t>
-            </a:r>
-          </a:p>
-          <a:p>
-            <a:pPr marL="457200" indent="-457200">
-              <a:buFont typeface="Arial" panose="020B0604020202020204" pitchFamily="34" charset="0"/>
-              <a:buChar char="•"/>
-            </a:pPr>
-            <a:endParaRPr lang="en-US" sz="2800" b="1" dirty="0">
-              <a:solidFill>
-                <a:srgbClr val="660066"/>
-              </a:solidFill>
-            </a:endParaRPr>
-          </a:p>
-          <a:p>
-            <a:pPr marL="457200" indent="-457200">
-              <a:buFont typeface="Arial" panose="020B0604020202020204" pitchFamily="34" charset="0"/>
-              <a:buChar char="•"/>
-            </a:pPr>
-            <a:r>
-              <a:rPr lang="en-US" sz="2800" dirty="0">
-                <a:solidFill>
-                  <a:srgbClr val="660066"/>
-                </a:solidFill>
-              </a:rPr>
-              <a:t>Ideally, We Want the </a:t>
-            </a:r>
-            <a:r>
-              <a:rPr lang="en-US" sz="2800" b="1" dirty="0">
-                <a:solidFill>
-                  <a:srgbClr val="660066"/>
-                </a:solidFill>
-              </a:rPr>
-              <a:t>Simplest</a:t>
-            </a:r>
-            <a:r>
-              <a:rPr lang="en-US" sz="2800" dirty="0">
-                <a:solidFill>
-                  <a:srgbClr val="660066"/>
-                </a:solidFill>
-              </a:rPr>
-              <a:t> Model that Explains the </a:t>
-            </a:r>
-            <a:r>
-              <a:rPr lang="en-US" sz="2800" b="1" dirty="0">
-                <a:solidFill>
-                  <a:srgbClr val="660066"/>
-                </a:solidFill>
-              </a:rPr>
-              <a:t>Variation in Y</a:t>
-            </a:r>
-            <a:endParaRPr lang="en-US" sz="2800" dirty="0">
-              <a:solidFill>
-                <a:srgbClr val="660066"/>
-              </a:solidFill>
-            </a:endParaRPr>
-          </a:p>
-        </p:txBody>
-      </p:sp>
-    </p:spTree>
-    <p:extLst>
-      <p:ext uri="{BB962C8B-B14F-4D97-AF65-F5344CB8AC3E}">
-        <p14:creationId xmlns:p14="http://schemas.microsoft.com/office/powerpoint/2010/main" val="3388538259"/>
-      </p:ext>
-    </p:extLst>
-  </p:cSld>
-  <p:clrMapOvr>
-    <a:masterClrMapping/>
-  </p:clrMapOvr>
-</p:sld>
-</file>
-
-<file path=ppt/slides/slide5.xml><?xml version="1.0" encoding="utf-8"?>
-<p:sld xmlns:a="http://schemas.openxmlformats.org/drawingml/2006/main" xmlns:r="http://schemas.openxmlformats.org/officeDocument/2006/relationships" xmlns:p="http://schemas.openxmlformats.org/presentationml/2006/main">
-  <p:cSld>
-    <p:spTree>
-      <p:nvGrpSpPr>
-        <p:cNvPr id="1" name=""/>
-        <p:cNvGrpSpPr/>
-        <p:nvPr/>
-      </p:nvGrpSpPr>
-      <p:grpSpPr>
-        <a:xfrm>
-          <a:off x="0" y="0"/>
-          <a:ext cx="0" cy="0"/>
-          <a:chOff x="0" y="0"/>
-          <a:chExt cx="0" cy="0"/>
-        </a:xfrm>
-      </p:grpSpPr>
-      <p:pic>
-        <p:nvPicPr>
-          <p:cNvPr id="2" name="Picture 10" descr="Mario Pattern">
-            <a:extLst>
-              <a:ext uri="{FF2B5EF4-FFF2-40B4-BE49-F238E27FC236}">
-                <a16:creationId xmlns:a16="http://schemas.microsoft.com/office/drawing/2014/main" id="{8F84FFD9-23AF-75F7-6DAA-904525952142}"/>
-              </a:ext>
-            </a:extLst>
-          </p:cNvPr>
-          <p:cNvPicPr>
-            <a:picLocks noChangeAspect="1" noChangeArrowheads="1"/>
-          </p:cNvPicPr>
-          <p:nvPr/>
-        </p:nvPicPr>
-        <p:blipFill rotWithShape="1">
-          <a:blip r:embed="rId2">
-            <a:alphaModFix amt="47000"/>
-            <a:extLst>
-              <a:ext uri="{28A0092B-C50C-407E-A947-70E740481C1C}">
-                <a14:useLocalDpi xmlns:a14="http://schemas.microsoft.com/office/drawing/2010/main" val="0"/>
-              </a:ext>
-            </a:extLst>
-          </a:blip>
-          <a:srcRect l="4595" r="6699"/>
-          <a:stretch/>
-        </p:blipFill>
-        <p:spPr bwMode="auto">
-          <a:xfrm>
-            <a:off x="0" y="-2057400"/>
-            <a:ext cx="12192000" cy="10308201"/>
-          </a:xfrm>
-          <a:prstGeom prst="rect">
-            <a:avLst/>
-          </a:prstGeom>
-          <a:noFill/>
-          <a:extLst>
-            <a:ext uri="{909E8E84-426E-40DD-AFC4-6F175D3DCCD1}">
-              <a14:hiddenFill xmlns:a14="http://schemas.microsoft.com/office/drawing/2010/main">
-                <a:solidFill>
-                  <a:srgbClr val="FFFFFF"/>
-                </a:solidFill>
-              </a14:hiddenFill>
-            </a:ext>
-          </a:extLst>
-        </p:spPr>
-      </p:pic>
-      <p:sp>
-        <p:nvSpPr>
-          <p:cNvPr id="12" name="Line 11"/>
-          <p:cNvSpPr>
-            <a:spLocks noChangeShapeType="1"/>
-          </p:cNvSpPr>
-          <p:nvPr/>
-        </p:nvSpPr>
-        <p:spPr bwMode="auto">
-          <a:xfrm flipV="1">
-            <a:off x="6972300" y="5109836"/>
-            <a:ext cx="609600" cy="533400"/>
-          </a:xfrm>
-          <a:prstGeom prst="line">
-            <a:avLst/>
-          </a:prstGeom>
-          <a:noFill/>
-          <a:ln w="38100">
-            <a:solidFill>
-              <a:srgbClr val="FFFF66"/>
-            </a:solidFill>
-            <a:round/>
-            <a:headEnd/>
-            <a:tailEnd type="triangle" w="med" len="med"/>
-          </a:ln>
-          <a:extLst>
-            <a:ext uri="{909E8E84-426E-40DD-AFC4-6F175D3DCCD1}">
-              <a14:hiddenFill xmlns:a14="http://schemas.microsoft.com/office/drawing/2010/main">
-                <a:noFill/>
-              </a14:hiddenFill>
-            </a:ext>
-          </a:extLst>
-        </p:spPr>
-        <p:txBody>
-          <a:bodyPr wrap="square">
-            <a:spAutoFit/>
-          </a:bodyPr>
-          <a:lstStyle/>
-          <a:p>
-            <a:endParaRPr lang="en-US"/>
-          </a:p>
-        </p:txBody>
-      </p:sp>
-      <p:sp>
-        <p:nvSpPr>
-          <p:cNvPr id="6" name="TextBox 5">
-            <a:extLst>
-              <a:ext uri="{FF2B5EF4-FFF2-40B4-BE49-F238E27FC236}">
-                <a16:creationId xmlns:a16="http://schemas.microsoft.com/office/drawing/2014/main" id="{4F2DA592-D8EB-70BA-2112-6C13A4E7B393}"/>
-              </a:ext>
-            </a:extLst>
-          </p:cNvPr>
-          <p:cNvSpPr txBox="1"/>
-          <p:nvPr/>
-        </p:nvSpPr>
-        <p:spPr>
-          <a:xfrm>
-            <a:off x="457200" y="609600"/>
-            <a:ext cx="11201400" cy="919401"/>
-          </a:xfrm>
-          <a:prstGeom prst="roundRect">
-            <a:avLst/>
-          </a:prstGeom>
-          <a:solidFill>
-            <a:schemeClr val="bg1">
-              <a:alpha val="70000"/>
-            </a:schemeClr>
-          </a:solidFill>
-          <a:ln w="76200">
-            <a:solidFill>
-              <a:srgbClr val="FFC416"/>
-            </a:solidFill>
-          </a:ln>
-        </p:spPr>
-        <p:style>
-          <a:lnRef idx="2">
-            <a:schemeClr val="dk1"/>
-          </a:lnRef>
-          <a:fillRef idx="1">
-            <a:schemeClr val="lt1"/>
-          </a:fillRef>
-          <a:effectRef idx="0">
-            <a:schemeClr val="dk1"/>
-          </a:effectRef>
-          <a:fontRef idx="minor">
-            <a:schemeClr val="dk1"/>
-          </a:fontRef>
-        </p:style>
-        <p:txBody>
-          <a:bodyPr wrap="square" rtlCol="0">
-            <a:spAutoFit/>
-          </a:bodyPr>
-          <a:lstStyle/>
-          <a:p>
-            <a:pPr algn="ctr"/>
-            <a:r>
-              <a:rPr lang="en-US" sz="4800" b="1" dirty="0">
-                <a:solidFill>
-                  <a:srgbClr val="2D3A37"/>
-                </a:solidFill>
-                <a:latin typeface="Adobe Devanagari" panose="02040503050201020203" pitchFamily="18" charset="0"/>
-                <a:cs typeface="Adobe Devanagari" panose="02040503050201020203" pitchFamily="18" charset="0"/>
-              </a:rPr>
-              <a:t>Family of Models</a:t>
-            </a:r>
-            <a:endParaRPr lang="en-US" sz="4800" dirty="0">
-              <a:solidFill>
-                <a:srgbClr val="2D3A37"/>
-              </a:solidFill>
-            </a:endParaRPr>
-          </a:p>
-        </p:txBody>
-      </p:sp>
-      <p:sp>
-        <p:nvSpPr>
-          <p:cNvPr id="7" name="TextBox 6">
-            <a:extLst>
-              <a:ext uri="{FF2B5EF4-FFF2-40B4-BE49-F238E27FC236}">
-                <a16:creationId xmlns:a16="http://schemas.microsoft.com/office/drawing/2014/main" id="{D9B238EA-D04E-3255-7509-F990F1A8F309}"/>
-              </a:ext>
-            </a:extLst>
-          </p:cNvPr>
-          <p:cNvSpPr txBox="1"/>
-          <p:nvPr/>
-        </p:nvSpPr>
-        <p:spPr>
-          <a:xfrm>
-            <a:off x="457200" y="1981200"/>
-            <a:ext cx="11201400" cy="3439239"/>
-          </a:xfrm>
-          <a:prstGeom prst="roundRect">
-            <a:avLst/>
-          </a:prstGeom>
-          <a:solidFill>
-            <a:schemeClr val="bg1"/>
-          </a:solidFill>
-          <a:ln w="76200">
-            <a:solidFill>
-              <a:srgbClr val="FFC416"/>
-            </a:solidFill>
-          </a:ln>
-        </p:spPr>
-        <p:style>
-          <a:lnRef idx="2">
-            <a:schemeClr val="dk1"/>
-          </a:lnRef>
-          <a:fillRef idx="1">
-            <a:schemeClr val="lt1"/>
-          </a:fillRef>
-          <a:effectRef idx="0">
-            <a:schemeClr val="dk1"/>
-          </a:effectRef>
-          <a:fontRef idx="minor">
-            <a:schemeClr val="dk1"/>
-          </a:fontRef>
-        </p:style>
-        <p:txBody>
-          <a:bodyPr wrap="square" rtlCol="0">
-            <a:spAutoFit/>
-          </a:bodyPr>
-          <a:lstStyle/>
-          <a:p>
-            <a:pPr marL="457200" indent="-457200">
-              <a:buFont typeface="Arial" panose="020B0604020202020204" pitchFamily="34" charset="0"/>
-              <a:buChar char="•"/>
-            </a:pPr>
-            <a:r>
-              <a:rPr lang="en-US" sz="2800" dirty="0">
-                <a:solidFill>
-                  <a:srgbClr val="660066"/>
-                </a:solidFill>
-              </a:rPr>
-              <a:t>Hypothetical Situation From Dataset with 100 Potential Predictors</a:t>
-            </a:r>
-          </a:p>
-          <a:p>
-            <a:pPr marL="914400" lvl="1" indent="-457200">
-              <a:buFont typeface="Arial" panose="020B0604020202020204" pitchFamily="34" charset="0"/>
-              <a:buChar char="•"/>
-            </a:pPr>
-            <a:r>
-              <a:rPr lang="en-US" sz="2800" dirty="0">
-                <a:solidFill>
-                  <a:srgbClr val="660066"/>
-                </a:solidFill>
-              </a:rPr>
-              <a:t>Model 1: </a:t>
-            </a:r>
-            <a:r>
-              <a:rPr lang="en-US" sz="2800" i="1" dirty="0">
-                <a:solidFill>
-                  <a:srgbClr val="660066"/>
-                </a:solidFill>
-              </a:rPr>
-              <a:t>k=100, R-Squared = 0.90</a:t>
-            </a:r>
-          </a:p>
-          <a:p>
-            <a:pPr marL="914400" lvl="1" indent="-457200">
-              <a:buFont typeface="Arial" panose="020B0604020202020204" pitchFamily="34" charset="0"/>
-              <a:buChar char="•"/>
-            </a:pPr>
-            <a:r>
-              <a:rPr lang="en-US" sz="2800" dirty="0">
-                <a:solidFill>
-                  <a:srgbClr val="660066"/>
-                </a:solidFill>
-              </a:rPr>
-              <a:t>Model 2: </a:t>
-            </a:r>
-            <a:r>
-              <a:rPr lang="en-US" sz="2800" i="1" dirty="0">
-                <a:solidFill>
-                  <a:srgbClr val="660066"/>
-                </a:solidFill>
-              </a:rPr>
-              <a:t>k=1, R-Squared = 0.89</a:t>
-            </a:r>
-          </a:p>
-          <a:p>
-            <a:pPr marL="914400" lvl="1" indent="-457200">
-              <a:buFont typeface="Arial" panose="020B0604020202020204" pitchFamily="34" charset="0"/>
-              <a:buChar char="•"/>
-            </a:pPr>
-            <a:endParaRPr lang="en-US" sz="2800" i="1" dirty="0">
-              <a:solidFill>
-                <a:srgbClr val="660066"/>
-              </a:solidFill>
-            </a:endParaRPr>
-          </a:p>
-          <a:p>
-            <a:pPr marL="457200" indent="-457200">
-              <a:buFont typeface="Arial" panose="020B0604020202020204" pitchFamily="34" charset="0"/>
-              <a:buChar char="•"/>
-            </a:pPr>
-            <a:r>
-              <a:rPr lang="en-US" sz="2800" dirty="0">
-                <a:solidFill>
-                  <a:srgbClr val="660066"/>
-                </a:solidFill>
-              </a:rPr>
-              <a:t>Question: </a:t>
-            </a:r>
-            <a:r>
-              <a:rPr lang="en-US" sz="2800" i="1" dirty="0">
-                <a:solidFill>
-                  <a:srgbClr val="660066"/>
-                </a:solidFill>
-              </a:rPr>
-              <a:t>Which of These Two Models is Better?</a:t>
-            </a:r>
-            <a:endParaRPr lang="en-US" sz="2800" dirty="0">
-              <a:solidFill>
-                <a:srgbClr val="660066"/>
-              </a:solidFill>
-            </a:endParaRPr>
-          </a:p>
-          <a:p>
-            <a:pPr marL="457200" indent="-457200">
-              <a:buFont typeface="Arial" panose="020B0604020202020204" pitchFamily="34" charset="0"/>
-              <a:buChar char="•"/>
-            </a:pPr>
-            <a:endParaRPr lang="en-US" sz="2800" i="1" dirty="0">
-              <a:solidFill>
-                <a:srgbClr val="660066"/>
-              </a:solidFill>
-            </a:endParaRPr>
-          </a:p>
-          <a:p>
-            <a:pPr marL="457200" indent="-457200">
-              <a:buFont typeface="Arial" panose="020B0604020202020204" pitchFamily="34" charset="0"/>
-              <a:buChar char="•"/>
-            </a:pPr>
-            <a:r>
-              <a:rPr lang="en-US" sz="2800" dirty="0">
-                <a:solidFill>
-                  <a:srgbClr val="660066"/>
-                </a:solidFill>
-              </a:rPr>
-              <a:t>Goal: Find the “Best” Model, but Combat “Overfitting”</a:t>
-            </a:r>
-          </a:p>
-        </p:txBody>
-      </p:sp>
-    </p:spTree>
-    <p:extLst>
-      <p:ext uri="{BB962C8B-B14F-4D97-AF65-F5344CB8AC3E}">
-        <p14:creationId xmlns:p14="http://schemas.microsoft.com/office/powerpoint/2010/main" val="548912428"/>
-      </p:ext>
-    </p:extLst>
-  </p:cSld>
-  <p:clrMapOvr>
-    <a:masterClrMapping/>
-  </p:clrMapOvr>
-</p:sld>
-</file>
-
-<file path=ppt/slides/slide6.xml><?xml version="1.0" encoding="utf-8"?>
-<p:sld xmlns:a="http://schemas.openxmlformats.org/drawingml/2006/main" xmlns:r="http://schemas.openxmlformats.org/officeDocument/2006/relationships" xmlns:p="http://schemas.openxmlformats.org/presentationml/2006/main">
-  <p:cSld>
-    <p:spTree>
-      <p:nvGrpSpPr>
-        <p:cNvPr id="1" name=""/>
-        <p:cNvGrpSpPr/>
-        <p:nvPr/>
-      </p:nvGrpSpPr>
-      <p:grpSpPr>
-        <a:xfrm>
-          <a:off x="0" y="0"/>
-          <a:ext cx="0" cy="0"/>
-          <a:chOff x="0" y="0"/>
-          <a:chExt cx="0" cy="0"/>
-        </a:xfrm>
-      </p:grpSpPr>
-      <p:pic>
-        <p:nvPicPr>
-          <p:cNvPr id="2" name="Picture 10" descr="Mario Pattern">
-            <a:extLst>
-              <a:ext uri="{FF2B5EF4-FFF2-40B4-BE49-F238E27FC236}">
-                <a16:creationId xmlns:a16="http://schemas.microsoft.com/office/drawing/2014/main" id="{8F84FFD9-23AF-75F7-6DAA-904525952142}"/>
-              </a:ext>
-            </a:extLst>
-          </p:cNvPr>
-          <p:cNvPicPr>
-            <a:picLocks noChangeAspect="1" noChangeArrowheads="1"/>
-          </p:cNvPicPr>
-          <p:nvPr/>
-        </p:nvPicPr>
-        <p:blipFill rotWithShape="1">
-          <a:blip r:embed="rId2">
-            <a:alphaModFix amt="47000"/>
-            <a:extLst>
-              <a:ext uri="{28A0092B-C50C-407E-A947-70E740481C1C}">
-                <a14:useLocalDpi xmlns:a14="http://schemas.microsoft.com/office/drawing/2010/main" val="0"/>
-              </a:ext>
-            </a:extLst>
-          </a:blip>
-          <a:srcRect l="4595" r="6699"/>
-          <a:stretch/>
-        </p:blipFill>
-        <p:spPr bwMode="auto">
-          <a:xfrm>
-            <a:off x="0" y="-2057400"/>
-            <a:ext cx="12192000" cy="10308201"/>
-          </a:xfrm>
-          <a:prstGeom prst="rect">
-            <a:avLst/>
-          </a:prstGeom>
-          <a:noFill/>
-          <a:extLst>
-            <a:ext uri="{909E8E84-426E-40DD-AFC4-6F175D3DCCD1}">
-              <a14:hiddenFill xmlns:a14="http://schemas.microsoft.com/office/drawing/2010/main">
-                <a:solidFill>
-                  <a:srgbClr val="FFFFFF"/>
-                </a:solidFill>
-              </a14:hiddenFill>
-            </a:ext>
-          </a:extLst>
-        </p:spPr>
-      </p:pic>
-      <p:sp>
-        <p:nvSpPr>
-          <p:cNvPr id="12" name="Line 11"/>
-          <p:cNvSpPr>
-            <a:spLocks noChangeShapeType="1"/>
-          </p:cNvSpPr>
-          <p:nvPr/>
-        </p:nvSpPr>
-        <p:spPr bwMode="auto">
-          <a:xfrm flipV="1">
-            <a:off x="6972300" y="5109836"/>
-            <a:ext cx="609600" cy="533400"/>
-          </a:xfrm>
-          <a:prstGeom prst="line">
-            <a:avLst/>
-          </a:prstGeom>
-          <a:noFill/>
-          <a:ln w="38100">
-            <a:solidFill>
-              <a:srgbClr val="FFFF66"/>
-            </a:solidFill>
-            <a:round/>
-            <a:headEnd/>
-            <a:tailEnd type="triangle" w="med" len="med"/>
-          </a:ln>
-          <a:extLst>
-            <a:ext uri="{909E8E84-426E-40DD-AFC4-6F175D3DCCD1}">
-              <a14:hiddenFill xmlns:a14="http://schemas.microsoft.com/office/drawing/2010/main">
-                <a:noFill/>
-              </a14:hiddenFill>
-            </a:ext>
-          </a:extLst>
-        </p:spPr>
-        <p:txBody>
-          <a:bodyPr wrap="square">
-            <a:spAutoFit/>
-          </a:bodyPr>
-          <a:lstStyle/>
-          <a:p>
-            <a:endParaRPr lang="en-US"/>
-          </a:p>
-        </p:txBody>
-      </p:sp>
-      <p:sp>
-        <p:nvSpPr>
-          <p:cNvPr id="6" name="TextBox 5">
-            <a:extLst>
-              <a:ext uri="{FF2B5EF4-FFF2-40B4-BE49-F238E27FC236}">
-                <a16:creationId xmlns:a16="http://schemas.microsoft.com/office/drawing/2014/main" id="{4F2DA592-D8EB-70BA-2112-6C13A4E7B393}"/>
-              </a:ext>
-            </a:extLst>
-          </p:cNvPr>
-          <p:cNvSpPr txBox="1"/>
-          <p:nvPr/>
-        </p:nvSpPr>
-        <p:spPr>
-          <a:xfrm>
-            <a:off x="457200" y="609600"/>
-            <a:ext cx="11201400" cy="919401"/>
-          </a:xfrm>
-          <a:prstGeom prst="roundRect">
-            <a:avLst/>
-          </a:prstGeom>
-          <a:solidFill>
-            <a:schemeClr val="bg1">
-              <a:alpha val="70000"/>
-            </a:schemeClr>
-          </a:solidFill>
-          <a:ln w="76200">
-            <a:solidFill>
-              <a:srgbClr val="FFC416"/>
-            </a:solidFill>
-          </a:ln>
-        </p:spPr>
-        <p:style>
-          <a:lnRef idx="2">
-            <a:schemeClr val="dk1"/>
-          </a:lnRef>
-          <a:fillRef idx="1">
-            <a:schemeClr val="lt1"/>
-          </a:fillRef>
-          <a:effectRef idx="0">
-            <a:schemeClr val="dk1"/>
-          </a:effectRef>
-          <a:fontRef idx="minor">
-            <a:schemeClr val="dk1"/>
-          </a:fontRef>
-        </p:style>
-        <p:txBody>
-          <a:bodyPr wrap="square" rtlCol="0">
-            <a:spAutoFit/>
-          </a:bodyPr>
-          <a:lstStyle/>
-          <a:p>
-            <a:pPr algn="ctr"/>
-            <a:r>
-              <a:rPr lang="en-US" sz="4800" b="1" dirty="0">
-                <a:solidFill>
-                  <a:srgbClr val="2D3A37"/>
-                </a:solidFill>
-                <a:latin typeface="Adobe Devanagari" panose="02040503050201020203" pitchFamily="18" charset="0"/>
-                <a:cs typeface="Adobe Devanagari" panose="02040503050201020203" pitchFamily="18" charset="0"/>
-              </a:rPr>
-              <a:t>Best Subsets</a:t>
-            </a:r>
-            <a:endParaRPr lang="en-US" sz="4800" dirty="0">
-              <a:solidFill>
-                <a:srgbClr val="2D3A37"/>
-              </a:solidFill>
-            </a:endParaRPr>
-          </a:p>
-        </p:txBody>
-      </p:sp>
-      <p:sp>
-        <p:nvSpPr>
-          <p:cNvPr id="7" name="TextBox 6">
-            <a:extLst>
-              <a:ext uri="{FF2B5EF4-FFF2-40B4-BE49-F238E27FC236}">
-                <a16:creationId xmlns:a16="http://schemas.microsoft.com/office/drawing/2014/main" id="{D9B238EA-D04E-3255-7509-F990F1A8F309}"/>
-              </a:ext>
-            </a:extLst>
-          </p:cNvPr>
-          <p:cNvSpPr txBox="1"/>
-          <p:nvPr/>
-        </p:nvSpPr>
-        <p:spPr>
-          <a:xfrm>
-            <a:off x="457200" y="1981200"/>
-            <a:ext cx="11201400" cy="3915966"/>
-          </a:xfrm>
-          <a:prstGeom prst="roundRect">
-            <a:avLst/>
-          </a:prstGeom>
-          <a:solidFill>
-            <a:schemeClr val="bg1"/>
-          </a:solidFill>
-          <a:ln w="76200">
-            <a:solidFill>
-              <a:srgbClr val="FFC416"/>
-            </a:solidFill>
-          </a:ln>
-        </p:spPr>
-        <p:style>
-          <a:lnRef idx="2">
-            <a:schemeClr val="dk1"/>
-          </a:lnRef>
-          <a:fillRef idx="1">
-            <a:schemeClr val="lt1"/>
-          </a:fillRef>
-          <a:effectRef idx="0">
-            <a:schemeClr val="dk1"/>
-          </a:effectRef>
-          <a:fontRef idx="minor">
-            <a:schemeClr val="dk1"/>
-          </a:fontRef>
-        </p:style>
-        <p:txBody>
-          <a:bodyPr wrap="square" rtlCol="0">
-            <a:spAutoFit/>
-          </a:bodyPr>
-          <a:lstStyle/>
-          <a:p>
-            <a:pPr marL="457200" indent="-457200">
-              <a:buFont typeface="Arial" panose="020B0604020202020204" pitchFamily="34" charset="0"/>
-              <a:buChar char="•"/>
-            </a:pPr>
-            <a:r>
-              <a:rPr lang="en-US" sz="2800" dirty="0">
-                <a:solidFill>
-                  <a:srgbClr val="660066"/>
-                </a:solidFill>
-              </a:rPr>
-              <a:t>Computers are Fast = We Can Fit All Possible Models Most of the Time</a:t>
-            </a:r>
-          </a:p>
-          <a:p>
-            <a:pPr marL="457200" indent="-457200">
-              <a:buFont typeface="Arial" panose="020B0604020202020204" pitchFamily="34" charset="0"/>
-              <a:buChar char="•"/>
-            </a:pPr>
-            <a:endParaRPr lang="en-US" sz="2800" dirty="0">
-              <a:solidFill>
-                <a:srgbClr val="660066"/>
-              </a:solidFill>
-            </a:endParaRPr>
-          </a:p>
-          <a:p>
-            <a:pPr marL="457200" indent="-457200">
-              <a:buFont typeface="Arial" panose="020B0604020202020204" pitchFamily="34" charset="0"/>
-              <a:buChar char="•"/>
-            </a:pPr>
-            <a:r>
-              <a:rPr lang="en-US" sz="2800" dirty="0">
-                <a:solidFill>
-                  <a:srgbClr val="660066"/>
-                </a:solidFill>
-              </a:rPr>
-              <a:t>Good to Start By Removing </a:t>
-            </a:r>
-            <a:r>
-              <a:rPr lang="en-US" sz="2800" b="1" dirty="0">
-                <a:solidFill>
-                  <a:srgbClr val="660066"/>
-                </a:solidFill>
-              </a:rPr>
-              <a:t>Unimportant</a:t>
-            </a:r>
-            <a:r>
-              <a:rPr lang="en-US" sz="2800" dirty="0">
-                <a:solidFill>
-                  <a:srgbClr val="660066"/>
-                </a:solidFill>
-              </a:rPr>
-              <a:t> or </a:t>
-            </a:r>
-            <a:r>
-              <a:rPr lang="en-US" sz="2800" b="1" dirty="0">
-                <a:solidFill>
-                  <a:srgbClr val="660066"/>
-                </a:solidFill>
-              </a:rPr>
-              <a:t>Correlated</a:t>
-            </a:r>
-            <a:r>
-              <a:rPr lang="en-US" sz="2800" dirty="0">
-                <a:solidFill>
-                  <a:srgbClr val="660066"/>
-                </a:solidFill>
-              </a:rPr>
-              <a:t> Predictors</a:t>
-            </a:r>
-          </a:p>
-          <a:p>
-            <a:pPr marL="457200" indent="-457200">
-              <a:buFont typeface="Arial" panose="020B0604020202020204" pitchFamily="34" charset="0"/>
-              <a:buChar char="•"/>
-            </a:pPr>
-            <a:endParaRPr lang="en-US" sz="2800" dirty="0">
-              <a:solidFill>
-                <a:srgbClr val="660066"/>
-              </a:solidFill>
-            </a:endParaRPr>
-          </a:p>
-          <a:p>
-            <a:pPr marL="457200" indent="-457200">
-              <a:buFont typeface="Arial" panose="020B0604020202020204" pitchFamily="34" charset="0"/>
-              <a:buChar char="•"/>
-            </a:pPr>
-            <a:r>
-              <a:rPr lang="en-US" sz="2800" dirty="0">
-                <a:solidFill>
-                  <a:srgbClr val="660066"/>
-                </a:solidFill>
-              </a:rPr>
-              <a:t>Adjusted R-Squared</a:t>
-            </a:r>
-          </a:p>
-          <a:p>
-            <a:pPr marL="914400" lvl="1" indent="-457200">
-              <a:buFont typeface="Arial" panose="020B0604020202020204" pitchFamily="34" charset="0"/>
-              <a:buChar char="•"/>
-            </a:pPr>
-            <a:r>
-              <a:rPr lang="en-US" sz="2800" dirty="0">
-                <a:solidFill>
-                  <a:srgbClr val="660066"/>
-                </a:solidFill>
-              </a:rPr>
-              <a:t>Accounts for the Complexity of the Model</a:t>
-            </a:r>
-          </a:p>
-          <a:p>
-            <a:pPr marL="914400" lvl="1" indent="-457200">
-              <a:buFont typeface="Arial" panose="020B0604020202020204" pitchFamily="34" charset="0"/>
-              <a:buChar char="•"/>
-            </a:pPr>
-            <a:r>
-              <a:rPr lang="en-US" sz="2800" dirty="0">
-                <a:solidFill>
-                  <a:srgbClr val="660066"/>
-                </a:solidFill>
-              </a:rPr>
-              <a:t>Won’t Always Increase Just by Adding More Predictors</a:t>
-            </a:r>
-          </a:p>
-          <a:p>
-            <a:pPr marL="914400" lvl="1" indent="-457200">
-              <a:buFont typeface="Arial" panose="020B0604020202020204" pitchFamily="34" charset="0"/>
-              <a:buChar char="•"/>
-            </a:pPr>
-            <a:r>
-              <a:rPr lang="en-US" sz="2800" dirty="0">
-                <a:solidFill>
-                  <a:srgbClr val="660066"/>
-                </a:solidFill>
-              </a:rPr>
-              <a:t>Find the Best Subset of Predictors that </a:t>
-            </a:r>
-            <a:r>
-              <a:rPr lang="en-US" sz="2800" b="1" dirty="0">
-                <a:solidFill>
-                  <a:srgbClr val="660066"/>
-                </a:solidFill>
-              </a:rPr>
-              <a:t>Maximizes</a:t>
-            </a:r>
-            <a:r>
-              <a:rPr lang="en-US" sz="2800" dirty="0">
-                <a:solidFill>
-                  <a:srgbClr val="660066"/>
-                </a:solidFill>
-              </a:rPr>
-              <a:t> </a:t>
-            </a:r>
-            <a:r>
-              <a:rPr lang="en-US" sz="2800" i="1" dirty="0">
-                <a:solidFill>
-                  <a:srgbClr val="660066"/>
-                </a:solidFill>
-              </a:rPr>
-              <a:t>adj R-Squared</a:t>
-            </a:r>
-          </a:p>
-        </p:txBody>
-      </p:sp>
-    </p:spTree>
-    <p:extLst>
-      <p:ext uri="{BB962C8B-B14F-4D97-AF65-F5344CB8AC3E}">
-        <p14:creationId xmlns:p14="http://schemas.microsoft.com/office/powerpoint/2010/main" val="107432659"/>
-      </p:ext>
-    </p:extLst>
-  </p:cSld>
-  <p:clrMapOvr>
-    <a:masterClrMapping/>
-  </p:clrMapOvr>
-</p:sld>
-</file>
-
-<file path=ppt/slides/slide7.xml><?xml version="1.0" encoding="utf-8"?>
-<p:sld xmlns:a="http://schemas.openxmlformats.org/drawingml/2006/main" xmlns:r="http://schemas.openxmlformats.org/officeDocument/2006/relationships" xmlns:p="http://schemas.openxmlformats.org/presentationml/2006/main">
-  <p:cSld>
-    <p:spTree>
-      <p:nvGrpSpPr>
-        <p:cNvPr id="1" name=""/>
-        <p:cNvGrpSpPr/>
-        <p:nvPr/>
-      </p:nvGrpSpPr>
-      <p:grpSpPr>
-        <a:xfrm>
-          <a:off x="0" y="0"/>
-          <a:ext cx="0" cy="0"/>
-          <a:chOff x="0" y="0"/>
-          <a:chExt cx="0" cy="0"/>
-        </a:xfrm>
-      </p:grpSpPr>
-      <p:pic>
-        <p:nvPicPr>
-          <p:cNvPr id="2" name="Picture 10" descr="Mario Pattern">
-            <a:extLst>
-              <a:ext uri="{FF2B5EF4-FFF2-40B4-BE49-F238E27FC236}">
-                <a16:creationId xmlns:a16="http://schemas.microsoft.com/office/drawing/2014/main" id="{8F84FFD9-23AF-75F7-6DAA-904525952142}"/>
-              </a:ext>
-            </a:extLst>
-          </p:cNvPr>
-          <p:cNvPicPr>
-            <a:picLocks noChangeAspect="1" noChangeArrowheads="1"/>
-          </p:cNvPicPr>
-          <p:nvPr/>
-        </p:nvPicPr>
-        <p:blipFill rotWithShape="1">
-          <a:blip r:embed="rId2">
-            <a:alphaModFix amt="47000"/>
-            <a:extLst>
-              <a:ext uri="{28A0092B-C50C-407E-A947-70E740481C1C}">
-                <a14:useLocalDpi xmlns:a14="http://schemas.microsoft.com/office/drawing/2010/main" val="0"/>
-              </a:ext>
-            </a:extLst>
-          </a:blip>
-          <a:srcRect l="4595" r="6699"/>
-          <a:stretch/>
-        </p:blipFill>
-        <p:spPr bwMode="auto">
-          <a:xfrm>
-            <a:off x="0" y="-2057400"/>
-            <a:ext cx="12192000" cy="10308201"/>
-          </a:xfrm>
-          <a:prstGeom prst="rect">
-            <a:avLst/>
-          </a:prstGeom>
-          <a:noFill/>
-          <a:extLst>
-            <a:ext uri="{909E8E84-426E-40DD-AFC4-6F175D3DCCD1}">
-              <a14:hiddenFill xmlns:a14="http://schemas.microsoft.com/office/drawing/2010/main">
-                <a:solidFill>
-                  <a:srgbClr val="FFFFFF"/>
-                </a:solidFill>
-              </a14:hiddenFill>
-            </a:ext>
-          </a:extLst>
-        </p:spPr>
-      </p:pic>
-      <p:sp>
-        <p:nvSpPr>
-          <p:cNvPr id="12" name="Line 11"/>
-          <p:cNvSpPr>
-            <a:spLocks noChangeShapeType="1"/>
-          </p:cNvSpPr>
-          <p:nvPr/>
-        </p:nvSpPr>
-        <p:spPr bwMode="auto">
-          <a:xfrm flipV="1">
-            <a:off x="6972300" y="5109836"/>
-            <a:ext cx="609600" cy="533400"/>
-          </a:xfrm>
-          <a:prstGeom prst="line">
-            <a:avLst/>
-          </a:prstGeom>
-          <a:noFill/>
-          <a:ln w="38100">
-            <a:solidFill>
-              <a:srgbClr val="FFFF66"/>
-            </a:solidFill>
-            <a:round/>
-            <a:headEnd/>
-            <a:tailEnd type="triangle" w="med" len="med"/>
-          </a:ln>
-          <a:extLst>
-            <a:ext uri="{909E8E84-426E-40DD-AFC4-6F175D3DCCD1}">
-              <a14:hiddenFill xmlns:a14="http://schemas.microsoft.com/office/drawing/2010/main">
-                <a:noFill/>
-              </a14:hiddenFill>
-            </a:ext>
-          </a:extLst>
-        </p:spPr>
-        <p:txBody>
-          <a:bodyPr wrap="square">
-            <a:spAutoFit/>
-          </a:bodyPr>
-          <a:lstStyle/>
-          <a:p>
-            <a:endParaRPr lang="en-US"/>
-          </a:p>
-        </p:txBody>
-      </p:sp>
-      <p:sp>
-        <p:nvSpPr>
-          <p:cNvPr id="6" name="TextBox 5">
-            <a:extLst>
-              <a:ext uri="{FF2B5EF4-FFF2-40B4-BE49-F238E27FC236}">
-                <a16:creationId xmlns:a16="http://schemas.microsoft.com/office/drawing/2014/main" id="{4F2DA592-D8EB-70BA-2112-6C13A4E7B393}"/>
-              </a:ext>
-            </a:extLst>
-          </p:cNvPr>
-          <p:cNvSpPr txBox="1"/>
-          <p:nvPr/>
-        </p:nvSpPr>
-        <p:spPr>
-          <a:xfrm>
-            <a:off x="457200" y="609600"/>
-            <a:ext cx="11201400" cy="919401"/>
-          </a:xfrm>
-          <a:prstGeom prst="roundRect">
-            <a:avLst/>
-          </a:prstGeom>
-          <a:solidFill>
-            <a:schemeClr val="bg1">
-              <a:alpha val="70000"/>
-            </a:schemeClr>
-          </a:solidFill>
-          <a:ln w="76200">
-            <a:solidFill>
-              <a:srgbClr val="FFC416"/>
-            </a:solidFill>
-          </a:ln>
-        </p:spPr>
-        <p:style>
-          <a:lnRef idx="2">
-            <a:schemeClr val="dk1"/>
-          </a:lnRef>
-          <a:fillRef idx="1">
-            <a:schemeClr val="lt1"/>
-          </a:fillRef>
-          <a:effectRef idx="0">
-            <a:schemeClr val="dk1"/>
-          </a:effectRef>
-          <a:fontRef idx="minor">
-            <a:schemeClr val="dk1"/>
-          </a:fontRef>
-        </p:style>
-        <p:txBody>
-          <a:bodyPr wrap="square" rtlCol="0">
-            <a:spAutoFit/>
-          </a:bodyPr>
-          <a:lstStyle/>
-          <a:p>
-            <a:pPr algn="ctr"/>
-            <a:r>
-              <a:rPr lang="en-US" sz="4800" b="1" dirty="0">
-                <a:solidFill>
-                  <a:srgbClr val="2D3A37"/>
-                </a:solidFill>
-                <a:latin typeface="Adobe Devanagari" panose="02040503050201020203" pitchFamily="18" charset="0"/>
-                <a:cs typeface="Adobe Devanagari" panose="02040503050201020203" pitchFamily="18" charset="0"/>
-              </a:rPr>
-              <a:t>Best Subsets</a:t>
-            </a:r>
-            <a:endParaRPr lang="en-US" sz="4800" dirty="0">
-              <a:solidFill>
-                <a:srgbClr val="2D3A37"/>
-              </a:solidFill>
-            </a:endParaRPr>
-          </a:p>
-        </p:txBody>
-      </p:sp>
-      <mc:AlternateContent xmlns:mc="http://schemas.openxmlformats.org/markup-compatibility/2006" xmlns:a14="http://schemas.microsoft.com/office/drawing/2010/main">
-        <mc:Choice Requires="a14">
-          <p:sp>
-            <p:nvSpPr>
-              <p:cNvPr id="7" name="TextBox 6">
-                <a:extLst>
-                  <a:ext uri="{FF2B5EF4-FFF2-40B4-BE49-F238E27FC236}">
-                    <a16:creationId xmlns:a16="http://schemas.microsoft.com/office/drawing/2014/main" id="{D9B238EA-D04E-3255-7509-F990F1A8F309}"/>
-                  </a:ext>
-                </a:extLst>
-              </p:cNvPr>
-              <p:cNvSpPr txBox="1"/>
-              <p:nvPr/>
-            </p:nvSpPr>
-            <p:spPr>
-              <a:xfrm>
-                <a:off x="457200" y="1981200"/>
-                <a:ext cx="11201400" cy="4392692"/>
-              </a:xfrm>
-              <a:prstGeom prst="roundRect">
-                <a:avLst/>
-              </a:prstGeom>
-              <a:solidFill>
-                <a:schemeClr val="bg1"/>
-              </a:solidFill>
-              <a:ln w="76200">
-                <a:solidFill>
-                  <a:srgbClr val="FFC416"/>
-                </a:solidFill>
-              </a:ln>
-            </p:spPr>
-            <p:style>
-              <a:lnRef idx="2">
-                <a:schemeClr val="dk1"/>
-              </a:lnRef>
-              <a:fillRef idx="1">
-                <a:schemeClr val="lt1"/>
-              </a:fillRef>
-              <a:effectRef idx="0">
-                <a:schemeClr val="dk1"/>
-              </a:effectRef>
-              <a:fontRef idx="minor">
-                <a:schemeClr val="dk1"/>
-              </a:fontRef>
-            </p:style>
-            <p:txBody>
-              <a:bodyPr wrap="square" rtlCol="0">
-                <a:spAutoFit/>
-              </a:bodyPr>
-              <a:lstStyle/>
-              <a:p>
-                <a:pPr marL="457200" indent="-457200">
-                  <a:buFont typeface="Arial" panose="020B0604020202020204" pitchFamily="34" charset="0"/>
-                  <a:buChar char="•"/>
-                </a:pPr>
-                <a:r>
-                  <a:rPr lang="en-US" sz="2800" dirty="0">
-                    <a:solidFill>
-                      <a:srgbClr val="660066"/>
-                    </a:solidFill>
-                  </a:rPr>
-                  <a:t>Mallow’s C</a:t>
-                </a:r>
-                <a:r>
-                  <a:rPr lang="en-US" sz="2800" baseline="-25000" dirty="0">
-                    <a:solidFill>
-                      <a:srgbClr val="660066"/>
-                    </a:solidFill>
-                  </a:rPr>
-                  <a:t>p</a:t>
-                </a:r>
-                <a:endParaRPr lang="en-US" sz="2800" dirty="0">
-                  <a:solidFill>
-                    <a:srgbClr val="660066"/>
-                  </a:solidFill>
-                </a:endParaRPr>
-              </a:p>
-              <a:p>
-                <a:pPr marL="914400" lvl="1" indent="-457200">
-                  <a:buFont typeface="Arial" panose="020B0604020202020204" pitchFamily="34" charset="0"/>
-                  <a:buChar char="•"/>
-                </a:pPr>
-                <a:r>
-                  <a:rPr lang="en-US" sz="2800" dirty="0">
-                    <a:solidFill>
-                      <a:srgbClr val="660066"/>
-                    </a:solidFill>
-                  </a:rPr>
-                  <a:t>Most of the Criteria Depend Only On What is </a:t>
-                </a:r>
-                <a:r>
-                  <a:rPr lang="en-US" sz="2800" b="1" dirty="0">
-                    <a:solidFill>
-                      <a:srgbClr val="660066"/>
-                    </a:solidFill>
-                  </a:rPr>
-                  <a:t>in</a:t>
-                </a:r>
-                <a:r>
-                  <a:rPr lang="en-US" sz="2800" dirty="0">
-                    <a:solidFill>
-                      <a:srgbClr val="660066"/>
-                    </a:solidFill>
-                  </a:rPr>
-                  <a:t> the Model</a:t>
-                </a:r>
-              </a:p>
-              <a:p>
-                <a:pPr marL="914400" lvl="1" indent="-457200">
-                  <a:buFont typeface="Arial" panose="020B0604020202020204" pitchFamily="34" charset="0"/>
-                  <a:buChar char="•"/>
-                </a:pPr>
-                <a:r>
-                  <a:rPr lang="en-US" sz="2800" dirty="0">
-                    <a:solidFill>
-                      <a:srgbClr val="660066"/>
-                    </a:solidFill>
-                  </a:rPr>
-                  <a:t>Formula:</a:t>
-                </a:r>
-              </a:p>
-              <a:p>
-                <a:pPr marL="914400" lvl="1" indent="-457200">
-                  <a:buFont typeface="Arial" panose="020B0604020202020204" pitchFamily="34" charset="0"/>
-                  <a:buChar char="•"/>
-                </a:pPr>
-                <a:endParaRPr lang="en-US" sz="2800" dirty="0">
-                  <a:solidFill>
-                    <a:srgbClr val="660066"/>
-                  </a:solidFill>
-                </a:endParaRPr>
-              </a:p>
-              <a:p>
-                <a:pPr marL="914400" lvl="1" indent="-457200">
-                  <a:buFont typeface="Arial" panose="020B0604020202020204" pitchFamily="34" charset="0"/>
-                  <a:buChar char="•"/>
-                </a:pPr>
-                <a:endParaRPr lang="en-US" sz="2800" dirty="0">
-                  <a:solidFill>
-                    <a:srgbClr val="660066"/>
-                  </a:solidFill>
-                </a:endParaRPr>
-              </a:p>
-              <a:p>
-                <a:pPr marL="914400" lvl="1" indent="-457200">
-                  <a:buFont typeface="Arial" panose="020B0604020202020204" pitchFamily="34" charset="0"/>
-                  <a:buChar char="•"/>
-                </a:pPr>
-                <a14:m>
-                  <m:oMath xmlns:m="http://schemas.openxmlformats.org/officeDocument/2006/math">
-                    <m:r>
-                      <a:rPr lang="en-US" sz="2800" b="0" i="1" smtClean="0">
-                        <a:solidFill>
-                          <a:srgbClr val="660066"/>
-                        </a:solidFill>
-                        <a:latin typeface="Cambria Math" panose="02040503050406030204" pitchFamily="18" charset="0"/>
-                      </a:rPr>
-                      <m:t>𝑚</m:t>
-                    </m:r>
-                    <m:r>
-                      <a:rPr lang="en-US" sz="2800" b="0" i="1" smtClean="0">
-                        <a:solidFill>
-                          <a:srgbClr val="660066"/>
-                        </a:solidFill>
-                        <a:latin typeface="Cambria Math" panose="02040503050406030204" pitchFamily="18" charset="0"/>
-                      </a:rPr>
-                      <m:t>=# </m:t>
-                    </m:r>
-                    <m:r>
-                      <a:rPr lang="en-US" sz="2800" b="0" i="1" smtClean="0">
-                        <a:solidFill>
-                          <a:srgbClr val="660066"/>
-                        </a:solidFill>
-                        <a:latin typeface="Cambria Math" panose="02040503050406030204" pitchFamily="18" charset="0"/>
-                      </a:rPr>
-                      <m:t>𝑜𝑓</m:t>
-                    </m:r>
-                    <m:r>
-                      <a:rPr lang="en-US" sz="2800" b="0" i="1" smtClean="0">
-                        <a:solidFill>
-                          <a:srgbClr val="660066"/>
-                        </a:solidFill>
-                        <a:latin typeface="Cambria Math" panose="02040503050406030204" pitchFamily="18" charset="0"/>
-                      </a:rPr>
-                      <m:t> </m:t>
-                    </m:r>
-                    <m:r>
-                      <a:rPr lang="en-US" sz="2800" b="0" i="1" smtClean="0">
-                        <a:solidFill>
-                          <a:srgbClr val="660066"/>
-                        </a:solidFill>
-                        <a:latin typeface="Cambria Math" panose="02040503050406030204" pitchFamily="18" charset="0"/>
-                      </a:rPr>
-                      <m:t>𝑃𝑟𝑒𝑑𝑖𝑐𝑡𝑜𝑟𝑠</m:t>
-                    </m:r>
-                    <m:r>
-                      <a:rPr lang="en-US" sz="2800" b="0" i="1" smtClean="0">
-                        <a:solidFill>
-                          <a:srgbClr val="660066"/>
-                        </a:solidFill>
-                        <a:latin typeface="Cambria Math" panose="02040503050406030204" pitchFamily="18" charset="0"/>
-                      </a:rPr>
-                      <m:t> </m:t>
-                    </m:r>
-                    <m:r>
-                      <a:rPr lang="en-US" sz="2800" b="0" i="1" smtClean="0">
-                        <a:solidFill>
-                          <a:srgbClr val="660066"/>
-                        </a:solidFill>
-                        <a:latin typeface="Cambria Math" panose="02040503050406030204" pitchFamily="18" charset="0"/>
-                      </a:rPr>
-                      <m:t>𝑖𝑛</m:t>
-                    </m:r>
-                    <m:r>
-                      <a:rPr lang="en-US" sz="2800" b="0" i="1" smtClean="0">
-                        <a:solidFill>
-                          <a:srgbClr val="660066"/>
-                        </a:solidFill>
-                        <a:latin typeface="Cambria Math" panose="02040503050406030204" pitchFamily="18" charset="0"/>
-                      </a:rPr>
-                      <m:t> </m:t>
-                    </m:r>
-                    <m:r>
-                      <a:rPr lang="en-US" sz="2800" b="0" i="1" smtClean="0">
-                        <a:solidFill>
-                          <a:srgbClr val="660066"/>
-                        </a:solidFill>
-                        <a:latin typeface="Cambria Math" panose="02040503050406030204" pitchFamily="18" charset="0"/>
-                      </a:rPr>
-                      <m:t>𝑆𝑢𝑏𝑠𝑒𝑡</m:t>
-                    </m:r>
-                    <m:r>
-                      <a:rPr lang="en-US" sz="2800" b="0" i="1" smtClean="0">
-                        <a:solidFill>
-                          <a:srgbClr val="660066"/>
-                        </a:solidFill>
-                        <a:latin typeface="Cambria Math" panose="02040503050406030204" pitchFamily="18" charset="0"/>
-                      </a:rPr>
-                      <m:t> </m:t>
-                    </m:r>
-                    <m:r>
-                      <a:rPr lang="en-US" sz="2800" b="0" i="1" smtClean="0">
-                        <a:solidFill>
-                          <a:srgbClr val="660066"/>
-                        </a:solidFill>
-                        <a:latin typeface="Cambria Math" panose="02040503050406030204" pitchFamily="18" charset="0"/>
-                      </a:rPr>
-                      <m:t>𝑀𝑜𝑑𝑒𝑙</m:t>
-                    </m:r>
-                  </m:oMath>
-                </a14:m>
-                <a:endParaRPr lang="en-US" sz="2800" b="0" i="1" dirty="0">
-                  <a:solidFill>
-                    <a:srgbClr val="660066"/>
-                  </a:solidFill>
-                  <a:latin typeface="Cambria Math" panose="02040503050406030204" pitchFamily="18" charset="0"/>
-                </a:endParaRPr>
-              </a:p>
-              <a:p>
-                <a:pPr marL="914400" lvl="1" indent="-457200">
-                  <a:buFont typeface="Arial" panose="020B0604020202020204" pitchFamily="34" charset="0"/>
-                  <a:buChar char="•"/>
-                </a:pPr>
-                <a14:m>
-                  <m:oMath xmlns:m="http://schemas.openxmlformats.org/officeDocument/2006/math">
-                    <m:r>
-                      <a:rPr lang="en-US" sz="2800" b="0" i="1" smtClean="0">
-                        <a:solidFill>
-                          <a:srgbClr val="660066"/>
-                        </a:solidFill>
-                        <a:latin typeface="Cambria Math" panose="02040503050406030204" pitchFamily="18" charset="0"/>
-                      </a:rPr>
-                      <m:t>𝑆𝑆</m:t>
-                    </m:r>
-                    <m:sSub>
-                      <m:sSubPr>
-                        <m:ctrlPr>
-                          <a:rPr lang="en-US" sz="2800" b="0" i="1" smtClean="0">
-                            <a:solidFill>
-                              <a:srgbClr val="660066"/>
-                            </a:solidFill>
-                            <a:latin typeface="Cambria Math" panose="02040503050406030204" pitchFamily="18" charset="0"/>
-                          </a:rPr>
-                        </m:ctrlPr>
-                      </m:sSubPr>
-                      <m:e>
-                        <m:r>
-                          <a:rPr lang="en-US" sz="2800" b="0" i="1" smtClean="0">
-                            <a:solidFill>
-                              <a:srgbClr val="660066"/>
-                            </a:solidFill>
-                            <a:latin typeface="Cambria Math" panose="02040503050406030204" pitchFamily="18" charset="0"/>
-                          </a:rPr>
-                          <m:t>𝐸</m:t>
-                        </m:r>
-                      </m:e>
-                      <m:sub>
-                        <m:r>
-                          <a:rPr lang="en-US" sz="2800" b="0" i="1" smtClean="0">
-                            <a:solidFill>
-                              <a:srgbClr val="660066"/>
-                            </a:solidFill>
-                            <a:latin typeface="Cambria Math" panose="02040503050406030204" pitchFamily="18" charset="0"/>
-                          </a:rPr>
-                          <m:t>𝑚</m:t>
-                        </m:r>
-                      </m:sub>
-                    </m:sSub>
-                    <m:r>
-                      <a:rPr lang="en-US" sz="2800" b="0" i="1" smtClean="0">
-                        <a:solidFill>
-                          <a:srgbClr val="660066"/>
-                        </a:solidFill>
-                        <a:latin typeface="Cambria Math" panose="02040503050406030204" pitchFamily="18" charset="0"/>
-                      </a:rPr>
-                      <m:t>=</m:t>
-                    </m:r>
-                    <m:r>
-                      <a:rPr lang="en-US" sz="2800" b="0" i="1" smtClean="0">
-                        <a:solidFill>
-                          <a:srgbClr val="660066"/>
-                        </a:solidFill>
-                        <a:latin typeface="Cambria Math" panose="02040503050406030204" pitchFamily="18" charset="0"/>
-                      </a:rPr>
-                      <m:t>𝑆𝑢𝑚</m:t>
-                    </m:r>
-                    <m:r>
-                      <a:rPr lang="en-US" sz="2800" b="0" i="1" smtClean="0">
-                        <a:solidFill>
-                          <a:srgbClr val="660066"/>
-                        </a:solidFill>
-                        <a:latin typeface="Cambria Math" panose="02040503050406030204" pitchFamily="18" charset="0"/>
-                      </a:rPr>
-                      <m:t> </m:t>
-                    </m:r>
-                    <m:r>
-                      <a:rPr lang="en-US" sz="2800" b="0" i="1" smtClean="0">
-                        <a:solidFill>
-                          <a:srgbClr val="660066"/>
-                        </a:solidFill>
-                        <a:latin typeface="Cambria Math" panose="02040503050406030204" pitchFamily="18" charset="0"/>
-                      </a:rPr>
-                      <m:t>𝑜𝑓</m:t>
-                    </m:r>
-                    <m:r>
-                      <a:rPr lang="en-US" sz="2800" b="0" i="1" smtClean="0">
-                        <a:solidFill>
-                          <a:srgbClr val="660066"/>
-                        </a:solidFill>
-                        <a:latin typeface="Cambria Math" panose="02040503050406030204" pitchFamily="18" charset="0"/>
-                      </a:rPr>
-                      <m:t> </m:t>
-                    </m:r>
-                    <m:r>
-                      <a:rPr lang="en-US" sz="2800" b="0" i="1" smtClean="0">
-                        <a:solidFill>
-                          <a:srgbClr val="660066"/>
-                        </a:solidFill>
-                        <a:latin typeface="Cambria Math" panose="02040503050406030204" pitchFamily="18" charset="0"/>
-                      </a:rPr>
-                      <m:t>𝑆𝑞𝑢𝑎𝑟𝑒𝑑</m:t>
-                    </m:r>
-                    <m:r>
-                      <a:rPr lang="en-US" sz="2800" b="0" i="1" smtClean="0">
-                        <a:solidFill>
-                          <a:srgbClr val="660066"/>
-                        </a:solidFill>
-                        <a:latin typeface="Cambria Math" panose="02040503050406030204" pitchFamily="18" charset="0"/>
-                      </a:rPr>
-                      <m:t> </m:t>
-                    </m:r>
-                    <m:r>
-                      <a:rPr lang="en-US" sz="2800" b="0" i="1" smtClean="0">
-                        <a:solidFill>
-                          <a:srgbClr val="660066"/>
-                        </a:solidFill>
-                        <a:latin typeface="Cambria Math" panose="02040503050406030204" pitchFamily="18" charset="0"/>
-                      </a:rPr>
-                      <m:t>𝑅𝑒𝑠𝑖𝑑𝑢𝑎𝑙𝑠</m:t>
-                    </m:r>
-                    <m:r>
-                      <a:rPr lang="en-US" sz="2800" b="0" i="1" smtClean="0">
-                        <a:solidFill>
-                          <a:srgbClr val="660066"/>
-                        </a:solidFill>
-                        <a:latin typeface="Cambria Math" panose="02040503050406030204" pitchFamily="18" charset="0"/>
-                      </a:rPr>
-                      <m:t> </m:t>
-                    </m:r>
-                    <m:r>
-                      <a:rPr lang="en-US" sz="2800" b="0" i="1" smtClean="0">
-                        <a:solidFill>
-                          <a:srgbClr val="660066"/>
-                        </a:solidFill>
-                        <a:latin typeface="Cambria Math" panose="02040503050406030204" pitchFamily="18" charset="0"/>
-                      </a:rPr>
-                      <m:t>𝑜𝑓</m:t>
-                    </m:r>
-                    <m:r>
-                      <a:rPr lang="en-US" sz="2800" b="0" i="1" smtClean="0">
-                        <a:solidFill>
-                          <a:srgbClr val="660066"/>
-                        </a:solidFill>
-                        <a:latin typeface="Cambria Math" panose="02040503050406030204" pitchFamily="18" charset="0"/>
-                      </a:rPr>
-                      <m:t> </m:t>
-                    </m:r>
-                    <m:r>
-                      <a:rPr lang="en-US" sz="2800" b="0" i="1" smtClean="0">
-                        <a:solidFill>
-                          <a:srgbClr val="660066"/>
-                        </a:solidFill>
-                        <a:latin typeface="Cambria Math" panose="02040503050406030204" pitchFamily="18" charset="0"/>
-                      </a:rPr>
-                      <m:t>𝑆𝑢𝑏𝑠𝑒𝑡</m:t>
-                    </m:r>
-                    <m:r>
-                      <a:rPr lang="en-US" sz="2800" b="0" i="1" smtClean="0">
-                        <a:solidFill>
-                          <a:srgbClr val="660066"/>
-                        </a:solidFill>
-                        <a:latin typeface="Cambria Math" panose="02040503050406030204" pitchFamily="18" charset="0"/>
-                      </a:rPr>
-                      <m:t> </m:t>
-                    </m:r>
-                    <m:r>
-                      <a:rPr lang="en-US" sz="2800" b="0" i="1" smtClean="0">
-                        <a:solidFill>
-                          <a:srgbClr val="660066"/>
-                        </a:solidFill>
-                        <a:latin typeface="Cambria Math" panose="02040503050406030204" pitchFamily="18" charset="0"/>
-                      </a:rPr>
-                      <m:t>𝑀𝑜𝑑𝑒𝑙</m:t>
-                    </m:r>
-                  </m:oMath>
-                </a14:m>
-                <a:endParaRPr lang="en-US" sz="2800" dirty="0">
-                  <a:solidFill>
-                    <a:srgbClr val="660066"/>
-                  </a:solidFill>
-                </a:endParaRPr>
-              </a:p>
-              <a:p>
-                <a:pPr marL="914400" lvl="1" indent="-457200">
-                  <a:buFont typeface="Arial" panose="020B0604020202020204" pitchFamily="34" charset="0"/>
-                  <a:buChar char="•"/>
-                </a:pPr>
-                <a14:m>
-                  <m:oMath xmlns:m="http://schemas.openxmlformats.org/officeDocument/2006/math">
-                    <m:r>
-                      <a:rPr lang="en-US" sz="2800" b="0" i="1" smtClean="0">
-                        <a:solidFill>
-                          <a:srgbClr val="660066"/>
-                        </a:solidFill>
-                        <a:latin typeface="Cambria Math" panose="02040503050406030204" pitchFamily="18" charset="0"/>
-                      </a:rPr>
-                      <m:t>𝑀𝑆</m:t>
-                    </m:r>
-                    <m:sSub>
-                      <m:sSubPr>
-                        <m:ctrlPr>
-                          <a:rPr lang="en-US" sz="2800" b="0" i="1" smtClean="0">
-                            <a:solidFill>
-                              <a:srgbClr val="660066"/>
-                            </a:solidFill>
-                            <a:latin typeface="Cambria Math" panose="02040503050406030204" pitchFamily="18" charset="0"/>
-                          </a:rPr>
-                        </m:ctrlPr>
-                      </m:sSubPr>
-                      <m:e>
-                        <m:r>
-                          <a:rPr lang="en-US" sz="2800" b="0" i="1" smtClean="0">
-                            <a:solidFill>
-                              <a:srgbClr val="660066"/>
-                            </a:solidFill>
-                            <a:latin typeface="Cambria Math" panose="02040503050406030204" pitchFamily="18" charset="0"/>
-                          </a:rPr>
-                          <m:t>𝐸</m:t>
-                        </m:r>
-                      </m:e>
-                      <m:sub>
-                        <m:r>
-                          <a:rPr lang="en-US" sz="2800" b="0" i="1" smtClean="0">
-                            <a:solidFill>
-                              <a:srgbClr val="660066"/>
-                            </a:solidFill>
-                            <a:latin typeface="Cambria Math" panose="02040503050406030204" pitchFamily="18" charset="0"/>
-                          </a:rPr>
-                          <m:t>𝑘</m:t>
-                        </m:r>
-                      </m:sub>
-                    </m:sSub>
-                    <m:r>
-                      <a:rPr lang="en-US" sz="2800" b="0" i="1" smtClean="0">
-                        <a:solidFill>
-                          <a:srgbClr val="660066"/>
-                        </a:solidFill>
-                        <a:latin typeface="Cambria Math" panose="02040503050406030204" pitchFamily="18" charset="0"/>
-                      </a:rPr>
-                      <m:t>=</m:t>
-                    </m:r>
-                    <m:r>
-                      <a:rPr lang="en-US" sz="2800" b="0" i="1" smtClean="0">
-                        <a:solidFill>
-                          <a:srgbClr val="660066"/>
-                        </a:solidFill>
-                        <a:latin typeface="Cambria Math" panose="02040503050406030204" pitchFamily="18" charset="0"/>
-                      </a:rPr>
-                      <m:t>𝑀𝑒𝑎𝑛</m:t>
-                    </m:r>
-                    <m:r>
-                      <a:rPr lang="en-US" sz="2800" b="0" i="1" smtClean="0">
-                        <a:solidFill>
-                          <a:srgbClr val="660066"/>
-                        </a:solidFill>
-                        <a:latin typeface="Cambria Math" panose="02040503050406030204" pitchFamily="18" charset="0"/>
-                      </a:rPr>
-                      <m:t> </m:t>
-                    </m:r>
-                    <m:r>
-                      <a:rPr lang="en-US" sz="2800" b="0" i="1" smtClean="0">
-                        <a:solidFill>
-                          <a:srgbClr val="660066"/>
-                        </a:solidFill>
-                        <a:latin typeface="Cambria Math" panose="02040503050406030204" pitchFamily="18" charset="0"/>
-                      </a:rPr>
-                      <m:t>𝑆𝑞𝑢𝑎𝑟𝑒𝑑</m:t>
-                    </m:r>
-                    <m:r>
-                      <a:rPr lang="en-US" sz="2800" b="0" i="1" smtClean="0">
-                        <a:solidFill>
-                          <a:srgbClr val="660066"/>
-                        </a:solidFill>
-                        <a:latin typeface="Cambria Math" panose="02040503050406030204" pitchFamily="18" charset="0"/>
-                      </a:rPr>
-                      <m:t> </m:t>
-                    </m:r>
-                    <m:r>
-                      <a:rPr lang="en-US" sz="2800" b="0" i="1" smtClean="0">
-                        <a:solidFill>
-                          <a:srgbClr val="660066"/>
-                        </a:solidFill>
-                        <a:latin typeface="Cambria Math" panose="02040503050406030204" pitchFamily="18" charset="0"/>
-                      </a:rPr>
-                      <m:t>𝐸𝑟𝑟𝑜𝑟</m:t>
-                    </m:r>
-                    <m:r>
-                      <a:rPr lang="en-US" sz="2800" b="0" i="1" smtClean="0">
-                        <a:solidFill>
-                          <a:srgbClr val="660066"/>
-                        </a:solidFill>
-                        <a:latin typeface="Cambria Math" panose="02040503050406030204" pitchFamily="18" charset="0"/>
-                      </a:rPr>
-                      <m:t> </m:t>
-                    </m:r>
-                    <m:r>
-                      <a:rPr lang="en-US" sz="2800" b="0" i="1" smtClean="0">
-                        <a:solidFill>
-                          <a:srgbClr val="660066"/>
-                        </a:solidFill>
-                        <a:latin typeface="Cambria Math" panose="02040503050406030204" pitchFamily="18" charset="0"/>
-                      </a:rPr>
-                      <m:t>𝑓𝑟𝑜𝑚</m:t>
-                    </m:r>
-                    <m:r>
-                      <a:rPr lang="en-US" sz="2800" b="0" i="1" smtClean="0">
-                        <a:solidFill>
-                          <a:srgbClr val="660066"/>
-                        </a:solidFill>
-                        <a:latin typeface="Cambria Math" panose="02040503050406030204" pitchFamily="18" charset="0"/>
-                      </a:rPr>
-                      <m:t> </m:t>
-                    </m:r>
-                    <m:r>
-                      <a:rPr lang="en-US" sz="2800" b="0" i="1" smtClean="0">
-                        <a:solidFill>
-                          <a:srgbClr val="660066"/>
-                        </a:solidFill>
-                        <a:latin typeface="Cambria Math" panose="02040503050406030204" pitchFamily="18" charset="0"/>
-                      </a:rPr>
-                      <m:t>𝐹𝑢𝑙𝑙</m:t>
-                    </m:r>
-                    <m:r>
-                      <a:rPr lang="en-US" sz="2800" b="0" i="1" smtClean="0">
-                        <a:solidFill>
-                          <a:srgbClr val="660066"/>
-                        </a:solidFill>
-                        <a:latin typeface="Cambria Math" panose="02040503050406030204" pitchFamily="18" charset="0"/>
-                      </a:rPr>
-                      <m:t> </m:t>
-                    </m:r>
-                    <m:r>
-                      <a:rPr lang="en-US" sz="2800" b="0" i="1" smtClean="0">
-                        <a:solidFill>
-                          <a:srgbClr val="660066"/>
-                        </a:solidFill>
-                        <a:latin typeface="Cambria Math" panose="02040503050406030204" pitchFamily="18" charset="0"/>
-                      </a:rPr>
-                      <m:t>𝑀𝑜𝑑𝑒𝑙</m:t>
-                    </m:r>
-                  </m:oMath>
-                </a14:m>
-                <a:endParaRPr lang="en-US" sz="2800" b="0" dirty="0">
-                  <a:solidFill>
-                    <a:srgbClr val="660066"/>
-                  </a:solidFill>
-                </a:endParaRPr>
-              </a:p>
-              <a:p>
-                <a:pPr marL="914400" lvl="1" indent="-457200">
-                  <a:buFont typeface="Arial" panose="020B0604020202020204" pitchFamily="34" charset="0"/>
-                  <a:buChar char="•"/>
-                </a:pPr>
-                <a:r>
-                  <a:rPr lang="en-US" sz="2800" dirty="0">
-                    <a:solidFill>
-                      <a:srgbClr val="660066"/>
-                    </a:solidFill>
-                  </a:rPr>
-                  <a:t>Find the Best Subset of Predictors that </a:t>
-                </a:r>
-                <a:r>
-                  <a:rPr lang="en-US" sz="2800" b="1" dirty="0">
-                    <a:solidFill>
-                      <a:srgbClr val="660066"/>
-                    </a:solidFill>
-                  </a:rPr>
-                  <a:t>Minimizes </a:t>
-                </a:r>
-                <a:r>
-                  <a:rPr lang="en-US" sz="2800" dirty="0">
-                    <a:solidFill>
-                      <a:srgbClr val="660066"/>
-                    </a:solidFill>
-                  </a:rPr>
-                  <a:t>Mallow’s C</a:t>
-                </a:r>
-                <a:r>
-                  <a:rPr lang="en-US" sz="2800" baseline="-25000" dirty="0">
-                    <a:solidFill>
-                      <a:srgbClr val="660066"/>
-                    </a:solidFill>
-                  </a:rPr>
-                  <a:t>p</a:t>
-                </a:r>
-                <a:endParaRPr lang="en-US" sz="2800" dirty="0">
-                  <a:solidFill>
-                    <a:srgbClr val="660066"/>
-                  </a:solidFill>
-                </a:endParaRPr>
-              </a:p>
-            </p:txBody>
-          </p:sp>
-        </mc:Choice>
-        <mc:Fallback xmlns="">
-          <p:sp>
-            <p:nvSpPr>
-              <p:cNvPr id="7" name="TextBox 6">
-                <a:extLst>
-                  <a:ext uri="{FF2B5EF4-FFF2-40B4-BE49-F238E27FC236}">
-                    <a16:creationId xmlns:a16="http://schemas.microsoft.com/office/drawing/2014/main" id="{D9B238EA-D04E-3255-7509-F990F1A8F309}"/>
-                  </a:ext>
-                </a:extLst>
-              </p:cNvPr>
-              <p:cNvSpPr txBox="1">
-                <a:spLocks noRot="1" noChangeAspect="1" noMove="1" noResize="1" noEditPoints="1" noAdjustHandles="1" noChangeArrowheads="1" noChangeShapeType="1" noTextEdit="1"/>
-              </p:cNvSpPr>
-              <p:nvPr/>
-            </p:nvSpPr>
-            <p:spPr>
-              <a:xfrm>
-                <a:off x="457200" y="1981200"/>
-                <a:ext cx="11201400" cy="4392692"/>
-              </a:xfrm>
-              <a:prstGeom prst="roundRect">
-                <a:avLst/>
-              </a:prstGeom>
-              <a:blipFill>
-                <a:blip r:embed="rId3"/>
-                <a:stretch>
-                  <a:fillRect/>
-                </a:stretch>
-              </a:blipFill>
-              <a:ln w="76200">
-                <a:solidFill>
-                  <a:srgbClr val="FFC416"/>
-                </a:solidFill>
-              </a:ln>
-            </p:spPr>
-            <p:txBody>
-              <a:bodyPr/>
-              <a:lstStyle/>
-              <a:p>
-                <a:r>
-                  <a:rPr lang="en-US">
-                    <a:noFill/>
-                  </a:rPr>
-                  <a:t> </a:t>
-                </a:r>
-              </a:p>
-            </p:txBody>
-          </p:sp>
-        </mc:Fallback>
-      </mc:AlternateContent>
-      <mc:AlternateContent xmlns:mc="http://schemas.openxmlformats.org/markup-compatibility/2006" xmlns:a14="http://schemas.microsoft.com/office/drawing/2010/main">
-        <mc:Choice Requires="a14">
-          <p:sp>
-            <p:nvSpPr>
-              <p:cNvPr id="3" name="TextBox 2">
-                <a:extLst>
-                  <a:ext uri="{FF2B5EF4-FFF2-40B4-BE49-F238E27FC236}">
-                    <a16:creationId xmlns:a16="http://schemas.microsoft.com/office/drawing/2014/main" id="{79479AF6-3559-FC38-E289-3F04E2AEDECF}"/>
-                  </a:ext>
-                </a:extLst>
-              </p:cNvPr>
-              <p:cNvSpPr txBox="1"/>
-              <p:nvPr/>
-            </p:nvSpPr>
-            <p:spPr>
-              <a:xfrm>
-                <a:off x="3048000" y="3429000"/>
-                <a:ext cx="5029200" cy="848630"/>
-              </a:xfrm>
-              <a:prstGeom prst="rect">
-                <a:avLst/>
-              </a:prstGeom>
-              <a:noFill/>
-            </p:spPr>
-            <p:txBody>
-              <a:bodyPr wrap="square" rtlCol="0">
-                <a:spAutoFit/>
-              </a:bodyPr>
-              <a:lstStyle/>
-              <a:p>
-                <a:pPr/>
-                <a14:m>
-                  <m:oMathPara xmlns:m="http://schemas.openxmlformats.org/officeDocument/2006/math">
-                    <m:oMathParaPr>
-                      <m:jc m:val="centerGroup"/>
-                    </m:oMathParaPr>
-                    <m:oMath xmlns:m="http://schemas.openxmlformats.org/officeDocument/2006/math">
-                      <m:sSub>
-                        <m:sSubPr>
-                          <m:ctrlPr>
-                            <a:rPr lang="en-US" sz="2400" b="0" i="1" smtClean="0">
-                              <a:latin typeface="Cambria Math" panose="02040503050406030204" pitchFamily="18" charset="0"/>
-                            </a:rPr>
-                          </m:ctrlPr>
-                        </m:sSubPr>
-                        <m:e>
-                          <m:r>
-                            <a:rPr lang="en-US" sz="2400" b="0" i="1" smtClean="0">
-                              <a:latin typeface="Cambria Math" panose="02040503050406030204" pitchFamily="18" charset="0"/>
-                            </a:rPr>
-                            <m:t>𝐶</m:t>
-                          </m:r>
-                        </m:e>
-                        <m:sub>
-                          <m:r>
-                            <a:rPr lang="en-US" sz="2400" b="0" i="1" smtClean="0">
-                              <a:latin typeface="Cambria Math" panose="02040503050406030204" pitchFamily="18" charset="0"/>
-                            </a:rPr>
-                            <m:t>𝑝</m:t>
-                          </m:r>
-                        </m:sub>
-                      </m:sSub>
-                      <m:r>
-                        <a:rPr lang="en-US" sz="2400" b="0" i="1" smtClean="0">
-                          <a:latin typeface="Cambria Math" panose="02040503050406030204" pitchFamily="18" charset="0"/>
-                        </a:rPr>
-                        <m:t>=</m:t>
-                      </m:r>
-                      <m:f>
-                        <m:fPr>
-                          <m:ctrlPr>
-                            <a:rPr lang="en-US" sz="2400" b="0" i="1" smtClean="0">
-                              <a:latin typeface="Cambria Math" panose="02040503050406030204" pitchFamily="18" charset="0"/>
-                            </a:rPr>
-                          </m:ctrlPr>
-                        </m:fPr>
-                        <m:num>
-                          <m:r>
-                            <a:rPr lang="en-US" sz="2400" b="0" i="1" smtClean="0">
-                              <a:latin typeface="Cambria Math" panose="02040503050406030204" pitchFamily="18" charset="0"/>
-                            </a:rPr>
-                            <m:t>𝑆𝑆</m:t>
-                          </m:r>
-                          <m:sSub>
-                            <m:sSubPr>
-                              <m:ctrlPr>
-                                <a:rPr lang="en-US" sz="2400" b="0" i="1" smtClean="0">
-                                  <a:latin typeface="Cambria Math" panose="02040503050406030204" pitchFamily="18" charset="0"/>
-                                </a:rPr>
-                              </m:ctrlPr>
-                            </m:sSubPr>
-                            <m:e>
-                              <m:r>
-                                <a:rPr lang="en-US" sz="2400" b="0" i="1" smtClean="0">
-                                  <a:latin typeface="Cambria Math" panose="02040503050406030204" pitchFamily="18" charset="0"/>
-                                </a:rPr>
-                                <m:t>𝐸</m:t>
-                              </m:r>
-                            </m:e>
-                            <m:sub>
-                              <m:r>
-                                <a:rPr lang="en-US" sz="2400" b="0" i="1" smtClean="0">
-                                  <a:latin typeface="Cambria Math" panose="02040503050406030204" pitchFamily="18" charset="0"/>
-                                </a:rPr>
-                                <m:t>𝑚</m:t>
-                              </m:r>
-                            </m:sub>
-                          </m:sSub>
-                        </m:num>
-                        <m:den>
-                          <m:r>
-                            <a:rPr lang="en-US" sz="2400" b="0" i="1" smtClean="0">
-                              <a:latin typeface="Cambria Math" panose="02040503050406030204" pitchFamily="18" charset="0"/>
-                            </a:rPr>
-                            <m:t>𝑀𝑆</m:t>
-                          </m:r>
-                          <m:sSub>
-                            <m:sSubPr>
-                              <m:ctrlPr>
-                                <a:rPr lang="en-US" sz="2400" b="0" i="1" smtClean="0">
-                                  <a:latin typeface="Cambria Math" panose="02040503050406030204" pitchFamily="18" charset="0"/>
-                                </a:rPr>
-                              </m:ctrlPr>
-                            </m:sSubPr>
-                            <m:e>
-                              <m:r>
-                                <a:rPr lang="en-US" sz="2400" b="0" i="1" smtClean="0">
-                                  <a:latin typeface="Cambria Math" panose="02040503050406030204" pitchFamily="18" charset="0"/>
-                                </a:rPr>
-                                <m:t>𝐸</m:t>
-                              </m:r>
-                            </m:e>
-                            <m:sub>
-                              <m:r>
-                                <a:rPr lang="en-US" sz="2400" b="0" i="1" smtClean="0">
-                                  <a:latin typeface="Cambria Math" panose="02040503050406030204" pitchFamily="18" charset="0"/>
-                                </a:rPr>
-                                <m:t>𝑘</m:t>
-                              </m:r>
-                            </m:sub>
-                          </m:sSub>
-                        </m:den>
-                      </m:f>
-                      <m:r>
-                        <a:rPr lang="en-US" sz="2400" b="0" i="1" smtClean="0">
-                          <a:latin typeface="Cambria Math" panose="02040503050406030204" pitchFamily="18" charset="0"/>
-                        </a:rPr>
-                        <m:t>+2</m:t>
-                      </m:r>
-                      <m:d>
-                        <m:dPr>
-                          <m:ctrlPr>
-                            <a:rPr lang="en-US" sz="2400" b="0" i="1" smtClean="0">
-                              <a:latin typeface="Cambria Math" panose="02040503050406030204" pitchFamily="18" charset="0"/>
-                            </a:rPr>
-                          </m:ctrlPr>
-                        </m:dPr>
-                        <m:e>
-                          <m:r>
-                            <a:rPr lang="en-US" sz="2400" b="0" i="1" smtClean="0">
-                              <a:latin typeface="Cambria Math" panose="02040503050406030204" pitchFamily="18" charset="0"/>
-                            </a:rPr>
-                            <m:t>𝑚</m:t>
-                          </m:r>
-                          <m:r>
-                            <a:rPr lang="en-US" sz="2400" b="0" i="1" smtClean="0">
-                              <a:latin typeface="Cambria Math" panose="02040503050406030204" pitchFamily="18" charset="0"/>
-                            </a:rPr>
-                            <m:t>+1</m:t>
-                          </m:r>
-                        </m:e>
-                      </m:d>
-                      <m:r>
-                        <a:rPr lang="en-US" sz="2400" b="0" i="1" smtClean="0">
-                          <a:latin typeface="Cambria Math" panose="02040503050406030204" pitchFamily="18" charset="0"/>
-                        </a:rPr>
-                        <m:t>−</m:t>
-                      </m:r>
-                      <m:r>
-                        <a:rPr lang="en-US" sz="2400" b="0" i="1" smtClean="0">
-                          <a:latin typeface="Cambria Math" panose="02040503050406030204" pitchFamily="18" charset="0"/>
-                        </a:rPr>
-                        <m:t>𝑛</m:t>
-                      </m:r>
-                    </m:oMath>
-                  </m:oMathPara>
-                </a14:m>
-                <a:endParaRPr lang="en-US" sz="2400" dirty="0"/>
-              </a:p>
-            </p:txBody>
-          </p:sp>
-        </mc:Choice>
-        <mc:Fallback xmlns="">
-          <p:sp>
-            <p:nvSpPr>
-              <p:cNvPr id="3" name="TextBox 2">
-                <a:extLst>
-                  <a:ext uri="{FF2B5EF4-FFF2-40B4-BE49-F238E27FC236}">
-                    <a16:creationId xmlns:a16="http://schemas.microsoft.com/office/drawing/2014/main" id="{79479AF6-3559-FC38-E289-3F04E2AEDECF}"/>
-                  </a:ext>
-                </a:extLst>
-              </p:cNvPr>
-              <p:cNvSpPr txBox="1">
-                <a:spLocks noRot="1" noChangeAspect="1" noMove="1" noResize="1" noEditPoints="1" noAdjustHandles="1" noChangeArrowheads="1" noChangeShapeType="1" noTextEdit="1"/>
-              </p:cNvSpPr>
-              <p:nvPr/>
-            </p:nvSpPr>
-            <p:spPr>
-              <a:xfrm>
-                <a:off x="3048000" y="3429000"/>
-                <a:ext cx="5029200" cy="848630"/>
-              </a:xfrm>
-              <a:prstGeom prst="rect">
-                <a:avLst/>
-              </a:prstGeom>
-              <a:blipFill>
-                <a:blip r:embed="rId4"/>
-                <a:stretch>
-                  <a:fillRect/>
-                </a:stretch>
-              </a:blipFill>
-            </p:spPr>
-            <p:txBody>
-              <a:bodyPr/>
-              <a:lstStyle/>
-              <a:p>
-                <a:r>
-                  <a:rPr lang="en-US">
-                    <a:noFill/>
-                  </a:rPr>
-                  <a:t> </a:t>
-                </a:r>
-              </a:p>
-            </p:txBody>
-          </p:sp>
-        </mc:Fallback>
-      </mc:AlternateContent>
-    </p:spTree>
-    <p:extLst>
-      <p:ext uri="{BB962C8B-B14F-4D97-AF65-F5344CB8AC3E}">
-        <p14:creationId xmlns:p14="http://schemas.microsoft.com/office/powerpoint/2010/main" val="2349355761"/>
-      </p:ext>
-    </p:extLst>
-  </p:cSld>
-  <p:clrMapOvr>
-    <a:masterClrMapping/>
-  </p:clrMapOvr>
-</p:sld>
-</file>
-
-<file path=ppt/slides/slide8.xml><?xml version="1.0" encoding="utf-8"?>
-<p:sld xmlns:a="http://schemas.openxmlformats.org/drawingml/2006/main" xmlns:r="http://schemas.openxmlformats.org/officeDocument/2006/relationships" xmlns:p="http://schemas.openxmlformats.org/presentationml/2006/main">
-  <p:cSld>
-    <p:spTree>
-      <p:nvGrpSpPr>
-        <p:cNvPr id="1" name=""/>
-        <p:cNvGrpSpPr/>
-        <p:nvPr/>
-      </p:nvGrpSpPr>
-      <p:grpSpPr>
-        <a:xfrm>
-          <a:off x="0" y="0"/>
-          <a:ext cx="0" cy="0"/>
-          <a:chOff x="0" y="0"/>
-          <a:chExt cx="0" cy="0"/>
-        </a:xfrm>
-      </p:grpSpPr>
-      <p:pic>
-        <p:nvPicPr>
-          <p:cNvPr id="2" name="Picture 10" descr="Mario Pattern">
-            <a:extLst>
-              <a:ext uri="{FF2B5EF4-FFF2-40B4-BE49-F238E27FC236}">
-                <a16:creationId xmlns:a16="http://schemas.microsoft.com/office/drawing/2014/main" id="{8F84FFD9-23AF-75F7-6DAA-904525952142}"/>
-              </a:ext>
-            </a:extLst>
-          </p:cNvPr>
-          <p:cNvPicPr>
-            <a:picLocks noChangeAspect="1" noChangeArrowheads="1"/>
-          </p:cNvPicPr>
-          <p:nvPr/>
-        </p:nvPicPr>
-        <p:blipFill rotWithShape="1">
-          <a:blip r:embed="rId2">
-            <a:alphaModFix amt="47000"/>
-            <a:extLst>
-              <a:ext uri="{28A0092B-C50C-407E-A947-70E740481C1C}">
-                <a14:useLocalDpi xmlns:a14="http://schemas.microsoft.com/office/drawing/2010/main" val="0"/>
-              </a:ext>
-            </a:extLst>
-          </a:blip>
-          <a:srcRect l="4595" r="6699"/>
-          <a:stretch/>
-        </p:blipFill>
-        <p:spPr bwMode="auto">
-          <a:xfrm>
-            <a:off x="0" y="-2057400"/>
-            <a:ext cx="12192000" cy="10308201"/>
-          </a:xfrm>
-          <a:prstGeom prst="rect">
-            <a:avLst/>
-          </a:prstGeom>
-          <a:noFill/>
-          <a:extLst>
-            <a:ext uri="{909E8E84-426E-40DD-AFC4-6F175D3DCCD1}">
-              <a14:hiddenFill xmlns:a14="http://schemas.microsoft.com/office/drawing/2010/main">
-                <a:solidFill>
-                  <a:srgbClr val="FFFFFF"/>
-                </a:solidFill>
-              </a14:hiddenFill>
-            </a:ext>
-          </a:extLst>
-        </p:spPr>
-      </p:pic>
-      <p:sp>
-        <p:nvSpPr>
-          <p:cNvPr id="12" name="Line 11"/>
-          <p:cNvSpPr>
-            <a:spLocks noChangeShapeType="1"/>
-          </p:cNvSpPr>
-          <p:nvPr/>
-        </p:nvSpPr>
-        <p:spPr bwMode="auto">
-          <a:xfrm flipV="1">
-            <a:off x="6972300" y="5109836"/>
-            <a:ext cx="609600" cy="533400"/>
-          </a:xfrm>
-          <a:prstGeom prst="line">
-            <a:avLst/>
-          </a:prstGeom>
-          <a:noFill/>
-          <a:ln w="38100">
-            <a:solidFill>
-              <a:srgbClr val="FFFF66"/>
-            </a:solidFill>
-            <a:round/>
-            <a:headEnd/>
-            <a:tailEnd type="triangle" w="med" len="med"/>
-          </a:ln>
-          <a:extLst>
-            <a:ext uri="{909E8E84-426E-40DD-AFC4-6F175D3DCCD1}">
-              <a14:hiddenFill xmlns:a14="http://schemas.microsoft.com/office/drawing/2010/main">
-                <a:noFill/>
-              </a14:hiddenFill>
-            </a:ext>
-          </a:extLst>
-        </p:spPr>
-        <p:txBody>
-          <a:bodyPr wrap="square">
-            <a:spAutoFit/>
-          </a:bodyPr>
-          <a:lstStyle/>
-          <a:p>
-            <a:endParaRPr lang="en-US"/>
-          </a:p>
-        </p:txBody>
-      </p:sp>
-      <p:sp>
-        <p:nvSpPr>
-          <p:cNvPr id="6" name="TextBox 5">
-            <a:extLst>
-              <a:ext uri="{FF2B5EF4-FFF2-40B4-BE49-F238E27FC236}">
-                <a16:creationId xmlns:a16="http://schemas.microsoft.com/office/drawing/2014/main" id="{4F2DA592-D8EB-70BA-2112-6C13A4E7B393}"/>
-              </a:ext>
-            </a:extLst>
-          </p:cNvPr>
-          <p:cNvSpPr txBox="1"/>
-          <p:nvPr/>
-        </p:nvSpPr>
-        <p:spPr>
-          <a:xfrm>
-            <a:off x="457200" y="609600"/>
-            <a:ext cx="11201400" cy="919401"/>
-          </a:xfrm>
-          <a:prstGeom prst="roundRect">
-            <a:avLst/>
-          </a:prstGeom>
-          <a:solidFill>
-            <a:schemeClr val="bg1">
-              <a:alpha val="70000"/>
-            </a:schemeClr>
-          </a:solidFill>
-          <a:ln w="76200">
-            <a:solidFill>
-              <a:srgbClr val="FFC416"/>
-            </a:solidFill>
-          </a:ln>
-        </p:spPr>
-        <p:style>
-          <a:lnRef idx="2">
-            <a:schemeClr val="dk1"/>
-          </a:lnRef>
-          <a:fillRef idx="1">
-            <a:schemeClr val="lt1"/>
-          </a:fillRef>
-          <a:effectRef idx="0">
-            <a:schemeClr val="dk1"/>
-          </a:effectRef>
-          <a:fontRef idx="minor">
-            <a:schemeClr val="dk1"/>
-          </a:fontRef>
-        </p:style>
-        <p:txBody>
-          <a:bodyPr wrap="square" rtlCol="0">
-            <a:spAutoFit/>
-          </a:bodyPr>
-          <a:lstStyle/>
-          <a:p>
-            <a:pPr algn="ctr"/>
-            <a:r>
-              <a:rPr lang="en-US" sz="4800" b="1" dirty="0">
-                <a:solidFill>
-                  <a:srgbClr val="2D3A37"/>
-                </a:solidFill>
-                <a:latin typeface="Adobe Devanagari" panose="02040503050201020203" pitchFamily="18" charset="0"/>
-                <a:cs typeface="Adobe Devanagari" panose="02040503050201020203" pitchFamily="18" charset="0"/>
-              </a:rPr>
-              <a:t>Best Subsets</a:t>
-            </a:r>
-            <a:endParaRPr lang="en-US" sz="4800" dirty="0">
-              <a:solidFill>
-                <a:srgbClr val="2D3A37"/>
-              </a:solidFill>
-            </a:endParaRPr>
-          </a:p>
-        </p:txBody>
-      </p:sp>
-      <p:sp>
-        <p:nvSpPr>
-          <p:cNvPr id="7" name="TextBox 6">
-            <a:extLst>
-              <a:ext uri="{FF2B5EF4-FFF2-40B4-BE49-F238E27FC236}">
-                <a16:creationId xmlns:a16="http://schemas.microsoft.com/office/drawing/2014/main" id="{D9B238EA-D04E-3255-7509-F990F1A8F309}"/>
-              </a:ext>
-            </a:extLst>
-          </p:cNvPr>
-          <p:cNvSpPr txBox="1"/>
-          <p:nvPr/>
-        </p:nvSpPr>
-        <p:spPr>
-          <a:xfrm>
-            <a:off x="457200" y="1981200"/>
-            <a:ext cx="11201400" cy="4392692"/>
-          </a:xfrm>
-          <a:prstGeom prst="roundRect">
-            <a:avLst/>
-          </a:prstGeom>
-          <a:solidFill>
-            <a:schemeClr val="bg1"/>
-          </a:solidFill>
-          <a:ln w="76200">
-            <a:solidFill>
-              <a:srgbClr val="FFC416"/>
-            </a:solidFill>
-          </a:ln>
-        </p:spPr>
-        <p:style>
-          <a:lnRef idx="2">
-            <a:schemeClr val="dk1"/>
-          </a:lnRef>
-          <a:fillRef idx="1">
-            <a:schemeClr val="lt1"/>
-          </a:fillRef>
-          <a:effectRef idx="0">
-            <a:schemeClr val="dk1"/>
-          </a:effectRef>
-          <a:fontRef idx="minor">
-            <a:schemeClr val="dk1"/>
-          </a:fontRef>
-        </p:style>
-        <p:txBody>
-          <a:bodyPr wrap="square" rtlCol="0">
-            <a:spAutoFit/>
-          </a:bodyPr>
-          <a:lstStyle/>
-          <a:p>
-            <a:pPr marL="457200" indent="-457200">
-              <a:buFont typeface="Arial" panose="020B0604020202020204" pitchFamily="34" charset="0"/>
-              <a:buChar char="•"/>
-            </a:pPr>
-            <a:r>
-              <a:rPr lang="en-US" sz="2800" dirty="0">
-                <a:solidFill>
-                  <a:srgbClr val="660066"/>
-                </a:solidFill>
-              </a:rPr>
-              <a:t>Akaike’s Information Criterion (AIC) </a:t>
-            </a:r>
-          </a:p>
-          <a:p>
-            <a:pPr marL="914400" lvl="1" indent="-457200">
-              <a:buFont typeface="Arial" panose="020B0604020202020204" pitchFamily="34" charset="0"/>
-              <a:buChar char="•"/>
-            </a:pPr>
-            <a:r>
-              <a:rPr lang="en-US" sz="2800" dirty="0">
-                <a:solidFill>
-                  <a:srgbClr val="660066"/>
-                </a:solidFill>
-              </a:rPr>
-              <a:t>Penalizes Based Off Complexity and Smaller is Better</a:t>
-            </a:r>
-          </a:p>
-          <a:p>
-            <a:pPr marL="914400" lvl="1" indent="-457200">
-              <a:buFont typeface="Arial" panose="020B0604020202020204" pitchFamily="34" charset="0"/>
-              <a:buChar char="•"/>
-            </a:pPr>
-            <a:r>
-              <a:rPr lang="en-US" sz="2800" dirty="0">
-                <a:solidFill>
-                  <a:srgbClr val="660066"/>
-                </a:solidFill>
-              </a:rPr>
-              <a:t>Formula:</a:t>
-            </a:r>
-          </a:p>
-          <a:p>
-            <a:pPr lvl="1"/>
-            <a:endParaRPr lang="en-US" sz="2800" dirty="0">
-              <a:solidFill>
-                <a:srgbClr val="660066"/>
-              </a:solidFill>
-            </a:endParaRPr>
-          </a:p>
-          <a:p>
-            <a:pPr marL="457200" indent="-457200">
-              <a:buFont typeface="Arial" panose="020B0604020202020204" pitchFamily="34" charset="0"/>
-              <a:buChar char="•"/>
-            </a:pPr>
-            <a:r>
-              <a:rPr lang="en-US" sz="2800" dirty="0">
-                <a:solidFill>
-                  <a:srgbClr val="660066"/>
-                </a:solidFill>
-              </a:rPr>
-              <a:t>Bayesian Information Criterion (BIC)</a:t>
-            </a:r>
-          </a:p>
-          <a:p>
-            <a:pPr marL="914400" lvl="1" indent="-457200">
-              <a:buFont typeface="Arial" panose="020B0604020202020204" pitchFamily="34" charset="0"/>
-              <a:buChar char="•"/>
-            </a:pPr>
-            <a:r>
-              <a:rPr lang="en-US" sz="2800" dirty="0">
-                <a:solidFill>
-                  <a:srgbClr val="660066"/>
-                </a:solidFill>
-              </a:rPr>
-              <a:t>Penalizes Based Off Complexity and Smaller is Better</a:t>
-            </a:r>
-          </a:p>
-          <a:p>
-            <a:pPr marL="914400" lvl="1" indent="-457200">
-              <a:buFont typeface="Arial" panose="020B0604020202020204" pitchFamily="34" charset="0"/>
-              <a:buChar char="•"/>
-            </a:pPr>
-            <a:r>
-              <a:rPr lang="en-US" sz="2800" dirty="0">
-                <a:solidFill>
-                  <a:srgbClr val="660066"/>
-                </a:solidFill>
-              </a:rPr>
-              <a:t>Formula:</a:t>
-            </a:r>
-          </a:p>
-          <a:p>
-            <a:pPr marL="914400" lvl="1" indent="-457200">
-              <a:buFont typeface="Arial" panose="020B0604020202020204" pitchFamily="34" charset="0"/>
-              <a:buChar char="•"/>
-            </a:pPr>
-            <a:endParaRPr lang="en-US" sz="2800" dirty="0">
-              <a:solidFill>
-                <a:srgbClr val="660066"/>
-              </a:solidFill>
-            </a:endParaRPr>
-          </a:p>
-          <a:p>
-            <a:pPr marL="457200" indent="-457200">
-              <a:buFont typeface="Arial" panose="020B0604020202020204" pitchFamily="34" charset="0"/>
-              <a:buChar char="•"/>
-            </a:pPr>
-            <a:r>
-              <a:rPr lang="en-US" sz="2800" dirty="0">
-                <a:solidFill>
-                  <a:srgbClr val="660066"/>
-                </a:solidFill>
-              </a:rPr>
-              <a:t>Penalty in BIC is Larger than Penalty in AIC when </a:t>
-            </a:r>
-            <a:r>
-              <a:rPr lang="en-US" sz="2800" i="1" dirty="0">
-                <a:solidFill>
-                  <a:srgbClr val="660066"/>
-                </a:solidFill>
-              </a:rPr>
-              <a:t>n&gt;7.</a:t>
-            </a:r>
-            <a:endParaRPr lang="en-US" sz="2800" dirty="0">
-              <a:solidFill>
-                <a:srgbClr val="660066"/>
-              </a:solidFill>
-            </a:endParaRPr>
-          </a:p>
-        </p:txBody>
-      </p:sp>
-      <mc:AlternateContent xmlns:mc="http://schemas.openxmlformats.org/markup-compatibility/2006" xmlns:a14="http://schemas.microsoft.com/office/drawing/2010/main">
-        <mc:Choice Requires="a14">
-          <p:sp>
-            <p:nvSpPr>
-              <p:cNvPr id="3" name="TextBox 2">
-                <a:extLst>
-                  <a:ext uri="{FF2B5EF4-FFF2-40B4-BE49-F238E27FC236}">
-                    <a16:creationId xmlns:a16="http://schemas.microsoft.com/office/drawing/2014/main" id="{79479AF6-3559-FC38-E289-3F04E2AEDECF}"/>
-                  </a:ext>
-                </a:extLst>
-              </p:cNvPr>
-              <p:cNvSpPr txBox="1"/>
-              <p:nvPr/>
-            </p:nvSpPr>
-            <p:spPr>
-              <a:xfrm>
-                <a:off x="3075709" y="3314686"/>
-                <a:ext cx="5029200" cy="461665"/>
-              </a:xfrm>
-              <a:prstGeom prst="rect">
-                <a:avLst/>
-              </a:prstGeom>
-              <a:noFill/>
-            </p:spPr>
-            <p:txBody>
-              <a:bodyPr wrap="square" rtlCol="0">
-                <a:spAutoFit/>
-              </a:bodyPr>
-              <a:lstStyle/>
-              <a:p>
-                <a:pPr/>
-                <a14:m>
-                  <m:oMathPara xmlns:m="http://schemas.openxmlformats.org/officeDocument/2006/math">
-                    <m:oMathParaPr>
-                      <m:jc m:val="centerGroup"/>
-                    </m:oMathParaPr>
-                    <m:oMath xmlns:m="http://schemas.openxmlformats.org/officeDocument/2006/math">
-                      <m:r>
-                        <a:rPr lang="en-US" sz="2400" b="0" i="1" smtClean="0">
-                          <a:latin typeface="Cambria Math" panose="02040503050406030204" pitchFamily="18" charset="0"/>
-                        </a:rPr>
-                        <m:t>𝐴𝐼𝐶</m:t>
-                      </m:r>
-                      <m:r>
-                        <a:rPr lang="en-US" sz="2400" b="0" i="1" smtClean="0">
-                          <a:latin typeface="Cambria Math" panose="02040503050406030204" pitchFamily="18" charset="0"/>
-                        </a:rPr>
-                        <m:t>=−2</m:t>
-                      </m:r>
-                      <m:func>
-                        <m:funcPr>
-                          <m:ctrlPr>
-                            <a:rPr lang="en-US" sz="2400" b="0" i="1" smtClean="0">
-                              <a:latin typeface="Cambria Math" panose="02040503050406030204" pitchFamily="18" charset="0"/>
-                            </a:rPr>
-                          </m:ctrlPr>
-                        </m:funcPr>
-                        <m:fName>
-                          <m:r>
-                            <m:rPr>
-                              <m:sty m:val="p"/>
-                            </m:rPr>
-                            <a:rPr lang="en-US" sz="2400" b="0" i="0" smtClean="0">
-                              <a:latin typeface="Cambria Math" panose="02040503050406030204" pitchFamily="18" charset="0"/>
-                            </a:rPr>
-                            <m:t>log</m:t>
-                          </m:r>
-                        </m:fName>
-                        <m:e>
-                          <m:d>
-                            <m:dPr>
-                              <m:ctrlPr>
-                                <a:rPr lang="en-US" sz="2400" b="0" i="1" smtClean="0">
-                                  <a:latin typeface="Cambria Math" panose="02040503050406030204" pitchFamily="18" charset="0"/>
-                                </a:rPr>
-                              </m:ctrlPr>
-                            </m:dPr>
-                            <m:e>
-                              <m:r>
-                                <a:rPr lang="en-US" sz="2400" b="0" i="1" smtClean="0">
-                                  <a:latin typeface="Cambria Math" panose="02040503050406030204" pitchFamily="18" charset="0"/>
-                                </a:rPr>
-                                <m:t>𝐿𝑖𝑘𝑒𝑙𝑖h𝑜𝑜𝑑</m:t>
-                              </m:r>
-                            </m:e>
-                          </m:d>
-                        </m:e>
-                      </m:func>
-                      <m:r>
-                        <a:rPr lang="en-US" sz="2400" b="0" i="1" smtClean="0">
-                          <a:latin typeface="Cambria Math" panose="02040503050406030204" pitchFamily="18" charset="0"/>
-                        </a:rPr>
-                        <m:t>+2</m:t>
-                      </m:r>
-                      <m:r>
-                        <a:rPr lang="en-US" sz="2400" b="0" i="1" smtClean="0">
-                          <a:latin typeface="Cambria Math" panose="02040503050406030204" pitchFamily="18" charset="0"/>
-                        </a:rPr>
-                        <m:t>𝑘</m:t>
-                      </m:r>
-                    </m:oMath>
-                  </m:oMathPara>
-                </a14:m>
-                <a:endParaRPr lang="en-US" sz="2400" dirty="0"/>
-              </a:p>
-            </p:txBody>
-          </p:sp>
-        </mc:Choice>
-        <mc:Fallback xmlns="">
-          <p:sp>
-            <p:nvSpPr>
-              <p:cNvPr id="3" name="TextBox 2">
-                <a:extLst>
-                  <a:ext uri="{FF2B5EF4-FFF2-40B4-BE49-F238E27FC236}">
-                    <a16:creationId xmlns:a16="http://schemas.microsoft.com/office/drawing/2014/main" id="{79479AF6-3559-FC38-E289-3F04E2AEDECF}"/>
-                  </a:ext>
-                </a:extLst>
-              </p:cNvPr>
-              <p:cNvSpPr txBox="1">
-                <a:spLocks noRot="1" noChangeAspect="1" noMove="1" noResize="1" noEditPoints="1" noAdjustHandles="1" noChangeArrowheads="1" noChangeShapeType="1" noTextEdit="1"/>
-              </p:cNvSpPr>
-              <p:nvPr/>
-            </p:nvSpPr>
-            <p:spPr>
-              <a:xfrm>
-                <a:off x="3075709" y="3314686"/>
-                <a:ext cx="5029200" cy="461665"/>
-              </a:xfrm>
-              <a:prstGeom prst="rect">
-                <a:avLst/>
-              </a:prstGeom>
-              <a:blipFill>
-                <a:blip r:embed="rId3"/>
-                <a:stretch>
-                  <a:fillRect b="-18667"/>
-                </a:stretch>
-              </a:blipFill>
-            </p:spPr>
-            <p:txBody>
-              <a:bodyPr/>
-              <a:lstStyle/>
-              <a:p>
-                <a:r>
-                  <a:rPr lang="en-US">
-                    <a:noFill/>
-                  </a:rPr>
-                  <a:t> </a:t>
-                </a:r>
-              </a:p>
-            </p:txBody>
-          </p:sp>
-        </mc:Fallback>
-      </mc:AlternateContent>
-      <mc:AlternateContent xmlns:mc="http://schemas.openxmlformats.org/markup-compatibility/2006" xmlns:a14="http://schemas.microsoft.com/office/drawing/2010/main">
-        <mc:Choice Requires="a14">
-          <p:sp>
-            <p:nvSpPr>
-              <p:cNvPr id="4" name="TextBox 3">
-                <a:extLst>
-                  <a:ext uri="{FF2B5EF4-FFF2-40B4-BE49-F238E27FC236}">
-                    <a16:creationId xmlns:a16="http://schemas.microsoft.com/office/drawing/2014/main" id="{EEBE1C95-0C84-13FF-E5EC-14DA1D1EAE16}"/>
-                  </a:ext>
-                </a:extLst>
-              </p:cNvPr>
-              <p:cNvSpPr txBox="1"/>
-              <p:nvPr/>
-            </p:nvSpPr>
-            <p:spPr>
-              <a:xfrm>
-                <a:off x="2694709" y="5095981"/>
-                <a:ext cx="5791200" cy="461665"/>
-              </a:xfrm>
-              <a:prstGeom prst="rect">
-                <a:avLst/>
-              </a:prstGeom>
-              <a:noFill/>
-            </p:spPr>
-            <p:txBody>
-              <a:bodyPr wrap="square" rtlCol="0">
-                <a:spAutoFit/>
-              </a:bodyPr>
-              <a:lstStyle/>
-              <a:p>
-                <a:pPr/>
-                <a14:m>
-                  <m:oMathPara xmlns:m="http://schemas.openxmlformats.org/officeDocument/2006/math">
-                    <m:oMathParaPr>
-                      <m:jc m:val="centerGroup"/>
-                    </m:oMathParaPr>
-                    <m:oMath xmlns:m="http://schemas.openxmlformats.org/officeDocument/2006/math">
-                      <m:r>
-                        <a:rPr lang="en-US" sz="2400" b="0" i="1" smtClean="0">
-                          <a:latin typeface="Cambria Math" panose="02040503050406030204" pitchFamily="18" charset="0"/>
-                        </a:rPr>
-                        <m:t>𝐵𝐼𝐶</m:t>
-                      </m:r>
-                      <m:r>
-                        <a:rPr lang="en-US" sz="2400" b="0" i="1" smtClean="0">
-                          <a:latin typeface="Cambria Math" panose="02040503050406030204" pitchFamily="18" charset="0"/>
-                        </a:rPr>
-                        <m:t>=−2</m:t>
-                      </m:r>
-                      <m:func>
-                        <m:funcPr>
-                          <m:ctrlPr>
-                            <a:rPr lang="en-US" sz="2400" b="0" i="1" smtClean="0">
-                              <a:latin typeface="Cambria Math" panose="02040503050406030204" pitchFamily="18" charset="0"/>
-                            </a:rPr>
-                          </m:ctrlPr>
-                        </m:funcPr>
-                        <m:fName>
-                          <m:r>
-                            <m:rPr>
-                              <m:sty m:val="p"/>
-                            </m:rPr>
-                            <a:rPr lang="en-US" sz="2400" b="0" i="0" smtClean="0">
-                              <a:latin typeface="Cambria Math" panose="02040503050406030204" pitchFamily="18" charset="0"/>
-                            </a:rPr>
-                            <m:t>log</m:t>
-                          </m:r>
-                        </m:fName>
-                        <m:e>
-                          <m:d>
-                            <m:dPr>
-                              <m:ctrlPr>
-                                <a:rPr lang="en-US" sz="2400" b="0" i="1" smtClean="0">
-                                  <a:latin typeface="Cambria Math" panose="02040503050406030204" pitchFamily="18" charset="0"/>
-                                </a:rPr>
-                              </m:ctrlPr>
-                            </m:dPr>
-                            <m:e>
-                              <m:r>
-                                <a:rPr lang="en-US" sz="2400" b="0" i="1" smtClean="0">
-                                  <a:latin typeface="Cambria Math" panose="02040503050406030204" pitchFamily="18" charset="0"/>
-                                </a:rPr>
-                                <m:t>𝐿𝑖𝑘𝑒𝑙𝑖h𝑜𝑜𝑑</m:t>
-                              </m:r>
-                            </m:e>
-                          </m:d>
-                        </m:e>
-                      </m:func>
-                      <m:r>
-                        <a:rPr lang="en-US" sz="2400" b="0" i="1" smtClean="0">
-                          <a:latin typeface="Cambria Math" panose="02040503050406030204" pitchFamily="18" charset="0"/>
-                        </a:rPr>
-                        <m:t>+</m:t>
-                      </m:r>
-                      <m:func>
-                        <m:funcPr>
-                          <m:ctrlPr>
-                            <a:rPr lang="en-US" sz="2400" b="0" i="1" smtClean="0">
-                              <a:latin typeface="Cambria Math" panose="02040503050406030204" pitchFamily="18" charset="0"/>
-                            </a:rPr>
-                          </m:ctrlPr>
-                        </m:funcPr>
-                        <m:fName>
-                          <m:r>
-                            <m:rPr>
-                              <m:sty m:val="p"/>
-                            </m:rPr>
-                            <a:rPr lang="en-US" sz="2400" b="0" i="0" smtClean="0">
-                              <a:latin typeface="Cambria Math" panose="02040503050406030204" pitchFamily="18" charset="0"/>
-                            </a:rPr>
-                            <m:t>log</m:t>
-                          </m:r>
-                        </m:fName>
-                        <m:e>
-                          <m:d>
-                            <m:dPr>
-                              <m:ctrlPr>
-                                <a:rPr lang="en-US" sz="2400" b="0" i="1" smtClean="0">
-                                  <a:latin typeface="Cambria Math" panose="02040503050406030204" pitchFamily="18" charset="0"/>
-                                </a:rPr>
-                              </m:ctrlPr>
-                            </m:dPr>
-                            <m:e>
-                              <m:r>
-                                <a:rPr lang="en-US" sz="2400" b="0" i="1" smtClean="0">
-                                  <a:latin typeface="Cambria Math" panose="02040503050406030204" pitchFamily="18" charset="0"/>
-                                </a:rPr>
-                                <m:t>𝑛</m:t>
-                              </m:r>
-                            </m:e>
-                          </m:d>
-                        </m:e>
-                      </m:func>
-                      <m:r>
-                        <a:rPr lang="en-US" sz="2400" b="0" i="1" smtClean="0">
-                          <a:latin typeface="Cambria Math" panose="02040503050406030204" pitchFamily="18" charset="0"/>
-                        </a:rPr>
-                        <m:t>𝑘</m:t>
-                      </m:r>
-                    </m:oMath>
-                  </m:oMathPara>
-                </a14:m>
-                <a:endParaRPr lang="en-US" sz="2400" dirty="0"/>
-              </a:p>
-            </p:txBody>
-          </p:sp>
-        </mc:Choice>
-        <mc:Fallback xmlns="">
-          <p:sp>
-            <p:nvSpPr>
-              <p:cNvPr id="4" name="TextBox 3">
-                <a:extLst>
-                  <a:ext uri="{FF2B5EF4-FFF2-40B4-BE49-F238E27FC236}">
-                    <a16:creationId xmlns:a16="http://schemas.microsoft.com/office/drawing/2014/main" id="{EEBE1C95-0C84-13FF-E5EC-14DA1D1EAE16}"/>
-                  </a:ext>
-                </a:extLst>
-              </p:cNvPr>
-              <p:cNvSpPr txBox="1">
-                <a:spLocks noRot="1" noChangeAspect="1" noMove="1" noResize="1" noEditPoints="1" noAdjustHandles="1" noChangeArrowheads="1" noChangeShapeType="1" noTextEdit="1"/>
-              </p:cNvSpPr>
-              <p:nvPr/>
-            </p:nvSpPr>
-            <p:spPr>
-              <a:xfrm>
-                <a:off x="2694709" y="5095981"/>
-                <a:ext cx="5791200" cy="461665"/>
-              </a:xfrm>
-              <a:prstGeom prst="rect">
-                <a:avLst/>
-              </a:prstGeom>
-              <a:blipFill>
-                <a:blip r:embed="rId4"/>
-                <a:stretch>
-                  <a:fillRect b="-17105"/>
-                </a:stretch>
-              </a:blipFill>
-            </p:spPr>
-            <p:txBody>
-              <a:bodyPr/>
-              <a:lstStyle/>
-              <a:p>
-                <a:r>
-                  <a:rPr lang="en-US">
-                    <a:noFill/>
-                  </a:rPr>
-                  <a:t> </a:t>
-                </a:r>
-              </a:p>
-            </p:txBody>
-          </p:sp>
-        </mc:Fallback>
-      </mc:AlternateContent>
-    </p:spTree>
-    <p:extLst>
-      <p:ext uri="{BB962C8B-B14F-4D97-AF65-F5344CB8AC3E}">
-        <p14:creationId xmlns:p14="http://schemas.microsoft.com/office/powerpoint/2010/main" val="4282988458"/>
-      </p:ext>
-    </p:extLst>
-  </p:cSld>
-  <p:clrMapOvr>
-    <a:masterClrMapping/>
-  </p:clrMapOvr>
-</p:sld>
-</file>
-
-<file path=ppt/slides/slide9.xml><?xml version="1.0" encoding="utf-8"?>
-<p:sld xmlns:a="http://schemas.openxmlformats.org/drawingml/2006/main" xmlns:r="http://schemas.openxmlformats.org/officeDocument/2006/relationships" xmlns:p="http://schemas.openxmlformats.org/presentationml/2006/main">
-  <p:cSld>
-    <p:spTree>
-      <p:nvGrpSpPr>
-        <p:cNvPr id="1" name=""/>
-        <p:cNvGrpSpPr/>
-        <p:nvPr/>
-      </p:nvGrpSpPr>
-      <p:grpSpPr>
-        <a:xfrm>
-          <a:off x="0" y="0"/>
-          <a:ext cx="0" cy="0"/>
-          <a:chOff x="0" y="0"/>
-          <a:chExt cx="0" cy="0"/>
-        </a:xfrm>
-      </p:grpSpPr>
-      <p:pic>
-        <p:nvPicPr>
-          <p:cNvPr id="2" name="Picture 10" descr="Mario Pattern">
-            <a:extLst>
-              <a:ext uri="{FF2B5EF4-FFF2-40B4-BE49-F238E27FC236}">
-                <a16:creationId xmlns:a16="http://schemas.microsoft.com/office/drawing/2014/main" id="{8F84FFD9-23AF-75F7-6DAA-904525952142}"/>
-              </a:ext>
-            </a:extLst>
-          </p:cNvPr>
-          <p:cNvPicPr>
-            <a:picLocks noChangeAspect="1" noChangeArrowheads="1"/>
-          </p:cNvPicPr>
-          <p:nvPr/>
-        </p:nvPicPr>
-        <p:blipFill rotWithShape="1">
-          <a:blip r:embed="rId2">
-            <a:alphaModFix amt="47000"/>
-            <a:extLst>
-              <a:ext uri="{28A0092B-C50C-407E-A947-70E740481C1C}">
-                <a14:useLocalDpi xmlns:a14="http://schemas.microsoft.com/office/drawing/2010/main" val="0"/>
-              </a:ext>
-            </a:extLst>
-          </a:blip>
-          <a:srcRect l="4595" r="6699"/>
-          <a:stretch/>
-        </p:blipFill>
-        <p:spPr bwMode="auto">
-          <a:xfrm>
-            <a:off x="0" y="-2057400"/>
-            <a:ext cx="12192000" cy="10308201"/>
-          </a:xfrm>
-          <a:prstGeom prst="rect">
-            <a:avLst/>
-          </a:prstGeom>
-          <a:noFill/>
-          <a:extLst>
-            <a:ext uri="{909E8E84-426E-40DD-AFC4-6F175D3DCCD1}">
-              <a14:hiddenFill xmlns:a14="http://schemas.microsoft.com/office/drawing/2010/main">
-                <a:solidFill>
-                  <a:srgbClr val="FFFFFF"/>
-                </a:solidFill>
-              </a14:hiddenFill>
-            </a:ext>
-          </a:extLst>
-        </p:spPr>
-      </p:pic>
-      <p:sp>
-        <p:nvSpPr>
-          <p:cNvPr id="12" name="Line 11"/>
-          <p:cNvSpPr>
-            <a:spLocks noChangeShapeType="1"/>
-          </p:cNvSpPr>
-          <p:nvPr/>
-        </p:nvSpPr>
-        <p:spPr bwMode="auto">
-          <a:xfrm flipV="1">
-            <a:off x="6972300" y="5109836"/>
-            <a:ext cx="609600" cy="533400"/>
-          </a:xfrm>
-          <a:prstGeom prst="line">
-            <a:avLst/>
-          </a:prstGeom>
-          <a:noFill/>
-          <a:ln w="38100">
-            <a:solidFill>
-              <a:srgbClr val="FFFF66"/>
-            </a:solidFill>
-            <a:round/>
-            <a:headEnd/>
-            <a:tailEnd type="triangle" w="med" len="med"/>
-          </a:ln>
-          <a:extLst>
-            <a:ext uri="{909E8E84-426E-40DD-AFC4-6F175D3DCCD1}">
-              <a14:hiddenFill xmlns:a14="http://schemas.microsoft.com/office/drawing/2010/main">
-                <a:noFill/>
-              </a14:hiddenFill>
-            </a:ext>
-          </a:extLst>
-        </p:spPr>
-        <p:txBody>
-          <a:bodyPr wrap="square">
-            <a:spAutoFit/>
-          </a:bodyPr>
-          <a:lstStyle/>
-          <a:p>
-            <a:endParaRPr lang="en-US"/>
-          </a:p>
-        </p:txBody>
-      </p:sp>
-      <p:sp>
-        <p:nvSpPr>
-          <p:cNvPr id="6" name="TextBox 5">
-            <a:extLst>
-              <a:ext uri="{FF2B5EF4-FFF2-40B4-BE49-F238E27FC236}">
-                <a16:creationId xmlns:a16="http://schemas.microsoft.com/office/drawing/2014/main" id="{4F2DA592-D8EB-70BA-2112-6C13A4E7B393}"/>
-              </a:ext>
-            </a:extLst>
-          </p:cNvPr>
-          <p:cNvSpPr txBox="1"/>
-          <p:nvPr/>
-        </p:nvSpPr>
-        <p:spPr>
-          <a:xfrm>
-            <a:off x="457200" y="609600"/>
-            <a:ext cx="11201400" cy="919401"/>
-          </a:xfrm>
-          <a:prstGeom prst="roundRect">
-            <a:avLst/>
-          </a:prstGeom>
-          <a:solidFill>
-            <a:schemeClr val="bg1">
-              <a:alpha val="70000"/>
-            </a:schemeClr>
-          </a:solidFill>
-          <a:ln w="76200">
-            <a:solidFill>
-              <a:srgbClr val="FFC416"/>
-            </a:solidFill>
-          </a:ln>
-        </p:spPr>
-        <p:style>
-          <a:lnRef idx="2">
-            <a:schemeClr val="dk1"/>
-          </a:lnRef>
-          <a:fillRef idx="1">
-            <a:schemeClr val="lt1"/>
-          </a:fillRef>
-          <a:effectRef idx="0">
-            <a:schemeClr val="dk1"/>
-          </a:effectRef>
-          <a:fontRef idx="minor">
-            <a:schemeClr val="dk1"/>
-          </a:fontRef>
-        </p:style>
-        <p:txBody>
-          <a:bodyPr wrap="square" rtlCol="0">
-            <a:spAutoFit/>
-          </a:bodyPr>
-          <a:lstStyle/>
-          <a:p>
-            <a:pPr algn="ctr"/>
-            <a:r>
-              <a:rPr lang="en-US" sz="4800" b="1" dirty="0">
-                <a:solidFill>
-                  <a:srgbClr val="2D3A37"/>
-                </a:solidFill>
-                <a:latin typeface="Adobe Devanagari" panose="02040503050201020203" pitchFamily="18" charset="0"/>
-                <a:cs typeface="Adobe Devanagari" panose="02040503050201020203" pitchFamily="18" charset="0"/>
-              </a:rPr>
-              <a:t>Model Selection Algorithms</a:t>
-            </a:r>
-            <a:endParaRPr lang="en-US" sz="4800" dirty="0">
-              <a:solidFill>
-                <a:srgbClr val="2D3A37"/>
-              </a:solidFill>
-            </a:endParaRPr>
-          </a:p>
-        </p:txBody>
-      </p:sp>
-      <p:sp>
-        <p:nvSpPr>
-          <p:cNvPr id="7" name="TextBox 6">
-            <a:extLst>
-              <a:ext uri="{FF2B5EF4-FFF2-40B4-BE49-F238E27FC236}">
-                <a16:creationId xmlns:a16="http://schemas.microsoft.com/office/drawing/2014/main" id="{D9B238EA-D04E-3255-7509-F990F1A8F309}"/>
-              </a:ext>
-            </a:extLst>
-          </p:cNvPr>
-          <p:cNvSpPr txBox="1"/>
-          <p:nvPr/>
-        </p:nvSpPr>
-        <p:spPr>
-          <a:xfrm>
-            <a:off x="457200" y="1981200"/>
-            <a:ext cx="11201400" cy="3439239"/>
-          </a:xfrm>
-          <a:prstGeom prst="roundRect">
-            <a:avLst/>
-          </a:prstGeom>
-          <a:solidFill>
-            <a:schemeClr val="bg1"/>
-          </a:solidFill>
-          <a:ln w="76200">
-            <a:solidFill>
-              <a:srgbClr val="FFC416"/>
-            </a:solidFill>
-          </a:ln>
-        </p:spPr>
-        <p:style>
-          <a:lnRef idx="2">
-            <a:schemeClr val="dk1"/>
-          </a:lnRef>
-          <a:fillRef idx="1">
-            <a:schemeClr val="lt1"/>
-          </a:fillRef>
-          <a:effectRef idx="0">
-            <a:schemeClr val="dk1"/>
-          </a:effectRef>
-          <a:fontRef idx="minor">
-            <a:schemeClr val="dk1"/>
-          </a:fontRef>
-        </p:style>
-        <p:txBody>
-          <a:bodyPr wrap="square" rtlCol="0">
-            <a:spAutoFit/>
-          </a:bodyPr>
-          <a:lstStyle/>
-          <a:p>
-            <a:pPr marL="457200" indent="-457200">
-              <a:buFont typeface="Arial" panose="020B0604020202020204" pitchFamily="34" charset="0"/>
-              <a:buChar char="•"/>
-            </a:pPr>
-            <a:r>
-              <a:rPr lang="en-US" sz="2800" dirty="0">
-                <a:solidFill>
-                  <a:srgbClr val="660066"/>
-                </a:solidFill>
-              </a:rPr>
-              <a:t>Backwards Elimination</a:t>
-            </a:r>
-          </a:p>
-          <a:p>
-            <a:pPr marL="914400" lvl="1" indent="-457200">
-              <a:buFont typeface="Arial" panose="020B0604020202020204" pitchFamily="34" charset="0"/>
-              <a:buChar char="•"/>
-            </a:pPr>
-            <a:r>
-              <a:rPr lang="en-US" sz="2800" dirty="0">
-                <a:solidFill>
-                  <a:srgbClr val="660066"/>
-                </a:solidFill>
-              </a:rPr>
-              <a:t>Start by Fitting Full Model</a:t>
-            </a:r>
-          </a:p>
-          <a:p>
-            <a:pPr marL="914400" lvl="1" indent="-457200">
-              <a:buFont typeface="Arial" panose="020B0604020202020204" pitchFamily="34" charset="0"/>
-              <a:buChar char="•"/>
-            </a:pPr>
-            <a:r>
-              <a:rPr lang="en-US" sz="2800" dirty="0">
-                <a:solidFill>
-                  <a:srgbClr val="660066"/>
-                </a:solidFill>
-              </a:rPr>
-              <a:t>Remove Variable with the </a:t>
-            </a:r>
-            <a:r>
-              <a:rPr lang="en-US" sz="2800" b="1" dirty="0">
-                <a:solidFill>
-                  <a:srgbClr val="660066"/>
-                </a:solidFill>
-              </a:rPr>
-              <a:t>Largest P-value </a:t>
-            </a:r>
-            <a:r>
-              <a:rPr lang="en-US" sz="2800" dirty="0">
-                <a:solidFill>
-                  <a:srgbClr val="660066"/>
-                </a:solidFill>
-              </a:rPr>
-              <a:t>and </a:t>
-            </a:r>
-            <a:r>
-              <a:rPr lang="en-US" sz="2800" b="1" dirty="0">
-                <a:solidFill>
-                  <a:srgbClr val="660066"/>
-                </a:solidFill>
-              </a:rPr>
-              <a:t>&gt;0.05</a:t>
-            </a:r>
-          </a:p>
-          <a:p>
-            <a:pPr marL="914400" lvl="1" indent="-457200">
-              <a:buFont typeface="Arial" panose="020B0604020202020204" pitchFamily="34" charset="0"/>
-              <a:buChar char="•"/>
-            </a:pPr>
-            <a:r>
-              <a:rPr lang="en-US" sz="2800" dirty="0">
-                <a:solidFill>
-                  <a:srgbClr val="660066"/>
-                </a:solidFill>
-              </a:rPr>
-              <a:t>Refit Model Without Previous Variable</a:t>
-            </a:r>
-          </a:p>
-          <a:p>
-            <a:pPr marL="914400" lvl="1" indent="-457200">
-              <a:buFont typeface="Arial" panose="020B0604020202020204" pitchFamily="34" charset="0"/>
-              <a:buChar char="•"/>
-            </a:pPr>
-            <a:r>
-              <a:rPr lang="en-US" sz="2800" dirty="0">
-                <a:solidFill>
-                  <a:srgbClr val="660066"/>
-                </a:solidFill>
-              </a:rPr>
-              <a:t>Remove Variable with the </a:t>
-            </a:r>
-            <a:r>
-              <a:rPr lang="en-US" sz="2800" b="1" dirty="0">
-                <a:solidFill>
-                  <a:srgbClr val="660066"/>
-                </a:solidFill>
-              </a:rPr>
-              <a:t>Largest P-value </a:t>
-            </a:r>
-            <a:r>
-              <a:rPr lang="en-US" sz="2800" dirty="0">
-                <a:solidFill>
-                  <a:srgbClr val="660066"/>
-                </a:solidFill>
-              </a:rPr>
-              <a:t>and </a:t>
-            </a:r>
-            <a:r>
-              <a:rPr lang="en-US" sz="2800" b="1" dirty="0">
-                <a:solidFill>
-                  <a:srgbClr val="660066"/>
-                </a:solidFill>
-              </a:rPr>
-              <a:t>&gt;0.05</a:t>
-            </a:r>
-          </a:p>
-          <a:p>
-            <a:pPr marL="914400" lvl="1" indent="-457200">
-              <a:buFont typeface="Arial" panose="020B0604020202020204" pitchFamily="34" charset="0"/>
-              <a:buChar char="•"/>
-            </a:pPr>
-            <a:r>
-              <a:rPr lang="en-US" sz="2800" dirty="0">
-                <a:solidFill>
-                  <a:srgbClr val="660066"/>
-                </a:solidFill>
-              </a:rPr>
-              <a:t>Continue…</a:t>
-            </a:r>
-          </a:p>
-          <a:p>
-            <a:pPr marL="914400" lvl="1" indent="-457200">
-              <a:buFont typeface="Arial" panose="020B0604020202020204" pitchFamily="34" charset="0"/>
-              <a:buChar char="•"/>
-            </a:pPr>
-            <a:r>
-              <a:rPr lang="en-US" sz="2800" dirty="0">
-                <a:solidFill>
-                  <a:srgbClr val="660066"/>
-                </a:solidFill>
-              </a:rPr>
-              <a:t>Stop Removing Variables Once All Variables Have a P-value &lt;0.05</a:t>
-            </a:r>
-          </a:p>
-        </p:txBody>
-      </p:sp>
-    </p:spTree>
-    <p:extLst>
-      <p:ext uri="{BB962C8B-B14F-4D97-AF65-F5344CB8AC3E}">
-        <p14:creationId xmlns:p14="http://schemas.microsoft.com/office/powerpoint/2010/main" val="4192025203"/>
       </p:ext>
     </p:extLst>
   </p:cSld>
